--- a/3차발표/2DGP 3차발표.pptx
+++ b/3차발표/2DGP 3차발표.pptx
@@ -7,6 +7,7 @@
   <p:sldIdLst>
     <p:sldId id="257" r:id="rId2"/>
     <p:sldId id="280" r:id="rId3"/>
+    <p:sldId id="281" r:id="rId4"/>
   </p:sldIdLst>
   <p:sldSz cx="12192000" cy="6858000"/>
   <p:notesSz cx="6858000" cy="9144000"/>
@@ -105,7 +106,932 @@
       </a:defRPr>
     </a:lvl9pPr>
   </p:defaultTextStyle>
+  <p:extLst>
+    <p:ext uri="{EFAFB233-063F-42B5-8137-9DF3F51BA10A}">
+      <p15:sldGuideLst xmlns:p15="http://schemas.microsoft.com/office/powerpoint/2012/main"/>
+    </p:ext>
+  </p:extLst>
 </p:presentation>
+</file>
+
+<file path=ppt/charts/chart1.xml><?xml version="1.0" encoding="utf-8"?>
+<c:chartSpace xmlns:c="http://schemas.openxmlformats.org/drawingml/2006/chart" xmlns:a="http://schemas.openxmlformats.org/drawingml/2006/main" xmlns:r="http://schemas.openxmlformats.org/officeDocument/2006/relationships" xmlns:c16r2="http://schemas.microsoft.com/office/drawing/2015/06/chart">
+  <c:date1904 val="0"/>
+  <c:lang val="ko-KR"/>
+  <c:roundedCorners val="0"/>
+  <mc:AlternateContent xmlns:mc="http://schemas.openxmlformats.org/markup-compatibility/2006">
+    <mc:Choice xmlns:c14="http://schemas.microsoft.com/office/drawing/2007/8/2/chart" Requires="c14">
+      <c14:style val="102"/>
+    </mc:Choice>
+    <mc:Fallback>
+      <c:style val="2"/>
+    </mc:Fallback>
+  </mc:AlternateContent>
+  <c:chart>
+    <c:autoTitleDeleted val="1"/>
+    <c:plotArea>
+      <c:layout/>
+      <c:lineChart>
+        <c:grouping val="standard"/>
+        <c:varyColors val="0"/>
+        <c:ser>
+          <c:idx val="0"/>
+          <c:order val="0"/>
+          <c:tx>
+            <c:strRef>
+              <c:f>Sheet1!$B$1</c:f>
+              <c:strCache>
+                <c:ptCount val="1"/>
+                <c:pt idx="0">
+                  <c:v>계열 1</c:v>
+                </c:pt>
+              </c:strCache>
+            </c:strRef>
+          </c:tx>
+          <c:spPr>
+            <a:ln w="28575" cap="rnd">
+              <a:solidFill>
+                <a:schemeClr val="accent1"/>
+              </a:solidFill>
+              <a:round/>
+            </a:ln>
+            <a:effectLst/>
+          </c:spPr>
+          <c:marker>
+            <c:symbol val="circle"/>
+            <c:size val="5"/>
+            <c:spPr>
+              <a:solidFill>
+                <a:schemeClr val="accent1"/>
+              </a:solidFill>
+              <a:ln w="9525">
+                <a:solidFill>
+                  <a:schemeClr val="accent1"/>
+                </a:solidFill>
+              </a:ln>
+              <a:effectLst/>
+            </c:spPr>
+          </c:marker>
+          <c:cat>
+            <c:numRef>
+              <c:f>Sheet1!$A$2:$A$23</c:f>
+              <c:numCache>
+                <c:formatCode>d\-mmm</c:formatCode>
+                <c:ptCount val="22"/>
+                <c:pt idx="0">
+                  <c:v>43748</c:v>
+                </c:pt>
+                <c:pt idx="1">
+                  <c:v>43749</c:v>
+                </c:pt>
+                <c:pt idx="2">
+                  <c:v>43750</c:v>
+                </c:pt>
+                <c:pt idx="3">
+                  <c:v>43751</c:v>
+                </c:pt>
+                <c:pt idx="4">
+                  <c:v>43752</c:v>
+                </c:pt>
+                <c:pt idx="5">
+                  <c:v>43753</c:v>
+                </c:pt>
+                <c:pt idx="6">
+                  <c:v>43754</c:v>
+                </c:pt>
+                <c:pt idx="7">
+                  <c:v>43755</c:v>
+                </c:pt>
+                <c:pt idx="8">
+                  <c:v>43756</c:v>
+                </c:pt>
+                <c:pt idx="9">
+                  <c:v>43757</c:v>
+                </c:pt>
+                <c:pt idx="10">
+                  <c:v>43758</c:v>
+                </c:pt>
+                <c:pt idx="11">
+                  <c:v>43759</c:v>
+                </c:pt>
+                <c:pt idx="12">
+                  <c:v>43760</c:v>
+                </c:pt>
+                <c:pt idx="13">
+                  <c:v>43761</c:v>
+                </c:pt>
+                <c:pt idx="14">
+                  <c:v>43762</c:v>
+                </c:pt>
+                <c:pt idx="15">
+                  <c:v>43763</c:v>
+                </c:pt>
+                <c:pt idx="16">
+                  <c:v>43764</c:v>
+                </c:pt>
+                <c:pt idx="17">
+                  <c:v>43765</c:v>
+                </c:pt>
+                <c:pt idx="18">
+                  <c:v>43766</c:v>
+                </c:pt>
+                <c:pt idx="19">
+                  <c:v>43767</c:v>
+                </c:pt>
+                <c:pt idx="20">
+                  <c:v>43768</c:v>
+                </c:pt>
+                <c:pt idx="21">
+                  <c:v>43769</c:v>
+                </c:pt>
+              </c:numCache>
+            </c:numRef>
+          </c:cat>
+          <c:val>
+            <c:numRef>
+              <c:f>Sheet1!$B$2:$B$23</c:f>
+              <c:numCache>
+                <c:formatCode>General</c:formatCode>
+                <c:ptCount val="22"/>
+                <c:pt idx="0">
+                  <c:v>2</c:v>
+                </c:pt>
+                <c:pt idx="1">
+                  <c:v>0</c:v>
+                </c:pt>
+                <c:pt idx="2">
+                  <c:v>0</c:v>
+                </c:pt>
+                <c:pt idx="3">
+                  <c:v>1</c:v>
+                </c:pt>
+                <c:pt idx="4">
+                  <c:v>0</c:v>
+                </c:pt>
+                <c:pt idx="5">
+                  <c:v>0</c:v>
+                </c:pt>
+                <c:pt idx="6">
+                  <c:v>0</c:v>
+                </c:pt>
+                <c:pt idx="7">
+                  <c:v>0</c:v>
+                </c:pt>
+                <c:pt idx="8">
+                  <c:v>1</c:v>
+                </c:pt>
+                <c:pt idx="9">
+                  <c:v>0</c:v>
+                </c:pt>
+                <c:pt idx="10">
+                  <c:v>0</c:v>
+                </c:pt>
+                <c:pt idx="11">
+                  <c:v>0</c:v>
+                </c:pt>
+                <c:pt idx="12">
+                  <c:v>0</c:v>
+                </c:pt>
+                <c:pt idx="13">
+                  <c:v>0</c:v>
+                </c:pt>
+                <c:pt idx="14">
+                  <c:v>0</c:v>
+                </c:pt>
+                <c:pt idx="15">
+                  <c:v>0</c:v>
+                </c:pt>
+                <c:pt idx="16">
+                  <c:v>0</c:v>
+                </c:pt>
+                <c:pt idx="17">
+                  <c:v>0</c:v>
+                </c:pt>
+                <c:pt idx="18">
+                  <c:v>0</c:v>
+                </c:pt>
+                <c:pt idx="19">
+                  <c:v>3</c:v>
+                </c:pt>
+                <c:pt idx="20">
+                  <c:v>2</c:v>
+                </c:pt>
+                <c:pt idx="21">
+                  <c:v>4</c:v>
+                </c:pt>
+              </c:numCache>
+            </c:numRef>
+          </c:val>
+          <c:smooth val="0"/>
+          <c:extLst>
+            <c:ext xmlns:c16="http://schemas.microsoft.com/office/drawing/2014/chart" uri="{C3380CC4-5D6E-409C-BE32-E72D297353CC}">
+              <c16:uniqueId val="{00000000-5B62-40B6-AE30-0AFB4331133C}"/>
+            </c:ext>
+          </c:extLst>
+        </c:ser>
+        <c:dLbls>
+          <c:showLegendKey val="0"/>
+          <c:showVal val="0"/>
+          <c:showCatName val="0"/>
+          <c:showSerName val="0"/>
+          <c:showPercent val="0"/>
+          <c:showBubbleSize val="0"/>
+        </c:dLbls>
+        <c:marker val="1"/>
+        <c:smooth val="0"/>
+        <c:axId val="1030540912"/>
+        <c:axId val="1039823520"/>
+      </c:lineChart>
+      <c:dateAx>
+        <c:axId val="1030540912"/>
+        <c:scaling>
+          <c:orientation val="minMax"/>
+        </c:scaling>
+        <c:delete val="0"/>
+        <c:axPos val="b"/>
+        <c:numFmt formatCode="d\-mmm" sourceLinked="1"/>
+        <c:majorTickMark val="none"/>
+        <c:minorTickMark val="none"/>
+        <c:tickLblPos val="nextTo"/>
+        <c:spPr>
+          <a:noFill/>
+          <a:ln w="9525" cap="flat" cmpd="sng" algn="ctr">
+            <a:solidFill>
+              <a:schemeClr val="tx1">
+                <a:lumMod val="15000"/>
+                <a:lumOff val="85000"/>
+              </a:schemeClr>
+            </a:solidFill>
+            <a:round/>
+          </a:ln>
+          <a:effectLst/>
+        </c:spPr>
+        <c:txPr>
+          <a:bodyPr rot="-60000000" spcFirstLastPara="1" vertOverflow="ellipsis" vert="horz" wrap="square" anchor="ctr" anchorCtr="1"/>
+          <a:lstStyle/>
+          <a:p>
+            <a:pPr>
+              <a:defRPr sz="1197" b="0" i="0" u="none" strike="noStrike" kern="1200" baseline="0">
+                <a:solidFill>
+                  <a:schemeClr val="tx1">
+                    <a:lumMod val="65000"/>
+                    <a:lumOff val="35000"/>
+                  </a:schemeClr>
+                </a:solidFill>
+                <a:latin typeface="+mn-lt"/>
+                <a:ea typeface="+mn-ea"/>
+                <a:cs typeface="+mn-cs"/>
+              </a:defRPr>
+            </a:pPr>
+            <a:endParaRPr lang="ko-KR"/>
+          </a:p>
+        </c:txPr>
+        <c:crossAx val="1039823520"/>
+        <c:crosses val="autoZero"/>
+        <c:auto val="1"/>
+        <c:lblOffset val="100"/>
+        <c:baseTimeUnit val="days"/>
+      </c:dateAx>
+      <c:valAx>
+        <c:axId val="1039823520"/>
+        <c:scaling>
+          <c:orientation val="minMax"/>
+        </c:scaling>
+        <c:delete val="0"/>
+        <c:axPos val="l"/>
+        <c:majorGridlines>
+          <c:spPr>
+            <a:ln w="9525" cap="flat" cmpd="sng" algn="ctr">
+              <a:solidFill>
+                <a:schemeClr val="tx1">
+                  <a:lumMod val="15000"/>
+                  <a:lumOff val="85000"/>
+                </a:schemeClr>
+              </a:solidFill>
+              <a:round/>
+            </a:ln>
+            <a:effectLst/>
+          </c:spPr>
+        </c:majorGridlines>
+        <c:numFmt formatCode="General" sourceLinked="1"/>
+        <c:majorTickMark val="none"/>
+        <c:minorTickMark val="none"/>
+        <c:tickLblPos val="nextTo"/>
+        <c:spPr>
+          <a:noFill/>
+          <a:ln>
+            <a:noFill/>
+          </a:ln>
+          <a:effectLst/>
+        </c:spPr>
+        <c:txPr>
+          <a:bodyPr rot="-60000000" spcFirstLastPara="1" vertOverflow="ellipsis" vert="horz" wrap="square" anchor="ctr" anchorCtr="1"/>
+          <a:lstStyle/>
+          <a:p>
+            <a:pPr>
+              <a:defRPr sz="1197" b="0" i="0" u="none" strike="noStrike" kern="1200" baseline="0">
+                <a:solidFill>
+                  <a:schemeClr val="tx1">
+                    <a:lumMod val="65000"/>
+                    <a:lumOff val="35000"/>
+                  </a:schemeClr>
+                </a:solidFill>
+                <a:latin typeface="+mn-lt"/>
+                <a:ea typeface="+mn-ea"/>
+                <a:cs typeface="+mn-cs"/>
+              </a:defRPr>
+            </a:pPr>
+            <a:endParaRPr lang="ko-KR"/>
+          </a:p>
+        </c:txPr>
+        <c:crossAx val="1030540912"/>
+        <c:crosses val="autoZero"/>
+        <c:crossBetween val="between"/>
+        <c:majorUnit val="2"/>
+      </c:valAx>
+      <c:spPr>
+        <a:noFill/>
+        <a:ln>
+          <a:noFill/>
+        </a:ln>
+        <a:effectLst/>
+      </c:spPr>
+    </c:plotArea>
+    <c:plotVisOnly val="1"/>
+    <c:dispBlanksAs val="gap"/>
+    <c:extLst>
+      <c:ext xmlns:c16r3="http://schemas.microsoft.com/office/drawing/2017/03/chart" uri="{56B9EC1D-385E-4148-901F-78D8002777C0}">
+        <c16r3:dataDisplayOptions16>
+          <c16r3:dispNaAsBlank val="1"/>
+        </c16r3:dataDisplayOptions16>
+      </c:ext>
+    </c:extLst>
+    <c:showDLblsOverMax val="0"/>
+  </c:chart>
+  <c:spPr>
+    <a:noFill/>
+    <a:ln>
+      <a:noFill/>
+    </a:ln>
+    <a:effectLst/>
+  </c:spPr>
+  <c:txPr>
+    <a:bodyPr/>
+    <a:lstStyle/>
+    <a:p>
+      <a:pPr>
+        <a:defRPr/>
+      </a:pPr>
+      <a:endParaRPr lang="ko-KR"/>
+    </a:p>
+  </c:txPr>
+  <c:externalData r:id="rId3">
+    <c:autoUpdate val="0"/>
+  </c:externalData>
+</c:chartSpace>
+</file>
+
+<file path=ppt/charts/colors1.xml><?xml version="1.0" encoding="utf-8"?>
+<cs:colorStyle xmlns:cs="http://schemas.microsoft.com/office/drawing/2012/chartStyle" xmlns:a="http://schemas.openxmlformats.org/drawingml/2006/main" meth="cycle" id="10">
+  <a:schemeClr val="accent1"/>
+  <a:schemeClr val="accent2"/>
+  <a:schemeClr val="accent3"/>
+  <a:schemeClr val="accent4"/>
+  <a:schemeClr val="accent5"/>
+  <a:schemeClr val="accent6"/>
+  <cs:variation/>
+  <cs:variation>
+    <a:lumMod val="60000"/>
+  </cs:variation>
+  <cs:variation>
+    <a:lumMod val="80000"/>
+    <a:lumOff val="20000"/>
+  </cs:variation>
+  <cs:variation>
+    <a:lumMod val="80000"/>
+  </cs:variation>
+  <cs:variation>
+    <a:lumMod val="60000"/>
+    <a:lumOff val="40000"/>
+  </cs:variation>
+  <cs:variation>
+    <a:lumMod val="50000"/>
+  </cs:variation>
+  <cs:variation>
+    <a:lumMod val="70000"/>
+    <a:lumOff val="30000"/>
+  </cs:variation>
+  <cs:variation>
+    <a:lumMod val="70000"/>
+  </cs:variation>
+  <cs:variation>
+    <a:lumMod val="50000"/>
+    <a:lumOff val="50000"/>
+  </cs:variation>
+</cs:colorStyle>
+</file>
+
+<file path=ppt/charts/style1.xml><?xml version="1.0" encoding="utf-8"?>
+<cs:chartStyle xmlns:cs="http://schemas.microsoft.com/office/drawing/2012/chartStyle" xmlns:a="http://schemas.openxmlformats.org/drawingml/2006/main" id="332">
+  <cs:axisTitle>
+    <cs:lnRef idx="0"/>
+    <cs:fillRef idx="0"/>
+    <cs:effectRef idx="0"/>
+    <cs:fontRef idx="minor">
+      <a:schemeClr val="tx1">
+        <a:lumMod val="65000"/>
+        <a:lumOff val="35000"/>
+      </a:schemeClr>
+    </cs:fontRef>
+    <cs:defRPr sz="1330" kern="1200"/>
+  </cs:axisTitle>
+  <cs:categoryAxis>
+    <cs:lnRef idx="0"/>
+    <cs:fillRef idx="0"/>
+    <cs:effectRef idx="0"/>
+    <cs:fontRef idx="minor">
+      <a:schemeClr val="tx1">
+        <a:lumMod val="65000"/>
+        <a:lumOff val="35000"/>
+      </a:schemeClr>
+    </cs:fontRef>
+    <cs:spPr>
+      <a:ln w="9525" cap="flat" cmpd="sng" algn="ctr">
+        <a:solidFill>
+          <a:schemeClr val="tx1">
+            <a:lumMod val="15000"/>
+            <a:lumOff val="85000"/>
+          </a:schemeClr>
+        </a:solidFill>
+        <a:round/>
+      </a:ln>
+    </cs:spPr>
+    <cs:defRPr sz="1197" kern="1200"/>
+  </cs:categoryAxis>
+  <cs:chartArea mods="allowNoFillOverride allowNoLineOverride">
+    <cs:lnRef idx="0"/>
+    <cs:fillRef idx="0"/>
+    <cs:effectRef idx="0"/>
+    <cs:fontRef idx="minor">
+      <a:schemeClr val="tx1"/>
+    </cs:fontRef>
+    <cs:spPr>
+      <a:solidFill>
+        <a:schemeClr val="bg1"/>
+      </a:solidFill>
+      <a:ln w="9525" cap="flat" cmpd="sng" algn="ctr">
+        <a:solidFill>
+          <a:schemeClr val="tx1">
+            <a:lumMod val="15000"/>
+            <a:lumOff val="85000"/>
+          </a:schemeClr>
+        </a:solidFill>
+        <a:round/>
+      </a:ln>
+    </cs:spPr>
+    <cs:defRPr sz="1330" kern="1200"/>
+  </cs:chartArea>
+  <cs:dataLabel>
+    <cs:lnRef idx="0"/>
+    <cs:fillRef idx="0"/>
+    <cs:effectRef idx="0"/>
+    <cs:fontRef idx="minor">
+      <a:schemeClr val="tx1">
+        <a:lumMod val="75000"/>
+        <a:lumOff val="25000"/>
+      </a:schemeClr>
+    </cs:fontRef>
+    <cs:defRPr sz="1197" kern="1200"/>
+  </cs:dataLabel>
+  <cs:dataLabelCallout>
+    <cs:lnRef idx="0"/>
+    <cs:fillRef idx="0"/>
+    <cs:effectRef idx="0"/>
+    <cs:fontRef idx="minor">
+      <a:schemeClr val="dk1">
+        <a:lumMod val="65000"/>
+        <a:lumOff val="35000"/>
+      </a:schemeClr>
+    </cs:fontRef>
+    <cs:spPr>
+      <a:solidFill>
+        <a:schemeClr val="lt1"/>
+      </a:solidFill>
+      <a:ln>
+        <a:solidFill>
+          <a:schemeClr val="dk1">
+            <a:lumMod val="25000"/>
+            <a:lumOff val="75000"/>
+          </a:schemeClr>
+        </a:solidFill>
+      </a:ln>
+    </cs:spPr>
+    <cs:defRPr sz="1197" kern="1200"/>
+    <cs:bodyPr rot="0" spcFirstLastPara="1" vertOverflow="clip" horzOverflow="clip" vert="horz" wrap="square" lIns="36576" tIns="18288" rIns="36576" bIns="18288" anchor="ctr" anchorCtr="1">
+      <a:spAutoFit/>
+    </cs:bodyPr>
+  </cs:dataLabelCallout>
+  <cs:dataPoint>
+    <cs:lnRef idx="0"/>
+    <cs:fillRef idx="1">
+      <cs:styleClr val="auto"/>
+    </cs:fillRef>
+    <cs:effectRef idx="0"/>
+    <cs:fontRef idx="minor">
+      <a:schemeClr val="tx1"/>
+    </cs:fontRef>
+  </cs:dataPoint>
+  <cs:dataPoint3D>
+    <cs:lnRef idx="0"/>
+    <cs:fillRef idx="1">
+      <cs:styleClr val="auto"/>
+    </cs:fillRef>
+    <cs:effectRef idx="0"/>
+    <cs:fontRef idx="minor">
+      <a:schemeClr val="tx1"/>
+    </cs:fontRef>
+  </cs:dataPoint3D>
+  <cs:dataPointLine>
+    <cs:lnRef idx="0">
+      <cs:styleClr val="auto"/>
+    </cs:lnRef>
+    <cs:fillRef idx="1"/>
+    <cs:effectRef idx="0"/>
+    <cs:fontRef idx="minor">
+      <a:schemeClr val="tx1"/>
+    </cs:fontRef>
+    <cs:spPr>
+      <a:ln w="28575" cap="rnd">
+        <a:solidFill>
+          <a:schemeClr val="phClr"/>
+        </a:solidFill>
+        <a:round/>
+      </a:ln>
+    </cs:spPr>
+  </cs:dataPointLine>
+  <cs:dataPointMarker>
+    <cs:lnRef idx="0">
+      <cs:styleClr val="auto"/>
+    </cs:lnRef>
+    <cs:fillRef idx="1">
+      <cs:styleClr val="auto"/>
+    </cs:fillRef>
+    <cs:effectRef idx="0"/>
+    <cs:fontRef idx="minor">
+      <a:schemeClr val="tx1"/>
+    </cs:fontRef>
+    <cs:spPr>
+      <a:ln w="9525">
+        <a:solidFill>
+          <a:schemeClr val="phClr"/>
+        </a:solidFill>
+      </a:ln>
+    </cs:spPr>
+  </cs:dataPointMarker>
+  <cs:dataPointMarkerLayout symbol="circle" size="5"/>
+  <cs:dataPointWireframe>
+    <cs:lnRef idx="0">
+      <cs:styleClr val="auto"/>
+    </cs:lnRef>
+    <cs:fillRef idx="1"/>
+    <cs:effectRef idx="0"/>
+    <cs:fontRef idx="minor">
+      <a:schemeClr val="tx1"/>
+    </cs:fontRef>
+    <cs:spPr>
+      <a:ln w="9525" cap="rnd">
+        <a:solidFill>
+          <a:schemeClr val="phClr"/>
+        </a:solidFill>
+        <a:round/>
+      </a:ln>
+    </cs:spPr>
+  </cs:dataPointWireframe>
+  <cs:dataTable>
+    <cs:lnRef idx="0"/>
+    <cs:fillRef idx="0"/>
+    <cs:effectRef idx="0"/>
+    <cs:fontRef idx="minor">
+      <a:schemeClr val="tx1">
+        <a:lumMod val="65000"/>
+        <a:lumOff val="35000"/>
+      </a:schemeClr>
+    </cs:fontRef>
+    <cs:spPr>
+      <a:noFill/>
+      <a:ln w="9525" cap="flat" cmpd="sng" algn="ctr">
+        <a:solidFill>
+          <a:schemeClr val="tx1">
+            <a:lumMod val="15000"/>
+            <a:lumOff val="85000"/>
+          </a:schemeClr>
+        </a:solidFill>
+        <a:round/>
+      </a:ln>
+    </cs:spPr>
+    <cs:defRPr sz="1197" kern="1200"/>
+  </cs:dataTable>
+  <cs:downBar>
+    <cs:lnRef idx="0"/>
+    <cs:fillRef idx="0"/>
+    <cs:effectRef idx="0"/>
+    <cs:fontRef idx="minor">
+      <a:schemeClr val="dk1"/>
+    </cs:fontRef>
+    <cs:spPr>
+      <a:solidFill>
+        <a:schemeClr val="dk1">
+          <a:lumMod val="65000"/>
+          <a:lumOff val="35000"/>
+        </a:schemeClr>
+      </a:solidFill>
+      <a:ln w="9525">
+        <a:solidFill>
+          <a:schemeClr val="tx1">
+            <a:lumMod val="65000"/>
+            <a:lumOff val="35000"/>
+          </a:schemeClr>
+        </a:solidFill>
+      </a:ln>
+    </cs:spPr>
+  </cs:downBar>
+  <cs:dropLine>
+    <cs:lnRef idx="0"/>
+    <cs:fillRef idx="0"/>
+    <cs:effectRef idx="0"/>
+    <cs:fontRef idx="minor">
+      <a:schemeClr val="tx1"/>
+    </cs:fontRef>
+    <cs:spPr>
+      <a:ln w="9525" cap="flat" cmpd="sng" algn="ctr">
+        <a:solidFill>
+          <a:schemeClr val="tx1">
+            <a:lumMod val="35000"/>
+            <a:lumOff val="65000"/>
+          </a:schemeClr>
+        </a:solidFill>
+        <a:round/>
+      </a:ln>
+    </cs:spPr>
+  </cs:dropLine>
+  <cs:errorBar>
+    <cs:lnRef idx="0"/>
+    <cs:fillRef idx="0"/>
+    <cs:effectRef idx="0"/>
+    <cs:fontRef idx="minor">
+      <a:schemeClr val="tx1"/>
+    </cs:fontRef>
+    <cs:spPr>
+      <a:ln w="9525" cap="flat" cmpd="sng" algn="ctr">
+        <a:solidFill>
+          <a:schemeClr val="tx1">
+            <a:lumMod val="65000"/>
+            <a:lumOff val="35000"/>
+          </a:schemeClr>
+        </a:solidFill>
+        <a:round/>
+      </a:ln>
+    </cs:spPr>
+  </cs:errorBar>
+  <cs:floor>
+    <cs:lnRef idx="0"/>
+    <cs:fillRef idx="0"/>
+    <cs:effectRef idx="0"/>
+    <cs:fontRef idx="minor">
+      <a:schemeClr val="tx1"/>
+    </cs:fontRef>
+    <cs:spPr>
+      <a:noFill/>
+      <a:ln>
+        <a:noFill/>
+      </a:ln>
+    </cs:spPr>
+  </cs:floor>
+  <cs:gridlineMajor>
+    <cs:lnRef idx="0"/>
+    <cs:fillRef idx="0"/>
+    <cs:effectRef idx="0"/>
+    <cs:fontRef idx="minor">
+      <a:schemeClr val="tx1"/>
+    </cs:fontRef>
+    <cs:spPr>
+      <a:ln w="9525" cap="flat" cmpd="sng" algn="ctr">
+        <a:solidFill>
+          <a:schemeClr val="tx1">
+            <a:lumMod val="15000"/>
+            <a:lumOff val="85000"/>
+          </a:schemeClr>
+        </a:solidFill>
+        <a:round/>
+      </a:ln>
+    </cs:spPr>
+  </cs:gridlineMajor>
+  <cs:gridlineMinor>
+    <cs:lnRef idx="0"/>
+    <cs:fillRef idx="0"/>
+    <cs:effectRef idx="0"/>
+    <cs:fontRef idx="minor">
+      <a:schemeClr val="tx1"/>
+    </cs:fontRef>
+    <cs:spPr>
+      <a:ln w="9525" cap="flat" cmpd="sng" algn="ctr">
+        <a:solidFill>
+          <a:schemeClr val="tx1">
+            <a:lumMod val="5000"/>
+            <a:lumOff val="95000"/>
+          </a:schemeClr>
+        </a:solidFill>
+        <a:round/>
+      </a:ln>
+    </cs:spPr>
+  </cs:gridlineMinor>
+  <cs:hiLoLine>
+    <cs:lnRef idx="0"/>
+    <cs:fillRef idx="0"/>
+    <cs:effectRef idx="0"/>
+    <cs:fontRef idx="minor">
+      <a:schemeClr val="tx1"/>
+    </cs:fontRef>
+    <cs:spPr>
+      <a:ln w="9525" cap="flat" cmpd="sng" algn="ctr">
+        <a:solidFill>
+          <a:schemeClr val="tx1">
+            <a:lumMod val="75000"/>
+            <a:lumOff val="25000"/>
+          </a:schemeClr>
+        </a:solidFill>
+        <a:round/>
+      </a:ln>
+    </cs:spPr>
+  </cs:hiLoLine>
+  <cs:leaderLine>
+    <cs:lnRef idx="0"/>
+    <cs:fillRef idx="0"/>
+    <cs:effectRef idx="0"/>
+    <cs:fontRef idx="minor">
+      <a:schemeClr val="tx1"/>
+    </cs:fontRef>
+    <cs:spPr>
+      <a:ln w="9525" cap="flat" cmpd="sng" algn="ctr">
+        <a:solidFill>
+          <a:schemeClr val="tx1">
+            <a:lumMod val="35000"/>
+            <a:lumOff val="65000"/>
+          </a:schemeClr>
+        </a:solidFill>
+        <a:round/>
+      </a:ln>
+    </cs:spPr>
+  </cs:leaderLine>
+  <cs:legend>
+    <cs:lnRef idx="0"/>
+    <cs:fillRef idx="0"/>
+    <cs:effectRef idx="0"/>
+    <cs:fontRef idx="minor">
+      <a:schemeClr val="tx1">
+        <a:lumMod val="65000"/>
+        <a:lumOff val="35000"/>
+      </a:schemeClr>
+    </cs:fontRef>
+    <cs:defRPr sz="1197" kern="1200"/>
+  </cs:legend>
+  <cs:plotArea mods="allowNoFillOverride allowNoLineOverride">
+    <cs:lnRef idx="0"/>
+    <cs:fillRef idx="0"/>
+    <cs:effectRef idx="0"/>
+    <cs:fontRef idx="minor">
+      <a:schemeClr val="tx1"/>
+    </cs:fontRef>
+  </cs:plotArea>
+  <cs:plotArea3D mods="allowNoFillOverride allowNoLineOverride">
+    <cs:lnRef idx="0"/>
+    <cs:fillRef idx="0"/>
+    <cs:effectRef idx="0"/>
+    <cs:fontRef idx="minor">
+      <a:schemeClr val="tx1"/>
+    </cs:fontRef>
+  </cs:plotArea3D>
+  <cs:seriesAxis>
+    <cs:lnRef idx="0"/>
+    <cs:fillRef idx="0"/>
+    <cs:effectRef idx="0"/>
+    <cs:fontRef idx="minor">
+      <a:schemeClr val="tx1">
+        <a:lumMod val="65000"/>
+        <a:lumOff val="35000"/>
+      </a:schemeClr>
+    </cs:fontRef>
+    <cs:defRPr sz="1197" kern="1200"/>
+  </cs:seriesAxis>
+  <cs:seriesLine>
+    <cs:lnRef idx="0"/>
+    <cs:fillRef idx="0"/>
+    <cs:effectRef idx="0"/>
+    <cs:fontRef idx="minor">
+      <a:schemeClr val="tx1"/>
+    </cs:fontRef>
+    <cs:spPr>
+      <a:ln w="9525" cap="flat" cmpd="sng" algn="ctr">
+        <a:solidFill>
+          <a:schemeClr val="tx1">
+            <a:lumMod val="35000"/>
+            <a:lumOff val="65000"/>
+          </a:schemeClr>
+        </a:solidFill>
+        <a:round/>
+      </a:ln>
+    </cs:spPr>
+  </cs:seriesLine>
+  <cs:title>
+    <cs:lnRef idx="0"/>
+    <cs:fillRef idx="0"/>
+    <cs:effectRef idx="0"/>
+    <cs:fontRef idx="minor">
+      <a:schemeClr val="tx1">
+        <a:lumMod val="65000"/>
+        <a:lumOff val="35000"/>
+      </a:schemeClr>
+    </cs:fontRef>
+    <cs:defRPr sz="1862" b="0" kern="1200" spc="0" baseline="0"/>
+  </cs:title>
+  <cs:trendline>
+    <cs:lnRef idx="0">
+      <cs:styleClr val="auto"/>
+    </cs:lnRef>
+    <cs:fillRef idx="0"/>
+    <cs:effectRef idx="0"/>
+    <cs:fontRef idx="minor">
+      <a:schemeClr val="tx1"/>
+    </cs:fontRef>
+    <cs:spPr>
+      <a:ln w="19050" cap="rnd">
+        <a:solidFill>
+          <a:schemeClr val="phClr"/>
+        </a:solidFill>
+        <a:prstDash val="sysDot"/>
+      </a:ln>
+    </cs:spPr>
+  </cs:trendline>
+  <cs:trendlineLabel>
+    <cs:lnRef idx="0"/>
+    <cs:fillRef idx="0"/>
+    <cs:effectRef idx="0"/>
+    <cs:fontRef idx="minor">
+      <a:schemeClr val="tx1">
+        <a:lumMod val="65000"/>
+        <a:lumOff val="35000"/>
+      </a:schemeClr>
+    </cs:fontRef>
+    <cs:defRPr sz="1197" kern="1200"/>
+  </cs:trendlineLabel>
+  <cs:upBar>
+    <cs:lnRef idx="0"/>
+    <cs:fillRef idx="0"/>
+    <cs:effectRef idx="0"/>
+    <cs:fontRef idx="minor">
+      <a:schemeClr val="dk1"/>
+    </cs:fontRef>
+    <cs:spPr>
+      <a:solidFill>
+        <a:schemeClr val="lt1"/>
+      </a:solidFill>
+      <a:ln w="9525">
+        <a:solidFill>
+          <a:schemeClr val="tx1">
+            <a:lumMod val="15000"/>
+            <a:lumOff val="85000"/>
+          </a:schemeClr>
+        </a:solidFill>
+      </a:ln>
+    </cs:spPr>
+  </cs:upBar>
+  <cs:valueAxis>
+    <cs:lnRef idx="0"/>
+    <cs:fillRef idx="0"/>
+    <cs:effectRef idx="0"/>
+    <cs:fontRef idx="minor">
+      <a:schemeClr val="tx1">
+        <a:lumMod val="65000"/>
+        <a:lumOff val="35000"/>
+      </a:schemeClr>
+    </cs:fontRef>
+    <cs:defRPr sz="1197" kern="1200"/>
+  </cs:valueAxis>
+  <cs:wall>
+    <cs:lnRef idx="0"/>
+    <cs:fillRef idx="0"/>
+    <cs:effectRef idx="0"/>
+    <cs:fontRef idx="minor">
+      <a:schemeClr val="tx1"/>
+    </cs:fontRef>
+    <cs:spPr>
+      <a:noFill/>
+      <a:ln>
+        <a:noFill/>
+      </a:ln>
+    </cs:spPr>
+  </cs:wall>
+</cs:chartStyle>
 </file>
 
 <file path=ppt/slideLayouts/slideLayout1.xml><?xml version="1.0" encoding="utf-8"?>
@@ -4109,7 +5035,7 @@
           <p:spPr>
             <a:xfrm>
               <a:off x="795130" y="1606538"/>
-              <a:ext cx="1508490" cy="789365"/>
+              <a:ext cx="1508490" cy="958167"/>
             </a:xfrm>
             <a:prstGeom prst="rect">
               <a:avLst/>
@@ -4128,7 +5054,7 @@
                     <a:srgbClr val="1F3359"/>
                   </a:solidFill>
                 </a:rPr>
-                <a:t>Part 3</a:t>
+                <a:t>Part 1</a:t>
               </a:r>
               <a:endParaRPr kumimoji="1" lang="ja-JP" altLang="en-US" sz="3600" b="1" dirty="0">
                 <a:solidFill>
@@ -4148,7 +5074,7 @@
         <p:spPr>
           <a:xfrm>
             <a:off x="2533220" y="79337"/>
-            <a:ext cx="9712915" cy="923330"/>
+            <a:ext cx="9225602" cy="923330"/>
           </a:xfrm>
           <a:prstGeom prst="rect">
             <a:avLst/>
@@ -4162,12 +5088,12 @@
           <a:lstStyle/>
           <a:p>
             <a:r>
-              <a:rPr kumimoji="1" lang="ko-KR" altLang="en-US" sz="5400" b="1" dirty="0">
+              <a:rPr kumimoji="1" lang="ko-KR" altLang="en-US" sz="5400" b="1">
                 <a:solidFill>
                   <a:schemeClr val="bg1"/>
                 </a:solidFill>
               </a:rPr>
-              <a:t>개발 계획 대비 현재 진행 상황</a:t>
+              <a:t>개발계획 대비 현재진행상황</a:t>
             </a:r>
             <a:endParaRPr kumimoji="1" lang="ja-JP" altLang="en-US" sz="5400" b="1" dirty="0">
               <a:solidFill>
@@ -4186,14 +5112,14 @@
           <p:nvPr>
             <p:extLst>
               <p:ext uri="{D42A27DB-BD31-4B8C-83A1-F6EECF244321}">
-                <p14:modId xmlns:p14="http://schemas.microsoft.com/office/powerpoint/2010/main" val="1656124188"/>
+                <p14:modId xmlns:p14="http://schemas.microsoft.com/office/powerpoint/2010/main" val="1747491691"/>
               </p:ext>
             </p:extLst>
           </p:nvPr>
         </p:nvGraphicFramePr>
         <p:xfrm>
-          <a:off x="961292" y="1160918"/>
-          <a:ext cx="10269416" cy="5423918"/>
+          <a:off x="331694" y="1148405"/>
+          <a:ext cx="10773509" cy="5426925"/>
         </p:xfrm>
         <a:graphic>
           <a:graphicData uri="http://schemas.openxmlformats.org/drawingml/2006/table">
@@ -4202,29 +5128,36 @@
                 <a:tableStyleId>{5C22544A-7EE6-4342-B048-85BDC9FD1C3A}</a:tableStyleId>
               </a:tblPr>
               <a:tblGrid>
-                <a:gridCol w="1386884">
+                <a:gridCol w="950259">
                   <a:extLst>
                     <a:ext uri="{9D8B030D-6E8A-4147-A177-3AD203B41FA5}">
                       <a16:colId xmlns:a16="http://schemas.microsoft.com/office/drawing/2014/main" val="20000"/>
                     </a:ext>
                   </a:extLst>
                 </a:gridCol>
-                <a:gridCol w="2517720">
+                <a:gridCol w="2832847">
                   <a:extLst>
                     <a:ext uri="{9D8B030D-6E8A-4147-A177-3AD203B41FA5}">
                       <a16:colId xmlns:a16="http://schemas.microsoft.com/office/drawing/2014/main" val="20001"/>
                     </a:ext>
                   </a:extLst>
                 </a:gridCol>
-                <a:gridCol w="6364812">
+                <a:gridCol w="5892217">
                   <a:extLst>
                     <a:ext uri="{9D8B030D-6E8A-4147-A177-3AD203B41FA5}">
-                      <a16:colId xmlns:a16="http://schemas.microsoft.com/office/drawing/2014/main" val="4242046021"/>
+                      <a16:colId xmlns:a16="http://schemas.microsoft.com/office/drawing/2014/main" val="3214795757"/>
+                    </a:ext>
+                  </a:extLst>
+                </a:gridCol>
+                <a:gridCol w="1098186">
+                  <a:extLst>
+                    <a:ext uri="{9D8B030D-6E8A-4147-A177-3AD203B41FA5}">
+                      <a16:colId xmlns:a16="http://schemas.microsoft.com/office/drawing/2014/main" val="2506848518"/>
                     </a:ext>
                   </a:extLst>
                 </a:gridCol>
               </a:tblGrid>
-              <a:tr h="460857">
+              <a:tr h="429383">
                 <a:tc>
                   <a:txBody>
                     <a:bodyPr/>
@@ -4232,10 +5165,10 @@
                     <a:p>
                       <a:pPr algn="ctr"/>
                       <a:r>
-                        <a:rPr kumimoji="1" lang="ko-KR" altLang="en-US" dirty="0"/>
-                        <a:t>주차</a:t>
-                      </a:r>
-                      <a:endParaRPr kumimoji="1" lang="ja-JP" altLang="en-US" dirty="0"/>
+                        <a:rPr kumimoji="1" lang="ko-KR" altLang="en-US" sz="1400" dirty="0"/>
+                        <a:t>내용</a:t>
+                      </a:r>
+                      <a:endParaRPr kumimoji="1" lang="ja-JP" altLang="en-US" sz="1400" dirty="0"/>
                     </a:p>
                   </a:txBody>
                   <a:tcPr anchor="ctr">
@@ -4280,17 +5213,17 @@
                     </a:solidFill>
                   </a:tcPr>
                 </a:tc>
-                <a:tc gridSpan="2">
+                <a:tc>
                   <a:txBody>
                     <a:bodyPr/>
                     <a:lstStyle/>
                     <a:p>
                       <a:pPr algn="ctr"/>
                       <a:r>
-                        <a:rPr kumimoji="1" lang="ko-KR" altLang="en-US" dirty="0"/>
-                        <a:t>개발 내용</a:t>
-                      </a:r>
-                      <a:endParaRPr kumimoji="1" lang="ja-JP" altLang="en-US" dirty="0"/>
+                        <a:rPr kumimoji="1" lang="ko-KR" altLang="en-US" sz="1400" dirty="0"/>
+                        <a:t>목표 범위</a:t>
+                      </a:r>
+                      <a:endParaRPr kumimoji="1" lang="ja-JP" altLang="en-US" sz="1400" dirty="0"/>
                     </a:p>
                   </a:txBody>
                   <a:tcPr anchor="ctr">
@@ -4343,16 +5276,131 @@
                     </a:solidFill>
                   </a:tcPr>
                 </a:tc>
-                <a:tc hMerge="1">
+                <a:tc>
                   <a:txBody>
                     <a:bodyPr/>
                     <a:lstStyle/>
                     <a:p>
-                      <a:pPr latinLnBrk="1"/>
-                      <a:endParaRPr lang="ko-KR" altLang="en-US"/>
+                      <a:pPr algn="ctr"/>
+                      <a:r>
+                        <a:rPr kumimoji="1" lang="ko-KR" altLang="en-US" sz="1400" dirty="0"/>
+                        <a:t>실제 개발 완료 범위</a:t>
+                      </a:r>
+                      <a:endParaRPr kumimoji="1" lang="ja-JP" altLang="en-US" sz="1400" dirty="0"/>
                     </a:p>
                   </a:txBody>
-                  <a:tcPr/>
+                  <a:tcPr anchor="ctr">
+                    <a:lnL w="6350" cap="flat" cmpd="sng" algn="ctr">
+                      <a:solidFill>
+                        <a:schemeClr val="bg1">
+                          <a:lumMod val="95000"/>
+                        </a:schemeClr>
+                      </a:solidFill>
+                      <a:prstDash val="solid"/>
+                      <a:round/>
+                      <a:headEnd type="none" w="med" len="med"/>
+                      <a:tailEnd type="none" w="med" len="med"/>
+                    </a:lnL>
+                    <a:lnR w="6350" cap="flat" cmpd="sng" algn="ctr">
+                      <a:solidFill>
+                        <a:schemeClr val="bg1">
+                          <a:lumMod val="95000"/>
+                        </a:schemeClr>
+                      </a:solidFill>
+                      <a:prstDash val="solid"/>
+                      <a:round/>
+                      <a:headEnd type="none" w="med" len="med"/>
+                      <a:tailEnd type="none" w="med" len="med"/>
+                    </a:lnR>
+                    <a:lnT w="28575" cap="flat" cmpd="sng" algn="ctr">
+                      <a:noFill/>
+                      <a:prstDash val="solid"/>
+                      <a:round/>
+                      <a:headEnd type="none" w="med" len="med"/>
+                      <a:tailEnd type="none" w="med" len="med"/>
+                    </a:lnT>
+                    <a:lnB w="3175" cap="flat" cmpd="sng" algn="ctr">
+                      <a:noFill/>
+                      <a:prstDash val="solid"/>
+                      <a:round/>
+                      <a:headEnd type="none" w="med" len="med"/>
+                      <a:tailEnd type="none" w="med" len="med"/>
+                    </a:lnB>
+                    <a:lnTlToBr w="12700" cmpd="sng">
+                      <a:noFill/>
+                      <a:prstDash val="solid"/>
+                    </a:lnTlToBr>
+                    <a:lnBlToTr w="12700" cmpd="sng">
+                      <a:noFill/>
+                      <a:prstDash val="solid"/>
+                    </a:lnBlToTr>
+                    <a:solidFill>
+                      <a:srgbClr val="22578B"/>
+                    </a:solidFill>
+                  </a:tcPr>
+                </a:tc>
+                <a:tc>
+                  <a:txBody>
+                    <a:bodyPr/>
+                    <a:lstStyle/>
+                    <a:p>
+                      <a:pPr algn="ctr"/>
+                      <a:r>
+                        <a:rPr kumimoji="1" lang="ko-KR" altLang="en-US" sz="1400" dirty="0"/>
+                        <a:t>진척도</a:t>
+                      </a:r>
+                      <a:endParaRPr kumimoji="1" lang="ja-JP" altLang="en-US" sz="1400" dirty="0"/>
+                    </a:p>
+                  </a:txBody>
+                  <a:tcPr anchor="ctr">
+                    <a:lnL w="6350" cap="flat" cmpd="sng" algn="ctr">
+                      <a:solidFill>
+                        <a:schemeClr val="bg1">
+                          <a:lumMod val="95000"/>
+                        </a:schemeClr>
+                      </a:solidFill>
+                      <a:prstDash val="solid"/>
+                      <a:round/>
+                      <a:headEnd type="none" w="med" len="med"/>
+                      <a:tailEnd type="none" w="med" len="med"/>
+                    </a:lnL>
+                    <a:lnR w="6350" cap="flat" cmpd="sng" algn="ctr">
+                      <a:solidFill>
+                        <a:schemeClr val="bg1">
+                          <a:lumMod val="95000"/>
+                        </a:schemeClr>
+                      </a:solidFill>
+                      <a:prstDash val="solid"/>
+                      <a:round/>
+                      <a:headEnd type="none" w="med" len="med"/>
+                      <a:tailEnd type="none" w="med" len="med"/>
+                    </a:lnR>
+                    <a:lnT w="28575" cap="flat" cmpd="sng" algn="ctr">
+                      <a:noFill/>
+                      <a:prstDash val="solid"/>
+                      <a:round/>
+                      <a:headEnd type="none" w="med" len="med"/>
+                      <a:tailEnd type="none" w="med" len="med"/>
+                    </a:lnT>
+                    <a:lnB w="3175" cap="flat" cmpd="sng" algn="ctr">
+                      <a:noFill/>
+                      <a:prstDash val="solid"/>
+                      <a:round/>
+                      <a:headEnd type="none" w="med" len="med"/>
+                      <a:tailEnd type="none" w="med" len="med"/>
+                    </a:lnB>
+                    <a:lnTlToBr w="12700" cmpd="sng">
+                      <a:noFill/>
+                      <a:prstDash val="solid"/>
+                    </a:lnTlToBr>
+                    <a:lnBlToTr w="12700" cmpd="sng">
+                      <a:noFill/>
+                      <a:prstDash val="solid"/>
+                    </a:lnBlToTr>
+                    <a:solidFill>
+                      <a:srgbClr val="22578B"/>
+                    </a:solidFill>
+                  </a:tcPr>
                 </a:tc>
                 <a:extLst>
                   <a:ext uri="{0D108BD9-81ED-4DB2-BD59-A6C34878D82A}">
@@ -4360,7 +5408,7 @@
                   </a:ext>
                 </a:extLst>
               </a:tr>
-              <a:tr h="333518">
+              <a:tr h="258438">
                 <a:tc>
                   <a:txBody>
                     <a:bodyPr/>
@@ -4368,12 +5416,8 @@
                     <a:p>
                       <a:pPr algn="ctr"/>
                       <a:r>
-                        <a:rPr kumimoji="1" lang="en-US" altLang="ko-KR" sz="1400" dirty="0"/>
-                        <a:t>1</a:t>
-                      </a:r>
-                      <a:r>
                         <a:rPr kumimoji="1" lang="ko-KR" altLang="en-US" sz="1400" dirty="0"/>
-                        <a:t>주차</a:t>
+                        <a:t>맵</a:t>
                       </a:r>
                       <a:endParaRPr kumimoji="1" lang="ja-JP" altLang="en-US" sz="1400" dirty="0"/>
                     </a:p>
@@ -4393,6 +5437,301 @@
                     </a:lnR>
                     <a:lnT w="3175" cap="flat" cmpd="sng" algn="ctr">
                       <a:noFill/>
+                      <a:prstDash val="solid"/>
+                      <a:round/>
+                      <a:headEnd type="none" w="med" len="med"/>
+                      <a:tailEnd type="none" w="med" len="med"/>
+                    </a:lnT>
+                    <a:lnB w="3175" cap="flat" cmpd="sng" algn="ctr">
+                      <a:solidFill>
+                        <a:schemeClr val="tx1">
+                          <a:lumMod val="60000"/>
+                          <a:lumOff val="40000"/>
+                        </a:schemeClr>
+                      </a:solidFill>
+                      <a:prstDash val="solid"/>
+                      <a:round/>
+                      <a:headEnd type="none" w="med" len="med"/>
+                      <a:tailEnd type="none" w="med" len="med"/>
+                    </a:lnB>
+                    <a:solidFill>
+                      <a:schemeClr val="bg1">
+                        <a:lumMod val="95000"/>
+                      </a:schemeClr>
+                    </a:solidFill>
+                  </a:tcPr>
+                </a:tc>
+                <a:tc>
+                  <a:txBody>
+                    <a:bodyPr/>
+                    <a:lstStyle/>
+                    <a:p>
+                      <a:pPr marL="0" marR="0" lvl="0" indent="0" algn="ctr" defTabSz="914400" rtl="0" eaLnBrk="1" fontAlgn="auto" latinLnBrk="1" hangingPunct="1">
+                        <a:lnSpc>
+                          <a:spcPct val="100000"/>
+                        </a:lnSpc>
+                        <a:spcBef>
+                          <a:spcPts val="0"/>
+                        </a:spcBef>
+                        <a:spcAft>
+                          <a:spcPts val="0"/>
+                        </a:spcAft>
+                        <a:buClrTx/>
+                        <a:buSzTx/>
+                        <a:buFontTx/>
+                        <a:buNone/>
+                        <a:tabLst/>
+                        <a:defRPr/>
+                      </a:pPr>
+                      <a:r>
+                        <a:rPr kumimoji="1" lang="ko-KR" altLang="en-US" sz="1400" dirty="0">
+                          <a:solidFill>
+                            <a:schemeClr val="tx1"/>
+                          </a:solidFill>
+                        </a:rPr>
+                        <a:t>장애물만 존재</a:t>
+                      </a:r>
+                      <a:r>
+                        <a:rPr kumimoji="1" lang="en-US" altLang="ko-KR" sz="1400" dirty="0">
+                          <a:solidFill>
+                            <a:schemeClr val="tx1"/>
+                          </a:solidFill>
+                        </a:rPr>
+                        <a:t>, </a:t>
+                      </a:r>
+                      <a:r>
+                        <a:rPr kumimoji="1" lang="ko-KR" altLang="en-US" sz="1400" dirty="0">
+                          <a:solidFill>
+                            <a:schemeClr val="tx1"/>
+                          </a:solidFill>
+                        </a:rPr>
+                        <a:t>스테이지 별로 디자인이 바뀜</a:t>
+                      </a:r>
+                      <a:endParaRPr kumimoji="1" lang="ja-JP" altLang="en-US" sz="1400" dirty="0">
+                        <a:solidFill>
+                          <a:schemeClr val="tx1"/>
+                        </a:solidFill>
+                      </a:endParaRPr>
+                    </a:p>
+                  </a:txBody>
+                  <a:tcPr anchor="ctr">
+                    <a:lnL w="3175" cap="flat" cmpd="sng" algn="ctr">
+                      <a:solidFill>
+                        <a:schemeClr val="tx1">
+                          <a:lumMod val="60000"/>
+                          <a:lumOff val="40000"/>
+                        </a:schemeClr>
+                      </a:solidFill>
+                      <a:prstDash val="solid"/>
+                      <a:round/>
+                      <a:headEnd type="none" w="med" len="med"/>
+                      <a:tailEnd type="none" w="med" len="med"/>
+                    </a:lnL>
+                    <a:lnR w="3175" cap="flat" cmpd="sng" algn="ctr">
+                      <a:solidFill>
+                        <a:schemeClr val="tx1">
+                          <a:lumMod val="60000"/>
+                          <a:lumOff val="40000"/>
+                        </a:schemeClr>
+                      </a:solidFill>
+                      <a:prstDash val="solid"/>
+                      <a:round/>
+                      <a:headEnd type="none" w="med" len="med"/>
+                      <a:tailEnd type="none" w="med" len="med"/>
+                    </a:lnR>
+                    <a:lnT w="3175" cap="flat" cmpd="sng" algn="ctr">
+                      <a:noFill/>
+                      <a:prstDash val="solid"/>
+                      <a:round/>
+                      <a:headEnd type="none" w="med" len="med"/>
+                      <a:tailEnd type="none" w="med" len="med"/>
+                    </a:lnT>
+                    <a:lnB w="3175" cap="flat" cmpd="sng" algn="ctr">
+                      <a:solidFill>
+                        <a:schemeClr val="tx1">
+                          <a:lumMod val="60000"/>
+                          <a:lumOff val="40000"/>
+                        </a:schemeClr>
+                      </a:solidFill>
+                      <a:prstDash val="solid"/>
+                      <a:round/>
+                      <a:headEnd type="none" w="med" len="med"/>
+                      <a:tailEnd type="none" w="med" len="med"/>
+                    </a:lnB>
+                    <a:solidFill>
+                      <a:schemeClr val="bg1">
+                        <a:lumMod val="95000"/>
+                      </a:schemeClr>
+                    </a:solidFill>
+                  </a:tcPr>
+                </a:tc>
+                <a:tc>
+                  <a:txBody>
+                    <a:bodyPr/>
+                    <a:lstStyle/>
+                    <a:p>
+                      <a:pPr algn="ctr" latinLnBrk="1"/>
+                      <a:r>
+                        <a:rPr lang="ko-KR" altLang="en-US" sz="1400" dirty="0"/>
+                        <a:t>장애물 및 스테이지별 배경 스크롤 구현</a:t>
+                      </a:r>
+                    </a:p>
+                  </a:txBody>
+                  <a:tcPr anchor="ctr">
+                    <a:lnL w="3175" cap="flat" cmpd="sng" algn="ctr">
+                      <a:solidFill>
+                        <a:schemeClr val="tx1">
+                          <a:lumMod val="60000"/>
+                          <a:lumOff val="40000"/>
+                        </a:schemeClr>
+                      </a:solidFill>
+                      <a:prstDash val="solid"/>
+                      <a:round/>
+                      <a:headEnd type="none" w="med" len="med"/>
+                      <a:tailEnd type="none" w="med" len="med"/>
+                    </a:lnL>
+                    <a:lnR w="3175" cap="flat" cmpd="sng" algn="ctr">
+                      <a:solidFill>
+                        <a:schemeClr val="tx1">
+                          <a:lumMod val="60000"/>
+                          <a:lumOff val="40000"/>
+                        </a:schemeClr>
+                      </a:solidFill>
+                      <a:prstDash val="solid"/>
+                      <a:round/>
+                      <a:headEnd type="none" w="med" len="med"/>
+                      <a:tailEnd type="none" w="med" len="med"/>
+                    </a:lnR>
+                    <a:lnT w="3175" cap="flat" cmpd="sng" algn="ctr">
+                      <a:noFill/>
+                      <a:prstDash val="solid"/>
+                      <a:round/>
+                      <a:headEnd type="none" w="med" len="med"/>
+                      <a:tailEnd type="none" w="med" len="med"/>
+                    </a:lnT>
+                    <a:lnB w="3175" cap="flat" cmpd="sng" algn="ctr">
+                      <a:solidFill>
+                        <a:schemeClr val="tx1">
+                          <a:lumMod val="60000"/>
+                          <a:lumOff val="40000"/>
+                        </a:schemeClr>
+                      </a:solidFill>
+                      <a:prstDash val="solid"/>
+                      <a:round/>
+                      <a:headEnd type="none" w="med" len="med"/>
+                      <a:tailEnd type="none" w="med" len="med"/>
+                    </a:lnB>
+                    <a:solidFill>
+                      <a:schemeClr val="bg1">
+                        <a:lumMod val="95000"/>
+                      </a:schemeClr>
+                    </a:solidFill>
+                  </a:tcPr>
+                </a:tc>
+                <a:tc>
+                  <a:txBody>
+                    <a:bodyPr/>
+                    <a:lstStyle/>
+                    <a:p>
+                      <a:pPr algn="ctr" latinLnBrk="1"/>
+                      <a:r>
+                        <a:rPr lang="en-US" altLang="ko-KR" sz="1400" dirty="0"/>
+                        <a:t>100%</a:t>
+                      </a:r>
+                      <a:endParaRPr lang="ko-KR" altLang="en-US" sz="1400" dirty="0"/>
+                    </a:p>
+                  </a:txBody>
+                  <a:tcPr anchor="ctr">
+                    <a:lnL w="3175" cap="flat" cmpd="sng" algn="ctr">
+                      <a:solidFill>
+                        <a:schemeClr val="tx1">
+                          <a:lumMod val="60000"/>
+                          <a:lumOff val="40000"/>
+                        </a:schemeClr>
+                      </a:solidFill>
+                      <a:prstDash val="solid"/>
+                      <a:round/>
+                      <a:headEnd type="none" w="med" len="med"/>
+                      <a:tailEnd type="none" w="med" len="med"/>
+                    </a:lnL>
+                    <a:lnR w="3175" cap="flat" cmpd="sng" algn="ctr">
+                      <a:solidFill>
+                        <a:schemeClr val="tx1">
+                          <a:lumMod val="60000"/>
+                          <a:lumOff val="40000"/>
+                        </a:schemeClr>
+                      </a:solidFill>
+                      <a:prstDash val="solid"/>
+                      <a:round/>
+                      <a:headEnd type="none" w="med" len="med"/>
+                      <a:tailEnd type="none" w="med" len="med"/>
+                    </a:lnR>
+                    <a:lnT w="3175" cap="flat" cmpd="sng" algn="ctr">
+                      <a:noFill/>
+                      <a:prstDash val="solid"/>
+                      <a:round/>
+                      <a:headEnd type="none" w="med" len="med"/>
+                      <a:tailEnd type="none" w="med" len="med"/>
+                    </a:lnT>
+                    <a:lnB w="3175" cap="flat" cmpd="sng" algn="ctr">
+                      <a:solidFill>
+                        <a:schemeClr val="tx1">
+                          <a:lumMod val="60000"/>
+                          <a:lumOff val="40000"/>
+                        </a:schemeClr>
+                      </a:solidFill>
+                      <a:prstDash val="solid"/>
+                      <a:round/>
+                      <a:headEnd type="none" w="med" len="med"/>
+                      <a:tailEnd type="none" w="med" len="med"/>
+                    </a:lnB>
+                    <a:solidFill>
+                      <a:schemeClr val="bg1">
+                        <a:lumMod val="95000"/>
+                      </a:schemeClr>
+                    </a:solidFill>
+                  </a:tcPr>
+                </a:tc>
+                <a:extLst>
+                  <a:ext uri="{0D108BD9-81ED-4DB2-BD59-A6C34878D82A}">
+                    <a16:rowId xmlns:a16="http://schemas.microsoft.com/office/drawing/2014/main" val="10001"/>
+                  </a:ext>
+                </a:extLst>
+              </a:tr>
+              <a:tr h="502892">
+                <a:tc>
+                  <a:txBody>
+                    <a:bodyPr/>
+                    <a:lstStyle/>
+                    <a:p>
+                      <a:pPr algn="ctr"/>
+                      <a:r>
+                        <a:rPr kumimoji="1" lang="ko-KR" altLang="en-US" sz="1400" dirty="0"/>
+                        <a:t>캐릭터 컨트롤러</a:t>
+                      </a:r>
+                      <a:endParaRPr kumimoji="1" lang="ja-JP" altLang="en-US" sz="1400" dirty="0"/>
+                    </a:p>
+                  </a:txBody>
+                  <a:tcPr anchor="ctr">
+                    <a:lnR w="3175" cap="flat" cmpd="sng" algn="ctr">
+                      <a:solidFill>
+                        <a:schemeClr val="tx1">
+                          <a:lumMod val="60000"/>
+                          <a:lumOff val="40000"/>
+                        </a:schemeClr>
+                      </a:solidFill>
+                      <a:prstDash val="solid"/>
+                      <a:round/>
+                      <a:headEnd type="none" w="med" len="med"/>
+                      <a:tailEnd type="none" w="med" len="med"/>
+                    </a:lnR>
+                    <a:lnT w="3175" cap="flat" cmpd="sng" algn="ctr">
+                      <a:solidFill>
+                        <a:schemeClr val="tx1">
+                          <a:lumMod val="60000"/>
+                          <a:lumOff val="40000"/>
+                        </a:schemeClr>
+                      </a:solidFill>
                       <a:prstDash val="solid"/>
                       <a:round/>
                       <a:headEnd type="none" w="med" len="med"/>
@@ -4424,14 +5763,66 @@
                     <a:p>
                       <a:pPr algn="ctr"/>
                       <a:r>
-                        <a:rPr kumimoji="1" lang="ko-KR" altLang="en-US" sz="1400" dirty="0"/>
-                        <a:t>리소스 수집</a:t>
-                      </a:r>
-                      <a:r>
-                        <a:rPr kumimoji="1" lang="en-US" altLang="ko-KR" sz="1400" dirty="0"/>
-                        <a:t>(90%)</a:t>
-                      </a:r>
-                      <a:endParaRPr kumimoji="1" lang="ja-JP" altLang="en-US" sz="1400" dirty="0"/>
+                        <a:rPr kumimoji="1" lang="ko-KR" altLang="en-US" sz="1400" dirty="0">
+                          <a:solidFill>
+                            <a:schemeClr val="tx1"/>
+                          </a:solidFill>
+                        </a:rPr>
+                        <a:t>마우스 좌측 클릭</a:t>
+                      </a:r>
+                      <a:r>
+                        <a:rPr kumimoji="1" lang="en-US" altLang="ko-KR" sz="1400" dirty="0">
+                          <a:solidFill>
+                            <a:schemeClr val="tx1"/>
+                          </a:solidFill>
+                        </a:rPr>
+                        <a:t>, 2</a:t>
+                      </a:r>
+                      <a:r>
+                        <a:rPr kumimoji="1" lang="ko-KR" altLang="en-US" sz="1400" dirty="0">
+                          <a:solidFill>
+                            <a:schemeClr val="tx1"/>
+                          </a:solidFill>
+                        </a:rPr>
+                        <a:t>단 점프만 가능</a:t>
+                      </a:r>
+                      <a:r>
+                        <a:rPr kumimoji="1" lang="en-US" altLang="ko-KR" sz="1400" dirty="0">
+                          <a:solidFill>
+                            <a:schemeClr val="tx1"/>
+                          </a:solidFill>
+                        </a:rPr>
+                        <a:t>, </a:t>
+                      </a:r>
+                      <a:r>
+                        <a:rPr kumimoji="1" lang="ko-KR" altLang="en-US" sz="1400" dirty="0">
+                          <a:solidFill>
+                            <a:schemeClr val="tx1"/>
+                          </a:solidFill>
+                        </a:rPr>
+                        <a:t>탈것을 </a:t>
+                      </a:r>
+                      <a:r>
+                        <a:rPr kumimoji="1" lang="ko-KR" altLang="en-US" sz="1400" dirty="0" err="1">
+                          <a:solidFill>
+                            <a:schemeClr val="tx1"/>
+                          </a:solidFill>
+                        </a:rPr>
+                        <a:t>탔을때</a:t>
+                      </a:r>
+                      <a:r>
+                        <a:rPr kumimoji="1" lang="ko-KR" altLang="en-US" sz="1400" dirty="0">
+                          <a:solidFill>
+                            <a:schemeClr val="tx1"/>
+                          </a:solidFill>
+                        </a:rPr>
+                        <a:t> 누르고 있으면 탈 것이 올라가도록 한다</a:t>
+                      </a:r>
+                      <a:endParaRPr kumimoji="1" lang="ja-JP" altLang="en-US" sz="1400" dirty="0">
+                        <a:solidFill>
+                          <a:schemeClr val="tx1"/>
+                        </a:solidFill>
+                      </a:endParaRPr>
                     </a:p>
                   </a:txBody>
                   <a:tcPr anchor="ctr">
@@ -4460,7 +5851,12 @@
                       <a:tailEnd type="none" w="med" len="med"/>
                     </a:lnR>
                     <a:lnT w="3175" cap="flat" cmpd="sng" algn="ctr">
-                      <a:noFill/>
+                      <a:solidFill>
+                        <a:schemeClr val="tx1">
+                          <a:lumMod val="60000"/>
+                          <a:lumOff val="40000"/>
+                        </a:schemeClr>
+                      </a:solidFill>
                       <a:prstDash val="solid"/>
                       <a:round/>
                       <a:headEnd type="none" w="med" len="med"/>
@@ -4490,32 +5886,2330 @@
                     <a:bodyPr/>
                     <a:lstStyle/>
                     <a:p>
-                      <a:pPr algn="l"/>
+                      <a:pPr algn="ctr" latinLnBrk="1"/>
+                      <a:r>
+                        <a:rPr lang="ko-KR" altLang="en-US" sz="1400" dirty="0"/>
+                        <a:t>점프 및  </a:t>
+                      </a:r>
+                      <a:r>
+                        <a:rPr lang="en-US" altLang="ko-KR" sz="1400" dirty="0" err="1"/>
+                        <a:t>ufo</a:t>
+                      </a:r>
+                      <a:r>
+                        <a:rPr lang="ko-KR" altLang="en-US" sz="1400" dirty="0"/>
+                        <a:t> </a:t>
+                      </a:r>
+                      <a:r>
+                        <a:rPr lang="ko-KR" altLang="en-US" sz="1400" dirty="0" err="1"/>
+                        <a:t>탑승시</a:t>
+                      </a:r>
+                      <a:r>
+                        <a:rPr lang="ko-KR" altLang="en-US" sz="1400" dirty="0"/>
+                        <a:t> 움직임 구현</a:t>
+                      </a:r>
+                    </a:p>
+                  </a:txBody>
+                  <a:tcPr anchor="ctr">
+                    <a:lnL w="3175" cap="flat" cmpd="sng" algn="ctr">
+                      <a:solidFill>
+                        <a:schemeClr val="tx1">
+                          <a:lumMod val="60000"/>
+                          <a:lumOff val="40000"/>
+                        </a:schemeClr>
+                      </a:solidFill>
+                      <a:prstDash val="solid"/>
+                      <a:round/>
+                      <a:headEnd type="none" w="med" len="med"/>
+                      <a:tailEnd type="none" w="med" len="med"/>
+                    </a:lnL>
+                    <a:lnR w="3175" cap="flat" cmpd="sng" algn="ctr">
+                      <a:solidFill>
+                        <a:schemeClr val="tx1">
+                          <a:lumMod val="60000"/>
+                          <a:lumOff val="40000"/>
+                        </a:schemeClr>
+                      </a:solidFill>
+                      <a:prstDash val="solid"/>
+                      <a:round/>
+                      <a:headEnd type="none" w="med" len="med"/>
+                      <a:tailEnd type="none" w="med" len="med"/>
+                    </a:lnR>
+                    <a:lnT w="3175" cap="flat" cmpd="sng" algn="ctr">
+                      <a:solidFill>
+                        <a:schemeClr val="tx1">
+                          <a:lumMod val="60000"/>
+                          <a:lumOff val="40000"/>
+                        </a:schemeClr>
+                      </a:solidFill>
+                      <a:prstDash val="solid"/>
+                      <a:round/>
+                      <a:headEnd type="none" w="med" len="med"/>
+                      <a:tailEnd type="none" w="med" len="med"/>
+                    </a:lnT>
+                    <a:lnB w="3175" cap="flat" cmpd="sng" algn="ctr">
+                      <a:solidFill>
+                        <a:schemeClr val="tx1">
+                          <a:lumMod val="60000"/>
+                          <a:lumOff val="40000"/>
+                        </a:schemeClr>
+                      </a:solidFill>
+                      <a:prstDash val="solid"/>
+                      <a:round/>
+                      <a:headEnd type="none" w="med" len="med"/>
+                      <a:tailEnd type="none" w="med" len="med"/>
+                    </a:lnB>
+                    <a:solidFill>
+                      <a:schemeClr val="bg1">
+                        <a:lumMod val="95000"/>
+                      </a:schemeClr>
+                    </a:solidFill>
+                  </a:tcPr>
+                </a:tc>
+                <a:tc>
+                  <a:txBody>
+                    <a:bodyPr/>
+                    <a:lstStyle/>
+                    <a:p>
+                      <a:pPr algn="ctr" latinLnBrk="1"/>
+                      <a:r>
+                        <a:rPr lang="en-US" altLang="ko-KR" sz="1400" dirty="0"/>
+                        <a:t>90%</a:t>
+                      </a:r>
+                      <a:endParaRPr lang="ko-KR" altLang="en-US" sz="1400" dirty="0"/>
+                    </a:p>
+                  </a:txBody>
+                  <a:tcPr anchor="ctr">
+                    <a:lnL w="3175" cap="flat" cmpd="sng" algn="ctr">
+                      <a:solidFill>
+                        <a:schemeClr val="tx1">
+                          <a:lumMod val="60000"/>
+                          <a:lumOff val="40000"/>
+                        </a:schemeClr>
+                      </a:solidFill>
+                      <a:prstDash val="solid"/>
+                      <a:round/>
+                      <a:headEnd type="none" w="med" len="med"/>
+                      <a:tailEnd type="none" w="med" len="med"/>
+                    </a:lnL>
+                    <a:lnR w="3175" cap="flat" cmpd="sng" algn="ctr">
+                      <a:solidFill>
+                        <a:schemeClr val="tx1">
+                          <a:lumMod val="60000"/>
+                          <a:lumOff val="40000"/>
+                        </a:schemeClr>
+                      </a:solidFill>
+                      <a:prstDash val="solid"/>
+                      <a:round/>
+                      <a:headEnd type="none" w="med" len="med"/>
+                      <a:tailEnd type="none" w="med" len="med"/>
+                    </a:lnR>
+                    <a:lnT w="3175" cap="flat" cmpd="sng" algn="ctr">
+                      <a:solidFill>
+                        <a:schemeClr val="tx1">
+                          <a:lumMod val="60000"/>
+                          <a:lumOff val="40000"/>
+                        </a:schemeClr>
+                      </a:solidFill>
+                      <a:prstDash val="solid"/>
+                      <a:round/>
+                      <a:headEnd type="none" w="med" len="med"/>
+                      <a:tailEnd type="none" w="med" len="med"/>
+                    </a:lnT>
+                    <a:lnB w="3175" cap="flat" cmpd="sng" algn="ctr">
+                      <a:solidFill>
+                        <a:schemeClr val="tx1">
+                          <a:lumMod val="60000"/>
+                          <a:lumOff val="40000"/>
+                        </a:schemeClr>
+                      </a:solidFill>
+                      <a:prstDash val="solid"/>
+                      <a:round/>
+                      <a:headEnd type="none" w="med" len="med"/>
+                      <a:tailEnd type="none" w="med" len="med"/>
+                    </a:lnB>
+                    <a:solidFill>
+                      <a:schemeClr val="bg1">
+                        <a:lumMod val="95000"/>
+                      </a:schemeClr>
+                    </a:solidFill>
+                  </a:tcPr>
+                </a:tc>
+                <a:extLst>
+                  <a:ext uri="{0D108BD9-81ED-4DB2-BD59-A6C34878D82A}">
+                    <a16:rowId xmlns:a16="http://schemas.microsoft.com/office/drawing/2014/main" val="2582191412"/>
+                  </a:ext>
+                </a:extLst>
+              </a:tr>
+              <a:tr h="1246667">
+                <a:tc>
+                  <a:txBody>
+                    <a:bodyPr/>
+                    <a:lstStyle/>
+                    <a:p>
+                      <a:pPr algn="ctr"/>
                       <a:r>
                         <a:rPr kumimoji="1" lang="ko-KR" altLang="en-US" sz="1400" dirty="0"/>
-                        <a:t>캐릭터</a:t>
+                        <a:t>게임 코어 기능</a:t>
+                      </a:r>
+                      <a:endParaRPr kumimoji="1" lang="ja-JP" altLang="en-US" sz="1400" dirty="0"/>
+                    </a:p>
+                  </a:txBody>
+                  <a:tcPr anchor="ctr">
+                    <a:lnR w="3175" cap="flat" cmpd="sng" algn="ctr">
+                      <a:solidFill>
+                        <a:schemeClr val="tx1">
+                          <a:lumMod val="60000"/>
+                          <a:lumOff val="40000"/>
+                        </a:schemeClr>
+                      </a:solidFill>
+                      <a:prstDash val="solid"/>
+                      <a:round/>
+                      <a:headEnd type="none" w="med" len="med"/>
+                      <a:tailEnd type="none" w="med" len="med"/>
+                    </a:lnR>
+                    <a:lnT w="3175" cap="flat" cmpd="sng" algn="ctr">
+                      <a:solidFill>
+                        <a:schemeClr val="tx1">
+                          <a:lumMod val="60000"/>
+                          <a:lumOff val="40000"/>
+                        </a:schemeClr>
+                      </a:solidFill>
+                      <a:prstDash val="solid"/>
+                      <a:round/>
+                      <a:headEnd type="none" w="med" len="med"/>
+                      <a:tailEnd type="none" w="med" len="med"/>
+                    </a:lnT>
+                    <a:lnB w="3175" cap="flat" cmpd="sng" algn="ctr">
+                      <a:solidFill>
+                        <a:schemeClr val="tx1">
+                          <a:lumMod val="60000"/>
+                          <a:lumOff val="40000"/>
+                        </a:schemeClr>
+                      </a:solidFill>
+                      <a:prstDash val="solid"/>
+                      <a:round/>
+                      <a:headEnd type="none" w="med" len="med"/>
+                      <a:tailEnd type="none" w="med" len="med"/>
+                    </a:lnB>
+                    <a:solidFill>
+                      <a:schemeClr val="bg1">
+                        <a:lumMod val="95000"/>
+                      </a:schemeClr>
+                    </a:solidFill>
+                  </a:tcPr>
+                </a:tc>
+                <a:tc>
+                  <a:txBody>
+                    <a:bodyPr/>
+                    <a:lstStyle/>
+                    <a:p>
+                      <a:pPr marL="0" marR="0" lvl="0" indent="0" algn="ctr" defTabSz="914400" rtl="0" eaLnBrk="1" fontAlgn="auto" latinLnBrk="1" hangingPunct="1">
+                        <a:lnSpc>
+                          <a:spcPct val="100000"/>
+                        </a:lnSpc>
+                        <a:spcBef>
+                          <a:spcPts val="0"/>
+                        </a:spcBef>
+                        <a:spcAft>
+                          <a:spcPts val="0"/>
+                        </a:spcAft>
+                        <a:buClrTx/>
+                        <a:buSzTx/>
+                        <a:buFontTx/>
+                        <a:buNone/>
+                        <a:tabLst/>
+                        <a:defRPr/>
+                      </a:pPr>
+                      <a:r>
+                        <a:rPr kumimoji="1" lang="ko-KR" altLang="en-US" sz="1400" dirty="0">
+                          <a:solidFill>
+                            <a:schemeClr val="tx1"/>
+                          </a:solidFill>
+                        </a:rPr>
+                        <a:t>각 장애물에 따른 캐릭터 및 탈것의 충돌체크</a:t>
+                      </a:r>
+                      <a:endParaRPr kumimoji="1" lang="en-US" altLang="ko-KR" sz="1400" dirty="0">
+                        <a:solidFill>
+                          <a:schemeClr val="tx1"/>
+                        </a:solidFill>
+                      </a:endParaRPr>
+                    </a:p>
+                    <a:p>
+                      <a:pPr marL="0" marR="0" lvl="0" indent="0" algn="ctr" defTabSz="914400" rtl="0" eaLnBrk="1" fontAlgn="auto" latinLnBrk="1" hangingPunct="1">
+                        <a:lnSpc>
+                          <a:spcPct val="100000"/>
+                        </a:lnSpc>
+                        <a:spcBef>
+                          <a:spcPts val="0"/>
+                        </a:spcBef>
+                        <a:spcAft>
+                          <a:spcPts val="0"/>
+                        </a:spcAft>
+                        <a:buClrTx/>
+                        <a:buSzTx/>
+                        <a:buFontTx/>
+                        <a:buNone/>
+                        <a:tabLst/>
+                        <a:defRPr/>
+                      </a:pPr>
+                      <a:r>
+                        <a:rPr kumimoji="1" lang="ko-KR" altLang="en-US" sz="1400" dirty="0" err="1">
+                          <a:solidFill>
+                            <a:schemeClr val="tx1"/>
+                          </a:solidFill>
+                        </a:rPr>
+                        <a:t>실패시</a:t>
+                      </a:r>
+                      <a:r>
+                        <a:rPr kumimoji="1" lang="ko-KR" altLang="en-US" sz="1400" dirty="0">
+                          <a:solidFill>
+                            <a:schemeClr val="tx1"/>
+                          </a:solidFill>
+                        </a:rPr>
+                        <a:t> 실패화면과 </a:t>
+                      </a:r>
+                      <a:r>
+                        <a:rPr kumimoji="1" lang="ko-KR" altLang="en-US" sz="1400" dirty="0" err="1">
+                          <a:solidFill>
+                            <a:schemeClr val="tx1"/>
+                          </a:solidFill>
+                        </a:rPr>
+                        <a:t>함꼐</a:t>
+                      </a:r>
+                      <a:r>
+                        <a:rPr kumimoji="1" lang="ko-KR" altLang="en-US" sz="1400" dirty="0">
+                          <a:solidFill>
+                            <a:schemeClr val="tx1"/>
+                          </a:solidFill>
+                        </a:rPr>
+                        <a:t> 달성도 표시</a:t>
+                      </a:r>
+                      <a:endParaRPr kumimoji="1" lang="en-US" altLang="ko-KR" sz="1400" dirty="0">
+                        <a:solidFill>
+                          <a:schemeClr val="tx1"/>
+                        </a:solidFill>
+                      </a:endParaRPr>
+                    </a:p>
+                    <a:p>
+                      <a:pPr marL="0" marR="0" lvl="0" indent="0" algn="ctr" defTabSz="914400" rtl="0" eaLnBrk="1" fontAlgn="auto" latinLnBrk="1" hangingPunct="1">
+                        <a:lnSpc>
+                          <a:spcPct val="100000"/>
+                        </a:lnSpc>
+                        <a:spcBef>
+                          <a:spcPts val="0"/>
+                        </a:spcBef>
+                        <a:spcAft>
+                          <a:spcPts val="0"/>
+                        </a:spcAft>
+                        <a:buClrTx/>
+                        <a:buSzTx/>
+                        <a:buFontTx/>
+                        <a:buNone/>
+                        <a:tabLst/>
+                        <a:defRPr/>
+                      </a:pPr>
+                      <a:r>
+                        <a:rPr kumimoji="1" lang="ko-KR" altLang="en-US" sz="1400" dirty="0" err="1">
+                          <a:solidFill>
+                            <a:schemeClr val="tx1"/>
+                          </a:solidFill>
+                        </a:rPr>
+                        <a:t>성공시</a:t>
+                      </a:r>
+                      <a:r>
+                        <a:rPr kumimoji="1" lang="ko-KR" altLang="en-US" sz="1400" dirty="0">
+                          <a:solidFill>
+                            <a:schemeClr val="tx1"/>
+                          </a:solidFill>
+                        </a:rPr>
+                        <a:t> 성공화면 표시</a:t>
+                      </a:r>
+                      <a:endParaRPr kumimoji="1" lang="en-US" altLang="ko-KR" sz="1400" dirty="0">
+                        <a:solidFill>
+                          <a:schemeClr val="tx1"/>
+                        </a:solidFill>
+                      </a:endParaRPr>
+                    </a:p>
+                    <a:p>
+                      <a:pPr marL="0" marR="0" lvl="0" indent="0" algn="ctr" defTabSz="914400" rtl="0" eaLnBrk="1" fontAlgn="auto" latinLnBrk="1" hangingPunct="1">
+                        <a:lnSpc>
+                          <a:spcPct val="100000"/>
+                        </a:lnSpc>
+                        <a:spcBef>
+                          <a:spcPts val="0"/>
+                        </a:spcBef>
+                        <a:spcAft>
+                          <a:spcPts val="0"/>
+                        </a:spcAft>
+                        <a:buClrTx/>
+                        <a:buSzTx/>
+                        <a:buFontTx/>
+                        <a:buNone/>
+                        <a:tabLst/>
+                        <a:defRPr/>
+                      </a:pPr>
+                      <a:r>
+                        <a:rPr kumimoji="1" lang="ko-KR" altLang="en-US" sz="1400" dirty="0">
+                          <a:solidFill>
+                            <a:schemeClr val="tx1"/>
+                          </a:solidFill>
+                        </a:rPr>
+                        <a:t>각 </a:t>
+                      </a:r>
+                      <a:r>
+                        <a:rPr kumimoji="1" lang="ko-KR" altLang="en-US" sz="1400" dirty="0" err="1">
+                          <a:solidFill>
+                            <a:schemeClr val="tx1"/>
+                          </a:solidFill>
+                        </a:rPr>
+                        <a:t>화면별</a:t>
+                      </a:r>
+                      <a:r>
+                        <a:rPr kumimoji="1" lang="ko-KR" altLang="en-US" sz="1400" dirty="0">
+                          <a:solidFill>
+                            <a:schemeClr val="tx1"/>
+                          </a:solidFill>
+                        </a:rPr>
+                        <a:t> 스타트 키 및 종료키 입력</a:t>
+                      </a:r>
+                      <a:endParaRPr kumimoji="1" lang="ja-JP" altLang="en-US" sz="1400" dirty="0">
+                        <a:solidFill>
+                          <a:schemeClr val="tx1"/>
+                        </a:solidFill>
+                      </a:endParaRPr>
+                    </a:p>
+                  </a:txBody>
+                  <a:tcPr anchor="ctr">
+                    <a:lnL w="3175" cap="flat" cmpd="sng" algn="ctr">
+                      <a:solidFill>
+                        <a:schemeClr val="tx1">
+                          <a:lumMod val="60000"/>
+                          <a:lumOff val="40000"/>
+                        </a:schemeClr>
+                      </a:solidFill>
+                      <a:prstDash val="solid"/>
+                      <a:round/>
+                      <a:headEnd type="none" w="med" len="med"/>
+                      <a:tailEnd type="none" w="med" len="med"/>
+                    </a:lnL>
+                    <a:lnR w="3175" cap="flat" cmpd="sng" algn="ctr">
+                      <a:solidFill>
+                        <a:schemeClr val="tx1">
+                          <a:lumMod val="60000"/>
+                          <a:lumOff val="40000"/>
+                        </a:schemeClr>
+                      </a:solidFill>
+                      <a:prstDash val="solid"/>
+                      <a:round/>
+                      <a:headEnd type="none" w="med" len="med"/>
+                      <a:tailEnd type="none" w="med" len="med"/>
+                    </a:lnR>
+                    <a:lnT w="3175" cap="flat" cmpd="sng" algn="ctr">
+                      <a:solidFill>
+                        <a:schemeClr val="tx1">
+                          <a:lumMod val="60000"/>
+                          <a:lumOff val="40000"/>
+                        </a:schemeClr>
+                      </a:solidFill>
+                      <a:prstDash val="solid"/>
+                      <a:round/>
+                      <a:headEnd type="none" w="med" len="med"/>
+                      <a:tailEnd type="none" w="med" len="med"/>
+                    </a:lnT>
+                    <a:lnB w="3175" cap="flat" cmpd="sng" algn="ctr">
+                      <a:solidFill>
+                        <a:schemeClr val="tx1">
+                          <a:lumMod val="60000"/>
+                          <a:lumOff val="40000"/>
+                        </a:schemeClr>
+                      </a:solidFill>
+                      <a:prstDash val="solid"/>
+                      <a:round/>
+                      <a:headEnd type="none" w="med" len="med"/>
+                      <a:tailEnd type="none" w="med" len="med"/>
+                    </a:lnB>
+                    <a:solidFill>
+                      <a:schemeClr val="bg1">
+                        <a:lumMod val="95000"/>
+                      </a:schemeClr>
+                    </a:solidFill>
+                  </a:tcPr>
+                </a:tc>
+                <a:tc>
+                  <a:txBody>
+                    <a:bodyPr/>
+                    <a:lstStyle/>
+                    <a:p>
+                      <a:pPr algn="ctr" latinLnBrk="1"/>
+                      <a:r>
+                        <a:rPr lang="ko-KR" altLang="en-US" sz="1400" dirty="0"/>
+                        <a:t>충돌체크 구현</a:t>
+                      </a:r>
+                      <a:r>
+                        <a:rPr lang="en-US" altLang="ko-KR" sz="1400" dirty="0"/>
+                        <a:t>,</a:t>
+                      </a:r>
+                      <a:r>
+                        <a:rPr lang="ko-KR" altLang="en-US" sz="1400" dirty="0"/>
+                        <a:t> 실패화면 구현</a:t>
+                      </a:r>
+                      <a:r>
+                        <a:rPr lang="en-US" altLang="ko-KR" sz="1400" dirty="0"/>
+                        <a:t>, </a:t>
+                      </a:r>
+                      <a:r>
+                        <a:rPr lang="ko-KR" altLang="en-US" sz="1400" dirty="0"/>
+                        <a:t>성공화면 구현</a:t>
+                      </a:r>
+                      <a:r>
+                        <a:rPr lang="en-US" altLang="ko-KR" sz="1400" dirty="0"/>
+                        <a:t>, </a:t>
+                      </a:r>
+                      <a:r>
+                        <a:rPr lang="ko-KR" altLang="en-US" sz="1400" dirty="0" err="1"/>
+                        <a:t>화면별</a:t>
+                      </a:r>
+                      <a:r>
+                        <a:rPr lang="ko-KR" altLang="en-US" sz="1400" dirty="0"/>
+                        <a:t> </a:t>
+                      </a:r>
+                      <a:r>
+                        <a:rPr lang="ko-KR" altLang="en-US" sz="1400" dirty="0" err="1"/>
+                        <a:t>키입력</a:t>
+                      </a:r>
+                      <a:r>
+                        <a:rPr lang="ko-KR" altLang="en-US" sz="1400" dirty="0"/>
+                        <a:t> 구현</a:t>
+                      </a:r>
+                      <a:endParaRPr lang="en-US" altLang="ko-KR" sz="1400" dirty="0"/>
+                    </a:p>
+                  </a:txBody>
+                  <a:tcPr anchor="ctr">
+                    <a:lnL w="3175" cap="flat" cmpd="sng" algn="ctr">
+                      <a:solidFill>
+                        <a:schemeClr val="tx1">
+                          <a:lumMod val="60000"/>
+                          <a:lumOff val="40000"/>
+                        </a:schemeClr>
+                      </a:solidFill>
+                      <a:prstDash val="solid"/>
+                      <a:round/>
+                      <a:headEnd type="none" w="med" len="med"/>
+                      <a:tailEnd type="none" w="med" len="med"/>
+                    </a:lnL>
+                    <a:lnR w="3175" cap="flat" cmpd="sng" algn="ctr">
+                      <a:solidFill>
+                        <a:schemeClr val="tx1">
+                          <a:lumMod val="60000"/>
+                          <a:lumOff val="40000"/>
+                        </a:schemeClr>
+                      </a:solidFill>
+                      <a:prstDash val="solid"/>
+                      <a:round/>
+                      <a:headEnd type="none" w="med" len="med"/>
+                      <a:tailEnd type="none" w="med" len="med"/>
+                    </a:lnR>
+                    <a:lnT w="3175" cap="flat" cmpd="sng" algn="ctr">
+                      <a:solidFill>
+                        <a:schemeClr val="tx1">
+                          <a:lumMod val="60000"/>
+                          <a:lumOff val="40000"/>
+                        </a:schemeClr>
+                      </a:solidFill>
+                      <a:prstDash val="solid"/>
+                      <a:round/>
+                      <a:headEnd type="none" w="med" len="med"/>
+                      <a:tailEnd type="none" w="med" len="med"/>
+                    </a:lnT>
+                    <a:lnB w="3175" cap="flat" cmpd="sng" algn="ctr">
+                      <a:solidFill>
+                        <a:schemeClr val="tx1">
+                          <a:lumMod val="60000"/>
+                          <a:lumOff val="40000"/>
+                        </a:schemeClr>
+                      </a:solidFill>
+                      <a:prstDash val="solid"/>
+                      <a:round/>
+                      <a:headEnd type="none" w="med" len="med"/>
+                      <a:tailEnd type="none" w="med" len="med"/>
+                    </a:lnB>
+                    <a:solidFill>
+                      <a:schemeClr val="bg1">
+                        <a:lumMod val="95000"/>
+                      </a:schemeClr>
+                    </a:solidFill>
+                  </a:tcPr>
+                </a:tc>
+                <a:tc>
+                  <a:txBody>
+                    <a:bodyPr/>
+                    <a:lstStyle/>
+                    <a:p>
+                      <a:pPr algn="ctr" latinLnBrk="1"/>
+                      <a:r>
+                        <a:rPr lang="en-US" altLang="ko-KR" sz="1400" dirty="0"/>
+                        <a:t>100%</a:t>
+                      </a:r>
+                      <a:endParaRPr lang="ko-KR" altLang="en-US" sz="1400" dirty="0"/>
+                    </a:p>
+                  </a:txBody>
+                  <a:tcPr anchor="ctr">
+                    <a:lnL w="3175" cap="flat" cmpd="sng" algn="ctr">
+                      <a:solidFill>
+                        <a:schemeClr val="tx1">
+                          <a:lumMod val="60000"/>
+                          <a:lumOff val="40000"/>
+                        </a:schemeClr>
+                      </a:solidFill>
+                      <a:prstDash val="solid"/>
+                      <a:round/>
+                      <a:headEnd type="none" w="med" len="med"/>
+                      <a:tailEnd type="none" w="med" len="med"/>
+                    </a:lnL>
+                    <a:lnR w="3175" cap="flat" cmpd="sng" algn="ctr">
+                      <a:solidFill>
+                        <a:schemeClr val="tx1">
+                          <a:lumMod val="60000"/>
+                          <a:lumOff val="40000"/>
+                        </a:schemeClr>
+                      </a:solidFill>
+                      <a:prstDash val="solid"/>
+                      <a:round/>
+                      <a:headEnd type="none" w="med" len="med"/>
+                      <a:tailEnd type="none" w="med" len="med"/>
+                    </a:lnR>
+                    <a:lnT w="3175" cap="flat" cmpd="sng" algn="ctr">
+                      <a:solidFill>
+                        <a:schemeClr val="tx1">
+                          <a:lumMod val="60000"/>
+                          <a:lumOff val="40000"/>
+                        </a:schemeClr>
+                      </a:solidFill>
+                      <a:prstDash val="solid"/>
+                      <a:round/>
+                      <a:headEnd type="none" w="med" len="med"/>
+                      <a:tailEnd type="none" w="med" len="med"/>
+                    </a:lnT>
+                    <a:lnB w="3175" cap="flat" cmpd="sng" algn="ctr">
+                      <a:solidFill>
+                        <a:schemeClr val="tx1">
+                          <a:lumMod val="60000"/>
+                          <a:lumOff val="40000"/>
+                        </a:schemeClr>
+                      </a:solidFill>
+                      <a:prstDash val="solid"/>
+                      <a:round/>
+                      <a:headEnd type="none" w="med" len="med"/>
+                      <a:tailEnd type="none" w="med" len="med"/>
+                    </a:lnB>
+                    <a:solidFill>
+                      <a:schemeClr val="bg1">
+                        <a:lumMod val="95000"/>
+                      </a:schemeClr>
+                    </a:solidFill>
+                  </a:tcPr>
+                </a:tc>
+                <a:extLst>
+                  <a:ext uri="{0D108BD9-81ED-4DB2-BD59-A6C34878D82A}">
+                    <a16:rowId xmlns:a16="http://schemas.microsoft.com/office/drawing/2014/main" val="10002"/>
+                  </a:ext>
+                </a:extLst>
+              </a:tr>
+              <a:tr h="447052">
+                <a:tc>
+                  <a:txBody>
+                    <a:bodyPr/>
+                    <a:lstStyle/>
+                    <a:p>
+                      <a:pPr algn="ctr"/>
+                      <a:r>
+                        <a:rPr kumimoji="1" lang="ko-KR" altLang="en-US" sz="1400" dirty="0"/>
+                        <a:t>모델링</a:t>
+                      </a:r>
+                      <a:endParaRPr kumimoji="1" lang="ja-JP" altLang="en-US" sz="1400" dirty="0"/>
+                    </a:p>
+                  </a:txBody>
+                  <a:tcPr anchor="ctr">
+                    <a:lnR w="3175" cap="flat" cmpd="sng" algn="ctr">
+                      <a:solidFill>
+                        <a:schemeClr val="tx1">
+                          <a:lumMod val="60000"/>
+                          <a:lumOff val="40000"/>
+                        </a:schemeClr>
+                      </a:solidFill>
+                      <a:prstDash val="solid"/>
+                      <a:round/>
+                      <a:headEnd type="none" w="med" len="med"/>
+                      <a:tailEnd type="none" w="med" len="med"/>
+                    </a:lnR>
+                    <a:lnT w="3175" cap="flat" cmpd="sng" algn="ctr">
+                      <a:solidFill>
+                        <a:schemeClr val="tx1">
+                          <a:lumMod val="60000"/>
+                          <a:lumOff val="40000"/>
+                        </a:schemeClr>
+                      </a:solidFill>
+                      <a:prstDash val="solid"/>
+                      <a:round/>
+                      <a:headEnd type="none" w="med" len="med"/>
+                      <a:tailEnd type="none" w="med" len="med"/>
+                    </a:lnT>
+                    <a:lnB w="3175" cap="flat" cmpd="sng" algn="ctr">
+                      <a:solidFill>
+                        <a:schemeClr val="tx1">
+                          <a:lumMod val="60000"/>
+                          <a:lumOff val="40000"/>
+                        </a:schemeClr>
+                      </a:solidFill>
+                      <a:prstDash val="solid"/>
+                      <a:round/>
+                      <a:headEnd type="none" w="med" len="med"/>
+                      <a:tailEnd type="none" w="med" len="med"/>
+                    </a:lnB>
+                    <a:solidFill>
+                      <a:schemeClr val="bg1">
+                        <a:lumMod val="95000"/>
+                      </a:schemeClr>
+                    </a:solidFill>
+                  </a:tcPr>
+                </a:tc>
+                <a:tc>
+                  <a:txBody>
+                    <a:bodyPr/>
+                    <a:lstStyle/>
+                    <a:p>
+                      <a:pPr marL="0" marR="0" lvl="0" indent="0" algn="ctr" defTabSz="914400" rtl="0" eaLnBrk="1" fontAlgn="auto" latinLnBrk="1" hangingPunct="1">
+                        <a:lnSpc>
+                          <a:spcPct val="100000"/>
+                        </a:lnSpc>
+                        <a:spcBef>
+                          <a:spcPts val="0"/>
+                        </a:spcBef>
+                        <a:spcAft>
+                          <a:spcPts val="0"/>
+                        </a:spcAft>
+                        <a:buClrTx/>
+                        <a:buSzTx/>
+                        <a:buFontTx/>
+                        <a:buNone/>
+                        <a:tabLst/>
+                        <a:defRPr/>
+                      </a:pPr>
+                      <a:r>
+                        <a:rPr kumimoji="1" lang="ko-KR" altLang="en-US" sz="1400" dirty="0">
+                          <a:solidFill>
+                            <a:schemeClr val="tx1"/>
+                          </a:solidFill>
+                        </a:rPr>
+                        <a:t>캐릭터 </a:t>
+                      </a:r>
+                      <a:r>
+                        <a:rPr kumimoji="1" lang="en-US" altLang="ko-KR" sz="1400" dirty="0">
+                          <a:solidFill>
+                            <a:schemeClr val="tx1"/>
+                          </a:solidFill>
+                        </a:rPr>
+                        <a:t>1</a:t>
+                      </a:r>
+                      <a:r>
+                        <a:rPr kumimoji="1" lang="ko-KR" altLang="en-US" sz="1400" dirty="0">
+                          <a:solidFill>
+                            <a:schemeClr val="tx1"/>
+                          </a:solidFill>
+                        </a:rPr>
+                        <a:t>종</a:t>
+                      </a:r>
+                      <a:r>
+                        <a:rPr kumimoji="1" lang="en-US" altLang="ko-KR" sz="1400" dirty="0">
+                          <a:solidFill>
+                            <a:schemeClr val="tx1"/>
+                          </a:solidFill>
+                        </a:rPr>
+                        <a:t>, </a:t>
+                      </a:r>
+                      <a:r>
+                        <a:rPr kumimoji="1" lang="ko-KR" altLang="en-US" sz="1400" dirty="0">
+                          <a:solidFill>
+                            <a:schemeClr val="tx1"/>
+                          </a:solidFill>
+                        </a:rPr>
+                        <a:t>장애물</a:t>
+                      </a:r>
+                      <a:r>
+                        <a:rPr kumimoji="1" lang="en-US" altLang="ko-KR" sz="1400" dirty="0">
+                          <a:solidFill>
+                            <a:schemeClr val="tx1"/>
+                          </a:solidFill>
+                        </a:rPr>
+                        <a:t>2</a:t>
+                      </a:r>
+                      <a:r>
+                        <a:rPr kumimoji="1" lang="ko-KR" altLang="en-US" sz="1400" dirty="0">
+                          <a:solidFill>
+                            <a:schemeClr val="tx1"/>
+                          </a:solidFill>
+                        </a:rPr>
+                        <a:t>종 배경</a:t>
+                      </a:r>
+                      <a:r>
+                        <a:rPr kumimoji="1" lang="en-US" altLang="ko-KR" sz="1400" dirty="0">
+                          <a:solidFill>
+                            <a:schemeClr val="tx1"/>
+                          </a:solidFill>
+                        </a:rPr>
+                        <a:t>3</a:t>
+                      </a:r>
+                      <a:r>
+                        <a:rPr kumimoji="1" lang="ko-KR" altLang="en-US" sz="1400" dirty="0">
+                          <a:solidFill>
+                            <a:schemeClr val="tx1"/>
+                          </a:solidFill>
+                        </a:rPr>
+                        <a:t>종</a:t>
+                      </a:r>
+                      <a:r>
+                        <a:rPr kumimoji="1" lang="en-US" altLang="ko-KR" sz="1400" dirty="0">
+                          <a:solidFill>
+                            <a:schemeClr val="tx1"/>
+                          </a:solidFill>
+                        </a:rPr>
+                        <a:t>, </a:t>
+                      </a:r>
+                      <a:r>
+                        <a:rPr kumimoji="1" lang="en-US" altLang="ko-KR" sz="1400" dirty="0" err="1">
+                          <a:solidFill>
+                            <a:schemeClr val="tx1"/>
+                          </a:solidFill>
+                        </a:rPr>
+                        <a:t>ufo</a:t>
+                      </a:r>
+                      <a:r>
+                        <a:rPr kumimoji="1" lang="en-US" altLang="ko-KR" sz="1400" dirty="0">
+                          <a:solidFill>
+                            <a:schemeClr val="tx1"/>
+                          </a:solidFill>
+                        </a:rPr>
+                        <a:t>, </a:t>
+                      </a:r>
+                      <a:r>
+                        <a:rPr kumimoji="1" lang="ko-KR" altLang="en-US" sz="1400" dirty="0">
+                          <a:solidFill>
+                            <a:schemeClr val="tx1"/>
+                          </a:solidFill>
+                        </a:rPr>
+                        <a:t>타일 </a:t>
+                      </a:r>
+                      <a:r>
+                        <a:rPr kumimoji="1" lang="en-US" altLang="ko-KR" sz="1400" dirty="0">
+                          <a:solidFill>
+                            <a:schemeClr val="tx1"/>
+                          </a:solidFill>
+                        </a:rPr>
+                        <a:t>3</a:t>
+                      </a:r>
+                      <a:r>
+                        <a:rPr kumimoji="1" lang="ko-KR" altLang="en-US" sz="1400" dirty="0">
+                          <a:solidFill>
+                            <a:schemeClr val="tx1"/>
+                          </a:solidFill>
+                        </a:rPr>
+                        <a:t>종</a:t>
+                      </a:r>
+                      <a:endParaRPr kumimoji="1" lang="ja-JP" altLang="en-US" sz="1400" dirty="0">
+                        <a:solidFill>
+                          <a:schemeClr val="tx1"/>
+                        </a:solidFill>
+                      </a:endParaRPr>
+                    </a:p>
+                  </a:txBody>
+                  <a:tcPr anchor="ctr">
+                    <a:lnL w="3175" cap="flat" cmpd="sng" algn="ctr">
+                      <a:solidFill>
+                        <a:schemeClr val="tx1">
+                          <a:lumMod val="60000"/>
+                          <a:lumOff val="40000"/>
+                        </a:schemeClr>
+                      </a:solidFill>
+                      <a:prstDash val="solid"/>
+                      <a:round/>
+                      <a:headEnd type="none" w="med" len="med"/>
+                      <a:tailEnd type="none" w="med" len="med"/>
+                    </a:lnL>
+                    <a:lnR w="3175" cap="flat" cmpd="sng" algn="ctr">
+                      <a:solidFill>
+                        <a:schemeClr val="tx1">
+                          <a:lumMod val="60000"/>
+                          <a:lumOff val="40000"/>
+                        </a:schemeClr>
+                      </a:solidFill>
+                      <a:prstDash val="solid"/>
+                      <a:round/>
+                      <a:headEnd type="none" w="med" len="med"/>
+                      <a:tailEnd type="none" w="med" len="med"/>
+                    </a:lnR>
+                    <a:lnT w="3175" cap="flat" cmpd="sng" algn="ctr">
+                      <a:solidFill>
+                        <a:schemeClr val="tx1">
+                          <a:lumMod val="60000"/>
+                          <a:lumOff val="40000"/>
+                        </a:schemeClr>
+                      </a:solidFill>
+                      <a:prstDash val="solid"/>
+                      <a:round/>
+                      <a:headEnd type="none" w="med" len="med"/>
+                      <a:tailEnd type="none" w="med" len="med"/>
+                    </a:lnT>
+                    <a:lnB w="3175" cap="flat" cmpd="sng" algn="ctr">
+                      <a:solidFill>
+                        <a:schemeClr val="tx1">
+                          <a:lumMod val="60000"/>
+                          <a:lumOff val="40000"/>
+                        </a:schemeClr>
+                      </a:solidFill>
+                      <a:prstDash val="solid"/>
+                      <a:round/>
+                      <a:headEnd type="none" w="med" len="med"/>
+                      <a:tailEnd type="none" w="med" len="med"/>
+                    </a:lnB>
+                    <a:solidFill>
+                      <a:schemeClr val="bg1">
+                        <a:lumMod val="95000"/>
+                      </a:schemeClr>
+                    </a:solidFill>
+                  </a:tcPr>
+                </a:tc>
+                <a:tc>
+                  <a:txBody>
+                    <a:bodyPr/>
+                    <a:lstStyle/>
+                    <a:p>
+                      <a:pPr marL="0" indent="0" algn="ctr">
+                        <a:buNone/>
+                      </a:pPr>
+                      <a:r>
+                        <a:rPr lang="ko-KR" altLang="en-US" sz="1400" dirty="0"/>
+                        <a:t>캐릭터 </a:t>
+                      </a:r>
+                      <a:r>
+                        <a:rPr lang="en-US" altLang="ko-KR" sz="1400" dirty="0"/>
+                        <a:t>1</a:t>
+                      </a:r>
+                      <a:r>
+                        <a:rPr lang="ko-KR" altLang="en-US" sz="1400" dirty="0"/>
+                        <a:t>종 </a:t>
+                      </a:r>
+                      <a:r>
+                        <a:rPr lang="en-US" altLang="ko-KR" sz="1400" dirty="0"/>
+                        <a:t>, </a:t>
+                      </a:r>
+                      <a:r>
+                        <a:rPr lang="ko-KR" altLang="en-US" sz="1400" dirty="0"/>
+                        <a:t>장애물 </a:t>
+                      </a:r>
+                      <a:r>
+                        <a:rPr lang="en-US" altLang="ko-KR" sz="1400" dirty="0"/>
+                        <a:t>2 </a:t>
+                      </a:r>
+                      <a:r>
+                        <a:rPr lang="ko-KR" altLang="en-US" sz="1400" dirty="0"/>
+                        <a:t>종 </a:t>
+                      </a:r>
+                      <a:r>
+                        <a:rPr lang="en-US" altLang="ko-KR" sz="1400" dirty="0"/>
+                        <a:t>, </a:t>
+                      </a:r>
+                      <a:r>
+                        <a:rPr lang="ko-KR" altLang="en-US" sz="1400" dirty="0"/>
+                        <a:t>배경 </a:t>
+                      </a:r>
+                      <a:r>
+                        <a:rPr lang="en-US" altLang="ko-KR" sz="1400" dirty="0"/>
+                        <a:t>3</a:t>
+                      </a:r>
+                      <a:r>
+                        <a:rPr lang="ko-KR" altLang="en-US" sz="1400" dirty="0"/>
+                        <a:t>종</a:t>
+                      </a:r>
+                      <a:r>
+                        <a:rPr lang="en-US" altLang="ko-KR" sz="1400" dirty="0"/>
+                        <a:t>,  </a:t>
+                      </a:r>
+                      <a:r>
+                        <a:rPr lang="en-US" altLang="ko-KR" sz="1400" dirty="0" err="1"/>
+                        <a:t>ufo</a:t>
+                      </a:r>
+                      <a:r>
+                        <a:rPr lang="en-US" altLang="ko-KR" sz="1400" dirty="0"/>
+                        <a:t> 1</a:t>
+                      </a:r>
+                      <a:r>
+                        <a:rPr lang="ko-KR" altLang="en-US" sz="1400" dirty="0"/>
+                        <a:t>종</a:t>
+                      </a:r>
+                      <a:r>
+                        <a:rPr lang="en-US" altLang="ko-KR" sz="1400" dirty="0"/>
+                        <a:t>, </a:t>
+                      </a:r>
+                      <a:r>
+                        <a:rPr lang="ko-KR" altLang="en-US" sz="1400" dirty="0"/>
+                        <a:t>타일 </a:t>
+                      </a:r>
+                      <a:r>
+                        <a:rPr lang="en-US" altLang="ko-KR" sz="1400" dirty="0"/>
+                        <a:t>3</a:t>
+                      </a:r>
+                      <a:r>
+                        <a:rPr lang="ko-KR" altLang="en-US" sz="1400" dirty="0"/>
+                        <a:t>종</a:t>
+                      </a:r>
+                    </a:p>
+                  </a:txBody>
+                  <a:tcPr anchor="ctr">
+                    <a:lnL w="3175" cap="flat" cmpd="sng" algn="ctr">
+                      <a:solidFill>
+                        <a:schemeClr val="tx1">
+                          <a:lumMod val="60000"/>
+                          <a:lumOff val="40000"/>
+                        </a:schemeClr>
+                      </a:solidFill>
+                      <a:prstDash val="solid"/>
+                      <a:round/>
+                      <a:headEnd type="none" w="med" len="med"/>
+                      <a:tailEnd type="none" w="med" len="med"/>
+                    </a:lnL>
+                    <a:lnR w="3175" cap="flat" cmpd="sng" algn="ctr">
+                      <a:solidFill>
+                        <a:schemeClr val="tx1">
+                          <a:lumMod val="60000"/>
+                          <a:lumOff val="40000"/>
+                        </a:schemeClr>
+                      </a:solidFill>
+                      <a:prstDash val="solid"/>
+                      <a:round/>
+                      <a:headEnd type="none" w="med" len="med"/>
+                      <a:tailEnd type="none" w="med" len="med"/>
+                    </a:lnR>
+                    <a:lnT w="3175" cap="flat" cmpd="sng" algn="ctr">
+                      <a:solidFill>
+                        <a:schemeClr val="tx1">
+                          <a:lumMod val="60000"/>
+                          <a:lumOff val="40000"/>
+                        </a:schemeClr>
+                      </a:solidFill>
+                      <a:prstDash val="solid"/>
+                      <a:round/>
+                      <a:headEnd type="none" w="med" len="med"/>
+                      <a:tailEnd type="none" w="med" len="med"/>
+                    </a:lnT>
+                    <a:lnB w="3175" cap="flat" cmpd="sng" algn="ctr">
+                      <a:solidFill>
+                        <a:schemeClr val="tx1">
+                          <a:lumMod val="60000"/>
+                          <a:lumOff val="40000"/>
+                        </a:schemeClr>
+                      </a:solidFill>
+                      <a:prstDash val="solid"/>
+                      <a:round/>
+                      <a:headEnd type="none" w="med" len="med"/>
+                      <a:tailEnd type="none" w="med" len="med"/>
+                    </a:lnB>
+                    <a:solidFill>
+                      <a:schemeClr val="bg1">
+                        <a:lumMod val="95000"/>
+                      </a:schemeClr>
+                    </a:solidFill>
+                  </a:tcPr>
+                </a:tc>
+                <a:tc>
+                  <a:txBody>
+                    <a:bodyPr/>
+                    <a:lstStyle/>
+                    <a:p>
+                      <a:pPr marL="0" indent="0" algn="ctr">
+                        <a:buNone/>
+                      </a:pPr>
+                      <a:r>
+                        <a:rPr lang="en-US" altLang="ko-KR" sz="1400" dirty="0"/>
+                        <a:t>100%</a:t>
+                      </a:r>
+                      <a:endParaRPr lang="ko-KR" altLang="en-US" sz="1400" dirty="0"/>
+                    </a:p>
+                  </a:txBody>
+                  <a:tcPr anchor="ctr">
+                    <a:lnL w="3175" cap="flat" cmpd="sng" algn="ctr">
+                      <a:solidFill>
+                        <a:schemeClr val="tx1">
+                          <a:lumMod val="60000"/>
+                          <a:lumOff val="40000"/>
+                        </a:schemeClr>
+                      </a:solidFill>
+                      <a:prstDash val="solid"/>
+                      <a:round/>
+                      <a:headEnd type="none" w="med" len="med"/>
+                      <a:tailEnd type="none" w="med" len="med"/>
+                    </a:lnL>
+                    <a:lnR w="3175" cap="flat" cmpd="sng" algn="ctr">
+                      <a:solidFill>
+                        <a:schemeClr val="tx1">
+                          <a:lumMod val="60000"/>
+                          <a:lumOff val="40000"/>
+                        </a:schemeClr>
+                      </a:solidFill>
+                      <a:prstDash val="solid"/>
+                      <a:round/>
+                      <a:headEnd type="none" w="med" len="med"/>
+                      <a:tailEnd type="none" w="med" len="med"/>
+                    </a:lnR>
+                    <a:lnT w="3175" cap="flat" cmpd="sng" algn="ctr">
+                      <a:solidFill>
+                        <a:schemeClr val="tx1">
+                          <a:lumMod val="60000"/>
+                          <a:lumOff val="40000"/>
+                        </a:schemeClr>
+                      </a:solidFill>
+                      <a:prstDash val="solid"/>
+                      <a:round/>
+                      <a:headEnd type="none" w="med" len="med"/>
+                      <a:tailEnd type="none" w="med" len="med"/>
+                    </a:lnT>
+                    <a:lnB w="3175" cap="flat" cmpd="sng" algn="ctr">
+                      <a:solidFill>
+                        <a:schemeClr val="tx1">
+                          <a:lumMod val="60000"/>
+                          <a:lumOff val="40000"/>
+                        </a:schemeClr>
+                      </a:solidFill>
+                      <a:prstDash val="solid"/>
+                      <a:round/>
+                      <a:headEnd type="none" w="med" len="med"/>
+                      <a:tailEnd type="none" w="med" len="med"/>
+                    </a:lnB>
+                    <a:solidFill>
+                      <a:schemeClr val="bg1">
+                        <a:lumMod val="95000"/>
+                      </a:schemeClr>
+                    </a:solidFill>
+                  </a:tcPr>
+                </a:tc>
+                <a:extLst>
+                  <a:ext uri="{0D108BD9-81ED-4DB2-BD59-A6C34878D82A}">
+                    <a16:rowId xmlns:a16="http://schemas.microsoft.com/office/drawing/2014/main" val="706923270"/>
+                  </a:ext>
+                </a:extLst>
+              </a:tr>
+              <a:tr h="1002864">
+                <a:tc>
+                  <a:txBody>
+                    <a:bodyPr/>
+                    <a:lstStyle/>
+                    <a:p>
+                      <a:pPr algn="ctr"/>
+                      <a:r>
+                        <a:rPr kumimoji="1" lang="ko-KR" altLang="en-US" sz="1400" dirty="0"/>
+                        <a:t>게임난이도</a:t>
+                      </a:r>
+                      <a:endParaRPr kumimoji="1" lang="ja-JP" altLang="en-US" sz="1400" dirty="0"/>
+                    </a:p>
+                  </a:txBody>
+                  <a:tcPr anchor="ctr">
+                    <a:lnR w="3175" cap="flat" cmpd="sng" algn="ctr">
+                      <a:solidFill>
+                        <a:schemeClr val="tx1">
+                          <a:lumMod val="60000"/>
+                          <a:lumOff val="40000"/>
+                        </a:schemeClr>
+                      </a:solidFill>
+                      <a:prstDash val="solid"/>
+                      <a:round/>
+                      <a:headEnd type="none" w="med" len="med"/>
+                      <a:tailEnd type="none" w="med" len="med"/>
+                    </a:lnR>
+                    <a:lnT w="3175" cap="flat" cmpd="sng" algn="ctr">
+                      <a:solidFill>
+                        <a:schemeClr val="tx1">
+                          <a:lumMod val="60000"/>
+                          <a:lumOff val="40000"/>
+                        </a:schemeClr>
+                      </a:solidFill>
+                      <a:prstDash val="solid"/>
+                      <a:round/>
+                      <a:headEnd type="none" w="med" len="med"/>
+                      <a:tailEnd type="none" w="med" len="med"/>
+                    </a:lnT>
+                    <a:lnB w="3175" cap="flat" cmpd="sng" algn="ctr">
+                      <a:solidFill>
+                        <a:schemeClr val="tx1">
+                          <a:lumMod val="60000"/>
+                          <a:lumOff val="40000"/>
+                        </a:schemeClr>
+                      </a:solidFill>
+                      <a:prstDash val="solid"/>
+                      <a:round/>
+                      <a:headEnd type="none" w="med" len="med"/>
+                      <a:tailEnd type="none" w="med" len="med"/>
+                    </a:lnB>
+                    <a:solidFill>
+                      <a:schemeClr val="bg1">
+                        <a:lumMod val="95000"/>
+                      </a:schemeClr>
+                    </a:solidFill>
+                  </a:tcPr>
+                </a:tc>
+                <a:tc>
+                  <a:txBody>
+                    <a:bodyPr/>
+                    <a:lstStyle/>
+                    <a:p>
+                      <a:pPr algn="ctr"/>
+                      <a:r>
+                        <a:rPr kumimoji="1" lang="en-US" altLang="ko-KR" sz="1400" dirty="0">
+                          <a:solidFill>
+                            <a:schemeClr val="tx1"/>
+                          </a:solidFill>
+                        </a:rPr>
+                        <a:t>1 Stage: </a:t>
+                      </a:r>
+                      <a:r>
+                        <a:rPr kumimoji="1" lang="ko-KR" altLang="en-US" sz="1400" dirty="0">
+                          <a:solidFill>
+                            <a:schemeClr val="tx1"/>
+                          </a:solidFill>
+                        </a:rPr>
+                        <a:t>점프만으로 장애물을 피한다</a:t>
+                      </a:r>
+                      <a:r>
+                        <a:rPr kumimoji="1" lang="en-US" altLang="ko-KR" sz="1400" dirty="0">
+                          <a:solidFill>
+                            <a:schemeClr val="tx1"/>
+                          </a:solidFill>
+                        </a:rPr>
+                        <a:t>.</a:t>
+                      </a:r>
+                    </a:p>
+                    <a:p>
+                      <a:pPr algn="ctr"/>
+                      <a:r>
+                        <a:rPr kumimoji="1" lang="en-US" altLang="ja-JP" sz="1400" dirty="0">
+                          <a:solidFill>
+                            <a:schemeClr val="tx1"/>
+                          </a:solidFill>
+                        </a:rPr>
+                        <a:t>2 Stage: </a:t>
+                      </a:r>
+                      <a:r>
+                        <a:rPr kumimoji="1" lang="ko-KR" altLang="en-US" sz="1400" dirty="0">
+                          <a:solidFill>
+                            <a:schemeClr val="tx1"/>
+                          </a:solidFill>
+                        </a:rPr>
+                        <a:t>탈것을 타고 위아래로 이동하며 장애물을 피한다</a:t>
+                      </a:r>
+                      <a:endParaRPr kumimoji="1" lang="en-US" altLang="ko-KR" sz="1400" dirty="0">
+                        <a:solidFill>
+                          <a:schemeClr val="tx1"/>
+                        </a:solidFill>
+                      </a:endParaRPr>
+                    </a:p>
+                    <a:p>
+                      <a:pPr algn="ctr"/>
+                      <a:r>
+                        <a:rPr kumimoji="1" lang="en-US" altLang="ja-JP" sz="1400" dirty="0">
+                          <a:solidFill>
+                            <a:schemeClr val="tx1"/>
+                          </a:solidFill>
+                        </a:rPr>
+                        <a:t>3 Stage: 1 Stage </a:t>
+                      </a:r>
+                      <a:r>
+                        <a:rPr kumimoji="1" lang="ko-KR" altLang="en-US" sz="1400" dirty="0">
+                          <a:solidFill>
+                            <a:schemeClr val="tx1"/>
+                          </a:solidFill>
+                        </a:rPr>
+                        <a:t>상하반전</a:t>
+                      </a:r>
+                      <a:endParaRPr kumimoji="1" lang="en-US" altLang="ko-KR" sz="1400" dirty="0">
+                        <a:solidFill>
+                          <a:schemeClr val="tx1"/>
+                        </a:solidFill>
+                      </a:endParaRPr>
+                    </a:p>
+                  </a:txBody>
+                  <a:tcPr anchor="ctr">
+                    <a:lnL w="3175" cap="flat" cmpd="sng" algn="ctr">
+                      <a:solidFill>
+                        <a:schemeClr val="tx1">
+                          <a:lumMod val="60000"/>
+                          <a:lumOff val="40000"/>
+                        </a:schemeClr>
+                      </a:solidFill>
+                      <a:prstDash val="solid"/>
+                      <a:round/>
+                      <a:headEnd type="none" w="med" len="med"/>
+                      <a:tailEnd type="none" w="med" len="med"/>
+                    </a:lnL>
+                    <a:lnR w="3175" cap="flat" cmpd="sng" algn="ctr">
+                      <a:solidFill>
+                        <a:schemeClr val="tx1">
+                          <a:lumMod val="60000"/>
+                          <a:lumOff val="40000"/>
+                        </a:schemeClr>
+                      </a:solidFill>
+                      <a:prstDash val="solid"/>
+                      <a:round/>
+                      <a:headEnd type="none" w="med" len="med"/>
+                      <a:tailEnd type="none" w="med" len="med"/>
+                    </a:lnR>
+                    <a:lnT w="3175" cap="flat" cmpd="sng" algn="ctr">
+                      <a:solidFill>
+                        <a:schemeClr val="tx1">
+                          <a:lumMod val="60000"/>
+                          <a:lumOff val="40000"/>
+                        </a:schemeClr>
+                      </a:solidFill>
+                      <a:prstDash val="solid"/>
+                      <a:round/>
+                      <a:headEnd type="none" w="med" len="med"/>
+                      <a:tailEnd type="none" w="med" len="med"/>
+                    </a:lnT>
+                    <a:lnB w="3175" cap="flat" cmpd="sng" algn="ctr">
+                      <a:solidFill>
+                        <a:schemeClr val="tx1">
+                          <a:lumMod val="60000"/>
+                          <a:lumOff val="40000"/>
+                        </a:schemeClr>
+                      </a:solidFill>
+                      <a:prstDash val="solid"/>
+                      <a:round/>
+                      <a:headEnd type="none" w="med" len="med"/>
+                      <a:tailEnd type="none" w="med" len="med"/>
+                    </a:lnB>
+                    <a:solidFill>
+                      <a:schemeClr val="bg1">
+                        <a:lumMod val="95000"/>
+                      </a:schemeClr>
+                    </a:solidFill>
+                  </a:tcPr>
+                </a:tc>
+                <a:tc>
+                  <a:txBody>
+                    <a:bodyPr/>
+                    <a:lstStyle/>
+                    <a:p>
+                      <a:pPr marL="0" indent="0" algn="ctr">
+                        <a:buNone/>
+                      </a:pPr>
+                      <a:r>
+                        <a:rPr lang="en-US" altLang="ko-KR" sz="1400" dirty="0"/>
+                        <a:t>Stage 1: </a:t>
+                      </a:r>
+                      <a:r>
+                        <a:rPr lang="ko-KR" altLang="en-US" sz="1400" dirty="0"/>
+                        <a:t>러닝 구현</a:t>
+                      </a:r>
+                      <a:endParaRPr lang="en-US" altLang="ko-KR" sz="1400" dirty="0"/>
+                    </a:p>
+                    <a:p>
+                      <a:pPr marL="0" indent="0" algn="ctr">
+                        <a:buNone/>
+                      </a:pPr>
+                      <a:r>
+                        <a:rPr lang="en-US" altLang="ko-KR" sz="1400" dirty="0"/>
+                        <a:t>Stage 2: </a:t>
+                      </a:r>
+                      <a:r>
+                        <a:rPr lang="ko-KR" altLang="en-US" sz="1400" dirty="0"/>
+                        <a:t>게이트 통과시 상하반전 까지 추가 구현</a:t>
+                      </a:r>
+                      <a:endParaRPr lang="en-US" altLang="ko-KR" sz="1400" dirty="0"/>
+                    </a:p>
+                    <a:p>
+                      <a:pPr marL="0" indent="0" algn="ctr">
+                        <a:buNone/>
+                      </a:pPr>
+                      <a:r>
+                        <a:rPr lang="en-US" altLang="ko-KR" sz="1400" dirty="0"/>
+                        <a:t>Stage 3: </a:t>
+                      </a:r>
+                      <a:r>
+                        <a:rPr lang="ko-KR" altLang="en-US" sz="1400" dirty="0"/>
+                        <a:t>상하좌우 반전모드 구현</a:t>
+                      </a:r>
+                      <a:r>
+                        <a:rPr lang="en-US" altLang="ko-KR" sz="1400" dirty="0"/>
+                        <a:t> </a:t>
+                      </a:r>
+                      <a:endParaRPr lang="ko-KR" altLang="en-US" sz="1400" dirty="0"/>
+                    </a:p>
+                  </a:txBody>
+                  <a:tcPr anchor="ctr">
+                    <a:lnL w="3175" cap="flat" cmpd="sng" algn="ctr">
+                      <a:solidFill>
+                        <a:schemeClr val="tx1">
+                          <a:lumMod val="60000"/>
+                          <a:lumOff val="40000"/>
+                        </a:schemeClr>
+                      </a:solidFill>
+                      <a:prstDash val="solid"/>
+                      <a:round/>
+                      <a:headEnd type="none" w="med" len="med"/>
+                      <a:tailEnd type="none" w="med" len="med"/>
+                    </a:lnL>
+                    <a:lnR w="3175" cap="flat" cmpd="sng" algn="ctr">
+                      <a:solidFill>
+                        <a:schemeClr val="tx1">
+                          <a:lumMod val="60000"/>
+                          <a:lumOff val="40000"/>
+                        </a:schemeClr>
+                      </a:solidFill>
+                      <a:prstDash val="solid"/>
+                      <a:round/>
+                      <a:headEnd type="none" w="med" len="med"/>
+                      <a:tailEnd type="none" w="med" len="med"/>
+                    </a:lnR>
+                    <a:lnT w="3175" cap="flat" cmpd="sng" algn="ctr">
+                      <a:solidFill>
+                        <a:schemeClr val="tx1">
+                          <a:lumMod val="60000"/>
+                          <a:lumOff val="40000"/>
+                        </a:schemeClr>
+                      </a:solidFill>
+                      <a:prstDash val="solid"/>
+                      <a:round/>
+                      <a:headEnd type="none" w="med" len="med"/>
+                      <a:tailEnd type="none" w="med" len="med"/>
+                    </a:lnT>
+                    <a:lnB w="3175" cap="flat" cmpd="sng" algn="ctr">
+                      <a:solidFill>
+                        <a:schemeClr val="tx1">
+                          <a:lumMod val="60000"/>
+                          <a:lumOff val="40000"/>
+                        </a:schemeClr>
+                      </a:solidFill>
+                      <a:prstDash val="solid"/>
+                      <a:round/>
+                      <a:headEnd type="none" w="med" len="med"/>
+                      <a:tailEnd type="none" w="med" len="med"/>
+                    </a:lnB>
+                    <a:solidFill>
+                      <a:schemeClr val="bg1">
+                        <a:lumMod val="95000"/>
+                      </a:schemeClr>
+                    </a:solidFill>
+                  </a:tcPr>
+                </a:tc>
+                <a:tc>
+                  <a:txBody>
+                    <a:bodyPr/>
+                    <a:lstStyle/>
+                    <a:p>
+                      <a:pPr marL="0" indent="0" algn="ctr">
+                        <a:buNone/>
+                      </a:pPr>
+                      <a:r>
+                        <a:rPr lang="en-US" altLang="ko-KR" sz="1400" dirty="0"/>
+                        <a:t>100%</a:t>
+                      </a:r>
+                      <a:endParaRPr lang="ko-KR" altLang="en-US" sz="1400" dirty="0"/>
+                    </a:p>
+                  </a:txBody>
+                  <a:tcPr anchor="ctr">
+                    <a:lnL w="3175" cap="flat" cmpd="sng" algn="ctr">
+                      <a:solidFill>
+                        <a:schemeClr val="tx1">
+                          <a:lumMod val="60000"/>
+                          <a:lumOff val="40000"/>
+                        </a:schemeClr>
+                      </a:solidFill>
+                      <a:prstDash val="solid"/>
+                      <a:round/>
+                      <a:headEnd type="none" w="med" len="med"/>
+                      <a:tailEnd type="none" w="med" len="med"/>
+                    </a:lnL>
+                    <a:lnR w="3175" cap="flat" cmpd="sng" algn="ctr">
+                      <a:solidFill>
+                        <a:schemeClr val="tx1">
+                          <a:lumMod val="60000"/>
+                          <a:lumOff val="40000"/>
+                        </a:schemeClr>
+                      </a:solidFill>
+                      <a:prstDash val="solid"/>
+                      <a:round/>
+                      <a:headEnd type="none" w="med" len="med"/>
+                      <a:tailEnd type="none" w="med" len="med"/>
+                    </a:lnR>
+                    <a:lnT w="3175" cap="flat" cmpd="sng" algn="ctr">
+                      <a:solidFill>
+                        <a:schemeClr val="tx1">
+                          <a:lumMod val="60000"/>
+                          <a:lumOff val="40000"/>
+                        </a:schemeClr>
+                      </a:solidFill>
+                      <a:prstDash val="solid"/>
+                      <a:round/>
+                      <a:headEnd type="none" w="med" len="med"/>
+                      <a:tailEnd type="none" w="med" len="med"/>
+                    </a:lnT>
+                    <a:lnB w="3175" cap="flat" cmpd="sng" algn="ctr">
+                      <a:solidFill>
+                        <a:schemeClr val="tx1">
+                          <a:lumMod val="60000"/>
+                          <a:lumOff val="40000"/>
+                        </a:schemeClr>
+                      </a:solidFill>
+                      <a:prstDash val="solid"/>
+                      <a:round/>
+                      <a:headEnd type="none" w="med" len="med"/>
+                      <a:tailEnd type="none" w="med" len="med"/>
+                    </a:lnB>
+                    <a:solidFill>
+                      <a:schemeClr val="bg1">
+                        <a:lumMod val="95000"/>
+                      </a:schemeClr>
+                    </a:solidFill>
+                  </a:tcPr>
+                </a:tc>
+                <a:extLst>
+                  <a:ext uri="{0D108BD9-81ED-4DB2-BD59-A6C34878D82A}">
+                    <a16:rowId xmlns:a16="http://schemas.microsoft.com/office/drawing/2014/main" val="10003"/>
+                  </a:ext>
+                </a:extLst>
+              </a:tr>
+              <a:tr h="486502">
+                <a:tc>
+                  <a:txBody>
+                    <a:bodyPr/>
+                    <a:lstStyle/>
+                    <a:p>
+                      <a:pPr algn="ctr"/>
+                      <a:r>
+                        <a:rPr kumimoji="1" lang="ko-KR" altLang="en-US" sz="1400" dirty="0"/>
+                        <a:t>사운드</a:t>
+                      </a:r>
+                      <a:endParaRPr kumimoji="1" lang="ja-JP" altLang="en-US" sz="1400" dirty="0"/>
+                    </a:p>
+                  </a:txBody>
+                  <a:tcPr anchor="ctr">
+                    <a:lnR w="3175" cap="flat" cmpd="sng" algn="ctr">
+                      <a:solidFill>
+                        <a:schemeClr val="tx1">
+                          <a:lumMod val="60000"/>
+                          <a:lumOff val="40000"/>
+                        </a:schemeClr>
+                      </a:solidFill>
+                      <a:prstDash val="solid"/>
+                      <a:round/>
+                      <a:headEnd type="none" w="med" len="med"/>
+                      <a:tailEnd type="none" w="med" len="med"/>
+                    </a:lnR>
+                    <a:lnT w="3175" cap="flat" cmpd="sng" algn="ctr">
+                      <a:solidFill>
+                        <a:schemeClr val="tx1">
+                          <a:lumMod val="60000"/>
+                          <a:lumOff val="40000"/>
+                        </a:schemeClr>
+                      </a:solidFill>
+                      <a:prstDash val="solid"/>
+                      <a:round/>
+                      <a:headEnd type="none" w="med" len="med"/>
+                      <a:tailEnd type="none" w="med" len="med"/>
+                    </a:lnT>
+                    <a:lnB w="3175" cap="flat" cmpd="sng" algn="ctr">
+                      <a:solidFill>
+                        <a:schemeClr val="tx1">
+                          <a:lumMod val="60000"/>
+                          <a:lumOff val="40000"/>
+                        </a:schemeClr>
+                      </a:solidFill>
+                      <a:prstDash val="solid"/>
+                      <a:round/>
+                      <a:headEnd type="none" w="med" len="med"/>
+                      <a:tailEnd type="none" w="med" len="med"/>
+                    </a:lnB>
+                    <a:solidFill>
+                      <a:schemeClr val="bg1">
+                        <a:lumMod val="95000"/>
+                      </a:schemeClr>
+                    </a:solidFill>
+                  </a:tcPr>
+                </a:tc>
+                <a:tc>
+                  <a:txBody>
+                    <a:bodyPr/>
+                    <a:lstStyle/>
+                    <a:p>
+                      <a:pPr algn="ctr"/>
+                      <a:r>
+                        <a:rPr kumimoji="1" lang="ko-KR" altLang="en-US" sz="1400" dirty="0" err="1"/>
+                        <a:t>맵에</a:t>
+                      </a:r>
+                      <a:r>
+                        <a:rPr kumimoji="1" lang="ko-KR" altLang="en-US" sz="1400" dirty="0"/>
+                        <a:t> 맞는 배경음악이 깔린다</a:t>
+                      </a:r>
+                      <a:endParaRPr kumimoji="1" lang="en-US" altLang="ko-KR" sz="1400" dirty="0">
+                        <a:solidFill>
+                          <a:schemeClr val="tx1"/>
+                        </a:solidFill>
+                      </a:endParaRPr>
+                    </a:p>
+                  </a:txBody>
+                  <a:tcPr anchor="ctr">
+                    <a:lnL w="3175" cap="flat" cmpd="sng" algn="ctr">
+                      <a:solidFill>
+                        <a:schemeClr val="tx1">
+                          <a:lumMod val="60000"/>
+                          <a:lumOff val="40000"/>
+                        </a:schemeClr>
+                      </a:solidFill>
+                      <a:prstDash val="solid"/>
+                      <a:round/>
+                      <a:headEnd type="none" w="med" len="med"/>
+                      <a:tailEnd type="none" w="med" len="med"/>
+                    </a:lnL>
+                    <a:lnR w="3175" cap="flat" cmpd="sng" algn="ctr">
+                      <a:solidFill>
+                        <a:schemeClr val="tx1">
+                          <a:lumMod val="60000"/>
+                          <a:lumOff val="40000"/>
+                        </a:schemeClr>
+                      </a:solidFill>
+                      <a:prstDash val="solid"/>
+                      <a:round/>
+                      <a:headEnd type="none" w="med" len="med"/>
+                      <a:tailEnd type="none" w="med" len="med"/>
+                    </a:lnR>
+                    <a:lnT w="3175" cap="flat" cmpd="sng" algn="ctr">
+                      <a:solidFill>
+                        <a:schemeClr val="tx1">
+                          <a:lumMod val="60000"/>
+                          <a:lumOff val="40000"/>
+                        </a:schemeClr>
+                      </a:solidFill>
+                      <a:prstDash val="solid"/>
+                      <a:round/>
+                      <a:headEnd type="none" w="med" len="med"/>
+                      <a:tailEnd type="none" w="med" len="med"/>
+                    </a:lnT>
+                    <a:lnB w="3175" cap="flat" cmpd="sng" algn="ctr">
+                      <a:solidFill>
+                        <a:schemeClr val="tx1">
+                          <a:lumMod val="60000"/>
+                          <a:lumOff val="40000"/>
+                        </a:schemeClr>
+                      </a:solidFill>
+                      <a:prstDash val="solid"/>
+                      <a:round/>
+                      <a:headEnd type="none" w="med" len="med"/>
+                      <a:tailEnd type="none" w="med" len="med"/>
+                    </a:lnB>
+                    <a:solidFill>
+                      <a:schemeClr val="bg1">
+                        <a:lumMod val="95000"/>
+                      </a:schemeClr>
+                    </a:solidFill>
+                  </a:tcPr>
+                </a:tc>
+                <a:tc>
+                  <a:txBody>
+                    <a:bodyPr/>
+                    <a:lstStyle/>
+                    <a:p>
+                      <a:pPr algn="ctr"/>
+                      <a:r>
+                        <a:rPr lang="ko-KR" altLang="en-US" sz="1400" dirty="0" err="1"/>
+                        <a:t>배경음</a:t>
+                      </a:r>
+                      <a:r>
+                        <a:rPr lang="ko-KR" altLang="en-US" sz="1400" dirty="0"/>
+                        <a:t> 삽입 구현</a:t>
+                      </a:r>
+                      <a:r>
+                        <a:rPr lang="en-US" altLang="ko-KR" sz="1400" dirty="0"/>
+                        <a:t> (</a:t>
+                      </a:r>
+                      <a:r>
+                        <a:rPr lang="ko-KR" altLang="en-US" sz="1400" dirty="0"/>
+                        <a:t> </a:t>
+                      </a:r>
+                      <a:r>
+                        <a:rPr lang="en-US" altLang="ko-KR" sz="1400" dirty="0"/>
+                        <a:t>stop</a:t>
+                      </a:r>
+                      <a:r>
+                        <a:rPr lang="ko-KR" altLang="en-US" sz="1400" dirty="0"/>
+                        <a:t> 구현 부족</a:t>
+                      </a:r>
+                      <a:r>
+                        <a:rPr lang="en-US" altLang="ko-KR" sz="1400" dirty="0"/>
+                        <a:t>)</a:t>
+                      </a:r>
+                      <a:endParaRPr lang="ko-KR" altLang="en-US" sz="1400" dirty="0"/>
+                    </a:p>
+                  </a:txBody>
+                  <a:tcPr anchor="ctr">
+                    <a:lnL w="3175" cap="flat" cmpd="sng" algn="ctr">
+                      <a:solidFill>
+                        <a:schemeClr val="tx1">
+                          <a:lumMod val="60000"/>
+                          <a:lumOff val="40000"/>
+                        </a:schemeClr>
+                      </a:solidFill>
+                      <a:prstDash val="solid"/>
+                      <a:round/>
+                      <a:headEnd type="none" w="med" len="med"/>
+                      <a:tailEnd type="none" w="med" len="med"/>
+                    </a:lnL>
+                    <a:lnR w="3175" cap="flat" cmpd="sng" algn="ctr">
+                      <a:solidFill>
+                        <a:schemeClr val="tx1">
+                          <a:lumMod val="60000"/>
+                          <a:lumOff val="40000"/>
+                        </a:schemeClr>
+                      </a:solidFill>
+                      <a:prstDash val="solid"/>
+                      <a:round/>
+                      <a:headEnd type="none" w="med" len="med"/>
+                      <a:tailEnd type="none" w="med" len="med"/>
+                    </a:lnR>
+                    <a:lnT w="3175" cap="flat" cmpd="sng" algn="ctr">
+                      <a:solidFill>
+                        <a:schemeClr val="tx1">
+                          <a:lumMod val="60000"/>
+                          <a:lumOff val="40000"/>
+                        </a:schemeClr>
+                      </a:solidFill>
+                      <a:prstDash val="solid"/>
+                      <a:round/>
+                      <a:headEnd type="none" w="med" len="med"/>
+                      <a:tailEnd type="none" w="med" len="med"/>
+                    </a:lnT>
+                    <a:lnB w="3175" cap="flat" cmpd="sng" algn="ctr">
+                      <a:solidFill>
+                        <a:schemeClr val="tx1">
+                          <a:lumMod val="60000"/>
+                          <a:lumOff val="40000"/>
+                        </a:schemeClr>
+                      </a:solidFill>
+                      <a:prstDash val="solid"/>
+                      <a:round/>
+                      <a:headEnd type="none" w="med" len="med"/>
+                      <a:tailEnd type="none" w="med" len="med"/>
+                    </a:lnB>
+                    <a:solidFill>
+                      <a:schemeClr val="bg1">
+                        <a:lumMod val="95000"/>
+                      </a:schemeClr>
+                    </a:solidFill>
+                  </a:tcPr>
+                </a:tc>
+                <a:tc>
+                  <a:txBody>
+                    <a:bodyPr/>
+                    <a:lstStyle/>
+                    <a:p>
+                      <a:pPr algn="ctr"/>
+                      <a:r>
+                        <a:rPr lang="en-US" altLang="ko-KR" sz="1400" dirty="0"/>
+                        <a:t>80%</a:t>
+                      </a:r>
+                      <a:endParaRPr lang="ko-KR" altLang="en-US" sz="1400" dirty="0"/>
+                    </a:p>
+                  </a:txBody>
+                  <a:tcPr anchor="ctr">
+                    <a:lnL w="3175" cap="flat" cmpd="sng" algn="ctr">
+                      <a:solidFill>
+                        <a:schemeClr val="tx1">
+                          <a:lumMod val="60000"/>
+                          <a:lumOff val="40000"/>
+                        </a:schemeClr>
+                      </a:solidFill>
+                      <a:prstDash val="solid"/>
+                      <a:round/>
+                      <a:headEnd type="none" w="med" len="med"/>
+                      <a:tailEnd type="none" w="med" len="med"/>
+                    </a:lnL>
+                    <a:lnR w="3175" cap="flat" cmpd="sng" algn="ctr">
+                      <a:solidFill>
+                        <a:schemeClr val="tx1">
+                          <a:lumMod val="60000"/>
+                          <a:lumOff val="40000"/>
+                        </a:schemeClr>
+                      </a:solidFill>
+                      <a:prstDash val="solid"/>
+                      <a:round/>
+                      <a:headEnd type="none" w="med" len="med"/>
+                      <a:tailEnd type="none" w="med" len="med"/>
+                    </a:lnR>
+                    <a:lnT w="3175" cap="flat" cmpd="sng" algn="ctr">
+                      <a:solidFill>
+                        <a:schemeClr val="tx1">
+                          <a:lumMod val="60000"/>
+                          <a:lumOff val="40000"/>
+                        </a:schemeClr>
+                      </a:solidFill>
+                      <a:prstDash val="solid"/>
+                      <a:round/>
+                      <a:headEnd type="none" w="med" len="med"/>
+                      <a:tailEnd type="none" w="med" len="med"/>
+                    </a:lnT>
+                    <a:lnB w="3175" cap="flat" cmpd="sng" algn="ctr">
+                      <a:solidFill>
+                        <a:schemeClr val="tx1">
+                          <a:lumMod val="60000"/>
+                          <a:lumOff val="40000"/>
+                        </a:schemeClr>
+                      </a:solidFill>
+                      <a:prstDash val="solid"/>
+                      <a:round/>
+                      <a:headEnd type="none" w="med" len="med"/>
+                      <a:tailEnd type="none" w="med" len="med"/>
+                    </a:lnB>
+                    <a:solidFill>
+                      <a:schemeClr val="bg1">
+                        <a:lumMod val="95000"/>
+                      </a:schemeClr>
+                    </a:solidFill>
+                  </a:tcPr>
+                </a:tc>
+                <a:extLst>
+                  <a:ext uri="{0D108BD9-81ED-4DB2-BD59-A6C34878D82A}">
+                    <a16:rowId xmlns:a16="http://schemas.microsoft.com/office/drawing/2014/main" val="2612735377"/>
+                  </a:ext>
+                </a:extLst>
+              </a:tr>
+            </a:tbl>
+          </a:graphicData>
+        </a:graphic>
+      </p:graphicFrame>
+    </p:spTree>
+    <p:extLst>
+      <p:ext uri="{BB962C8B-B14F-4D97-AF65-F5344CB8AC3E}">
+        <p14:creationId xmlns:p14="http://schemas.microsoft.com/office/powerpoint/2010/main" val="4094470459"/>
+      </p:ext>
+    </p:extLst>
+  </p:cSld>
+  <p:clrMapOvr>
+    <a:masterClrMapping/>
+  </p:clrMapOvr>
+</p:sld>
+</file>
+
+<file path=ppt/slides/slide3.xml><?xml version="1.0" encoding="utf-8"?>
+<p:sld xmlns:a="http://schemas.openxmlformats.org/drawingml/2006/main" xmlns:r="http://schemas.openxmlformats.org/officeDocument/2006/relationships" xmlns:p="http://schemas.openxmlformats.org/presentationml/2006/main">
+  <p:cSld>
+    <p:spTree>
+      <p:nvGrpSpPr>
+        <p:cNvPr id="1" name=""/>
+        <p:cNvGrpSpPr/>
+        <p:nvPr/>
+      </p:nvGrpSpPr>
+      <p:grpSpPr>
+        <a:xfrm>
+          <a:off x="0" y="0"/>
+          <a:ext cx="0" cy="0"/>
+          <a:chOff x="0" y="0"/>
+          <a:chExt cx="0" cy="0"/>
+        </a:xfrm>
+      </p:grpSpPr>
+      <p:sp>
+        <p:nvSpPr>
+          <p:cNvPr id="5" name="正方形/長方形 4"/>
+          <p:cNvSpPr/>
+          <p:nvPr/>
+        </p:nvSpPr>
+        <p:spPr>
+          <a:xfrm>
+            <a:off x="0" y="0"/>
+            <a:ext cx="12192000" cy="1082005"/>
+          </a:xfrm>
+          <a:prstGeom prst="rect">
+            <a:avLst/>
+          </a:prstGeom>
+          <a:solidFill>
+            <a:srgbClr val="22578B"/>
+          </a:solidFill>
+          <a:ln>
+            <a:noFill/>
+          </a:ln>
+        </p:spPr>
+        <p:style>
+          <a:lnRef idx="2">
+            <a:schemeClr val="accent1">
+              <a:shade val="50000"/>
+            </a:schemeClr>
+          </a:lnRef>
+          <a:fillRef idx="1">
+            <a:schemeClr val="accent1"/>
+          </a:fillRef>
+          <a:effectRef idx="0">
+            <a:schemeClr val="accent1"/>
+          </a:effectRef>
+          <a:fontRef idx="minor">
+            <a:schemeClr val="lt1"/>
+          </a:fontRef>
+        </p:style>
+        <p:txBody>
+          <a:bodyPr rtlCol="0" anchor="ctr"/>
+          <a:lstStyle/>
+          <a:p>
+            <a:pPr algn="ctr"/>
+            <a:endParaRPr kumimoji="1" lang="ja-JP" altLang="en-US"/>
+          </a:p>
+        </p:txBody>
+      </p:sp>
+      <p:grpSp>
+        <p:nvGrpSpPr>
+          <p:cNvPr id="2" name="グループ化 1"/>
+          <p:cNvGrpSpPr/>
+          <p:nvPr/>
+        </p:nvGrpSpPr>
+        <p:grpSpPr>
+          <a:xfrm>
+            <a:off x="260405" y="158251"/>
+            <a:ext cx="2110410" cy="765502"/>
+            <a:chOff x="556590" y="1460994"/>
+            <a:chExt cx="2110410" cy="1134834"/>
+          </a:xfrm>
+        </p:grpSpPr>
+        <p:sp>
+          <p:nvSpPr>
+            <p:cNvPr id="3" name="ホームベース 2"/>
+            <p:cNvSpPr/>
+            <p:nvPr/>
+          </p:nvSpPr>
+          <p:spPr>
+            <a:xfrm>
+              <a:off x="556590" y="1460994"/>
+              <a:ext cx="2110410" cy="1134834"/>
+            </a:xfrm>
+            <a:prstGeom prst="homePlate">
+              <a:avLst/>
+            </a:prstGeom>
+            <a:solidFill>
+              <a:schemeClr val="bg1"/>
+            </a:solidFill>
+            <a:ln w="76200">
+              <a:solidFill>
+                <a:srgbClr val="1F3359"/>
+              </a:solidFill>
+            </a:ln>
+          </p:spPr>
+          <p:style>
+            <a:lnRef idx="2">
+              <a:schemeClr val="accent1">
+                <a:shade val="50000"/>
+              </a:schemeClr>
+            </a:lnRef>
+            <a:fillRef idx="1">
+              <a:schemeClr val="accent1"/>
+            </a:fillRef>
+            <a:effectRef idx="0">
+              <a:schemeClr val="accent1"/>
+            </a:effectRef>
+            <a:fontRef idx="minor">
+              <a:schemeClr val="lt1"/>
+            </a:fontRef>
+          </p:style>
+          <p:txBody>
+            <a:bodyPr rtlCol="0" anchor="ctr"/>
+            <a:lstStyle/>
+            <a:p>
+              <a:pPr algn="ctr"/>
+              <a:endParaRPr kumimoji="1" lang="ja-JP" altLang="en-US" dirty="0"/>
+            </a:p>
+          </p:txBody>
+        </p:sp>
+        <p:sp>
+          <p:nvSpPr>
+            <p:cNvPr id="4" name="テキスト ボックス 3"/>
+            <p:cNvSpPr txBox="1"/>
+            <p:nvPr/>
+          </p:nvSpPr>
+          <p:spPr>
+            <a:xfrm>
+              <a:off x="795130" y="1606538"/>
+              <a:ext cx="1508490" cy="958167"/>
+            </a:xfrm>
+            <a:prstGeom prst="rect">
+              <a:avLst/>
+            </a:prstGeom>
+            <a:noFill/>
+          </p:spPr>
+          <p:txBody>
+            <a:bodyPr wrap="none" rtlCol="0">
+              <a:spAutoFit/>
+            </a:bodyPr>
+            <a:lstStyle/>
+            <a:p>
+              <a:r>
+                <a:rPr kumimoji="1" lang="en-US" altLang="ko-KR" sz="3600" b="1" dirty="0">
+                  <a:solidFill>
+                    <a:srgbClr val="1F3359"/>
+                  </a:solidFill>
+                </a:rPr>
+                <a:t>Part 2</a:t>
+              </a:r>
+              <a:endParaRPr kumimoji="1" lang="ja-JP" altLang="en-US" sz="3600" b="1" dirty="0">
+                <a:solidFill>
+                  <a:srgbClr val="1F3359"/>
+                </a:solidFill>
+              </a:endParaRPr>
+            </a:p>
+          </p:txBody>
+        </p:sp>
+      </p:grpSp>
+      <p:sp>
+        <p:nvSpPr>
+          <p:cNvPr id="6" name="テキスト ボックス 5"/>
+          <p:cNvSpPr txBox="1"/>
+          <p:nvPr/>
+        </p:nvSpPr>
+        <p:spPr>
+          <a:xfrm>
+            <a:off x="2533220" y="79337"/>
+            <a:ext cx="3198311" cy="923330"/>
+          </a:xfrm>
+          <a:prstGeom prst="rect">
+            <a:avLst/>
+          </a:prstGeom>
+          <a:noFill/>
+        </p:spPr>
+        <p:txBody>
+          <a:bodyPr wrap="none" rtlCol="0">
+            <a:spAutoFit/>
+          </a:bodyPr>
+          <a:lstStyle/>
+          <a:p>
+            <a:r>
+              <a:rPr kumimoji="1" lang="ko-KR" altLang="en-US" sz="5400" b="1" dirty="0" err="1">
+                <a:solidFill>
+                  <a:schemeClr val="bg1"/>
+                </a:solidFill>
+              </a:rPr>
+              <a:t>커밋</a:t>
+            </a:r>
+            <a:r>
+              <a:rPr kumimoji="1" lang="ko-KR" altLang="en-US" sz="5400" b="1" dirty="0">
+                <a:solidFill>
+                  <a:schemeClr val="bg1"/>
+                </a:solidFill>
+              </a:rPr>
+              <a:t> 통계</a:t>
+            </a:r>
+            <a:endParaRPr kumimoji="1" lang="ja-JP" altLang="en-US" sz="5400" b="1" dirty="0">
+              <a:solidFill>
+                <a:schemeClr val="bg1"/>
+              </a:solidFill>
+            </a:endParaRPr>
+          </a:p>
+        </p:txBody>
+      </p:sp>
+      <p:pic>
+        <p:nvPicPr>
+          <p:cNvPr id="9" name="그림 8">
+            <a:extLst>
+              <a:ext uri="{FF2B5EF4-FFF2-40B4-BE49-F238E27FC236}">
+                <a16:creationId xmlns:a16="http://schemas.microsoft.com/office/drawing/2014/main" id="{8F7BC225-753B-4F2E-AC0D-73B3CDCFADF6}"/>
+              </a:ext>
+            </a:extLst>
+          </p:cNvPr>
+          <p:cNvPicPr>
+            <a:picLocks noChangeAspect="1"/>
+          </p:cNvPicPr>
+          <p:nvPr/>
+        </p:nvPicPr>
+        <p:blipFill>
+          <a:blip r:embed="rId2"/>
+          <a:stretch>
+            <a:fillRect/>
+          </a:stretch>
+        </p:blipFill>
+        <p:spPr>
+          <a:xfrm>
+            <a:off x="5127812" y="1459651"/>
+            <a:ext cx="3291866" cy="4286530"/>
+          </a:xfrm>
+          <a:prstGeom prst="rect">
+            <a:avLst/>
+          </a:prstGeom>
+        </p:spPr>
+      </p:pic>
+      <p:graphicFrame>
+        <p:nvGraphicFramePr>
+          <p:cNvPr id="16" name="表 6">
+            <a:extLst>
+              <a:ext uri="{FF2B5EF4-FFF2-40B4-BE49-F238E27FC236}">
+                <a16:creationId xmlns:a16="http://schemas.microsoft.com/office/drawing/2014/main" id="{23AC5F11-925A-480A-952A-4EED247E3CD3}"/>
+              </a:ext>
+            </a:extLst>
+          </p:cNvPr>
+          <p:cNvGraphicFramePr>
+            <a:graphicFrameLocks noGrp="1"/>
+          </p:cNvGraphicFramePr>
+          <p:nvPr>
+            <p:extLst>
+              <p:ext uri="{D42A27DB-BD31-4B8C-83A1-F6EECF244321}">
+                <p14:modId xmlns:p14="http://schemas.microsoft.com/office/powerpoint/2010/main" val="1480345282"/>
+              </p:ext>
+            </p:extLst>
+          </p:nvPr>
+        </p:nvGraphicFramePr>
+        <p:xfrm>
+          <a:off x="8148489" y="1389529"/>
+          <a:ext cx="3783106" cy="4356652"/>
+        </p:xfrm>
+        <a:graphic>
+          <a:graphicData uri="http://schemas.openxmlformats.org/drawingml/2006/table">
+            <a:tbl>
+              <a:tblPr firstRow="1" bandRow="1">
+                <a:tableStyleId>{5C22544A-7EE6-4342-B048-85BDC9FD1C3A}</a:tableStyleId>
+              </a:tblPr>
+              <a:tblGrid>
+                <a:gridCol w="2411935">
+                  <a:extLst>
+                    <a:ext uri="{9D8B030D-6E8A-4147-A177-3AD203B41FA5}">
+                      <a16:colId xmlns:a16="http://schemas.microsoft.com/office/drawing/2014/main" val="20000"/>
+                    </a:ext>
+                  </a:extLst>
+                </a:gridCol>
+                <a:gridCol w="1371171">
+                  <a:extLst>
+                    <a:ext uri="{9D8B030D-6E8A-4147-A177-3AD203B41FA5}">
+                      <a16:colId xmlns:a16="http://schemas.microsoft.com/office/drawing/2014/main" val="20001"/>
+                    </a:ext>
+                  </a:extLst>
+                </a:gridCol>
+              </a:tblGrid>
+              <a:tr h="340659">
+                <a:tc>
+                  <a:txBody>
+                    <a:bodyPr/>
+                    <a:lstStyle/>
+                    <a:p>
+                      <a:pPr algn="ctr"/>
+                      <a:r>
+                        <a:rPr kumimoji="1" lang="ko-KR" altLang="en-US" sz="1400" dirty="0"/>
+                        <a:t>주차</a:t>
+                      </a:r>
+                      <a:endParaRPr kumimoji="1" lang="ja-JP" altLang="en-US" sz="1400" dirty="0"/>
+                    </a:p>
+                  </a:txBody>
+                  <a:tcPr anchor="ctr">
+                    <a:lnL w="12700" cmpd="sng">
+                      <a:noFill/>
+                    </a:lnL>
+                    <a:lnR w="6350" cap="flat" cmpd="sng" algn="ctr">
+                      <a:solidFill>
+                        <a:schemeClr val="bg1">
+                          <a:lumMod val="95000"/>
+                        </a:schemeClr>
+                      </a:solidFill>
+                      <a:prstDash val="solid"/>
+                      <a:round/>
+                      <a:headEnd type="none" w="med" len="med"/>
+                      <a:tailEnd type="none" w="med" len="med"/>
+                    </a:lnR>
+                    <a:lnT w="28575" cap="flat" cmpd="sng" algn="ctr">
+                      <a:noFill/>
+                      <a:prstDash val="solid"/>
+                      <a:round/>
+                      <a:headEnd type="none" w="med" len="med"/>
+                      <a:tailEnd type="none" w="med" len="med"/>
+                    </a:lnT>
+                    <a:lnB w="3175" cap="flat" cmpd="sng" algn="ctr">
+                      <a:noFill/>
+                      <a:prstDash val="solid"/>
+                      <a:round/>
+                      <a:headEnd type="none" w="med" len="med"/>
+                      <a:tailEnd type="none" w="med" len="med"/>
+                    </a:lnB>
+                    <a:lnTlToBr w="12700" cmpd="sng">
+                      <a:noFill/>
+                      <a:prstDash val="solid"/>
+                    </a:lnTlToBr>
+                    <a:lnBlToTr w="12700" cmpd="sng">
+                      <a:noFill/>
+                      <a:prstDash val="solid"/>
+                    </a:lnBlToTr>
+                    <a:solidFill>
+                      <a:srgbClr val="22578B"/>
+                    </a:solidFill>
+                  </a:tcPr>
+                </a:tc>
+                <a:tc>
+                  <a:txBody>
+                    <a:bodyPr/>
+                    <a:lstStyle/>
+                    <a:p>
+                      <a:pPr algn="ctr"/>
+                      <a:r>
+                        <a:rPr kumimoji="1" lang="ko-KR" altLang="en-US" sz="1400" dirty="0"/>
+                        <a:t>횟수</a:t>
+                      </a:r>
+                      <a:endParaRPr kumimoji="1" lang="ja-JP" altLang="en-US" sz="1400" dirty="0"/>
+                    </a:p>
+                  </a:txBody>
+                  <a:tcPr anchor="ctr">
+                    <a:lnL w="6350" cap="flat" cmpd="sng" algn="ctr">
+                      <a:solidFill>
+                        <a:schemeClr val="bg1">
+                          <a:lumMod val="95000"/>
+                        </a:schemeClr>
+                      </a:solidFill>
+                      <a:prstDash val="solid"/>
+                      <a:round/>
+                      <a:headEnd type="none" w="med" len="med"/>
+                      <a:tailEnd type="none" w="med" len="med"/>
+                    </a:lnL>
+                    <a:lnR w="6350" cap="flat" cmpd="sng" algn="ctr">
+                      <a:solidFill>
+                        <a:schemeClr val="bg1">
+                          <a:lumMod val="95000"/>
+                        </a:schemeClr>
+                      </a:solidFill>
+                      <a:prstDash val="solid"/>
+                      <a:round/>
+                      <a:headEnd type="none" w="med" len="med"/>
+                      <a:tailEnd type="none" w="med" len="med"/>
+                    </a:lnR>
+                    <a:lnT w="28575" cap="flat" cmpd="sng" algn="ctr">
+                      <a:noFill/>
+                      <a:prstDash val="solid"/>
+                      <a:round/>
+                      <a:headEnd type="none" w="med" len="med"/>
+                      <a:tailEnd type="none" w="med" len="med"/>
+                    </a:lnT>
+                    <a:lnB w="3175" cap="flat" cmpd="sng" algn="ctr">
+                      <a:noFill/>
+                      <a:prstDash val="solid"/>
+                      <a:round/>
+                      <a:headEnd type="none" w="med" len="med"/>
+                      <a:tailEnd type="none" w="med" len="med"/>
+                    </a:lnB>
+                    <a:lnTlToBr w="12700" cmpd="sng">
+                      <a:noFill/>
+                      <a:prstDash val="solid"/>
+                    </a:lnTlToBr>
+                    <a:lnBlToTr w="12700" cmpd="sng">
+                      <a:noFill/>
+                      <a:prstDash val="solid"/>
+                    </a:lnBlToTr>
+                    <a:solidFill>
+                      <a:srgbClr val="22578B"/>
+                    </a:solidFill>
+                  </a:tcPr>
+                </a:tc>
+                <a:extLst>
+                  <a:ext uri="{0D108BD9-81ED-4DB2-BD59-A6C34878D82A}">
+                    <a16:rowId xmlns:a16="http://schemas.microsoft.com/office/drawing/2014/main" val="10000"/>
+                  </a:ext>
+                </a:extLst>
+              </a:tr>
+              <a:tr h="439271">
+                <a:tc>
+                  <a:txBody>
+                    <a:bodyPr/>
+                    <a:lstStyle/>
+                    <a:p>
+                      <a:pPr algn="ctr"/>
+                      <a:r>
+                        <a:rPr kumimoji="1" lang="en-US" altLang="ja-JP" sz="1400" dirty="0"/>
+                        <a:t>1</a:t>
+                      </a:r>
+                      <a:r>
+                        <a:rPr kumimoji="1" lang="ko-KR" altLang="en-US" sz="1400" dirty="0"/>
+                        <a:t>주차</a:t>
                       </a:r>
                       <a:r>
                         <a:rPr kumimoji="1" lang="en-US" altLang="ko-KR" sz="1400" dirty="0"/>
-                        <a:t>, </a:t>
-                      </a:r>
-                      <a:r>
-                        <a:rPr kumimoji="1" lang="ko-KR" altLang="en-US" sz="1400" dirty="0"/>
-                        <a:t>맵</a:t>
-                      </a:r>
-                      <a:r>
-                        <a:rPr kumimoji="1" lang="en-US" altLang="ko-KR" sz="1400" dirty="0"/>
-                        <a:t>, </a:t>
-                      </a:r>
-                      <a:r>
-                        <a:rPr kumimoji="1" lang="ko-KR" altLang="en-US" sz="1400" dirty="0"/>
-                        <a:t>사운드 리소스를 수집한다</a:t>
-                      </a:r>
-                      <a:r>
-                        <a:rPr kumimoji="1" lang="en-US" altLang="ko-KR" sz="1400" dirty="0"/>
-                        <a:t>.</a:t>
+                        <a:t>(9/29 ~ 10/5)</a:t>
                       </a:r>
                       <a:endParaRPr kumimoji="1" lang="ja-JP" altLang="en-US" sz="1400" dirty="0"/>
+                    </a:p>
+                  </a:txBody>
+                  <a:tcPr anchor="ctr">
+                    <a:lnR w="3175" cap="flat" cmpd="sng" algn="ctr">
+                      <a:solidFill>
+                        <a:schemeClr val="tx1">
+                          <a:lumMod val="60000"/>
+                          <a:lumOff val="40000"/>
+                        </a:schemeClr>
+                      </a:solidFill>
+                      <a:prstDash val="solid"/>
+                      <a:round/>
+                      <a:headEnd type="none" w="med" len="med"/>
+                      <a:tailEnd type="none" w="med" len="med"/>
+                    </a:lnR>
+                    <a:lnT w="3175" cap="flat" cmpd="sng" algn="ctr">
+                      <a:noFill/>
+                      <a:prstDash val="solid"/>
+                      <a:round/>
+                      <a:headEnd type="none" w="med" len="med"/>
+                      <a:tailEnd type="none" w="med" len="med"/>
+                    </a:lnT>
+                    <a:lnB w="3175" cap="flat" cmpd="sng" algn="ctr">
+                      <a:solidFill>
+                        <a:schemeClr val="tx1">
+                          <a:lumMod val="60000"/>
+                          <a:lumOff val="40000"/>
+                        </a:schemeClr>
+                      </a:solidFill>
+                      <a:prstDash val="solid"/>
+                      <a:round/>
+                      <a:headEnd type="none" w="med" len="med"/>
+                      <a:tailEnd type="none" w="med" len="med"/>
+                    </a:lnB>
+                    <a:solidFill>
+                      <a:schemeClr val="bg1">
+                        <a:lumMod val="95000"/>
+                      </a:schemeClr>
+                    </a:solidFill>
+                  </a:tcPr>
+                </a:tc>
+                <a:tc>
+                  <a:txBody>
+                    <a:bodyPr/>
+                    <a:lstStyle/>
+                    <a:p>
+                      <a:pPr marL="0" marR="0" lvl="0" indent="0" algn="ctr" defTabSz="914400" rtl="0" eaLnBrk="1" fontAlgn="auto" latinLnBrk="1" hangingPunct="1">
+                        <a:lnSpc>
+                          <a:spcPct val="100000"/>
+                        </a:lnSpc>
+                        <a:spcBef>
+                          <a:spcPts val="0"/>
+                        </a:spcBef>
+                        <a:spcAft>
+                          <a:spcPts val="0"/>
+                        </a:spcAft>
+                        <a:buClrTx/>
+                        <a:buSzTx/>
+                        <a:buFontTx/>
+                        <a:buNone/>
+                        <a:tabLst/>
+                        <a:defRPr/>
+                      </a:pPr>
+                      <a:r>
+                        <a:rPr kumimoji="1" lang="en-US" altLang="ja-JP" sz="1400" dirty="0">
+                          <a:solidFill>
+                            <a:schemeClr val="tx1"/>
+                          </a:solidFill>
+                        </a:rPr>
+                        <a:t>0</a:t>
+                      </a:r>
+                      <a:r>
+                        <a:rPr kumimoji="1" lang="ko-KR" altLang="en-US" sz="1400" dirty="0">
+                          <a:solidFill>
+                            <a:schemeClr val="tx1"/>
+                          </a:solidFill>
+                        </a:rPr>
+                        <a:t>회</a:t>
+                      </a:r>
+                      <a:endParaRPr kumimoji="1" lang="ja-JP" altLang="en-US" sz="1400" dirty="0">
+                        <a:solidFill>
+                          <a:schemeClr val="tx1"/>
+                        </a:solidFill>
+                      </a:endParaRPr>
                     </a:p>
                   </a:txBody>
                   <a:tcPr anchor="ctr">
@@ -4575,7 +8269,7 @@
                   </a:ext>
                 </a:extLst>
               </a:tr>
-              <a:tr h="356267">
+              <a:tr h="421341">
                 <a:tc>
                   <a:txBody>
                     <a:bodyPr/>
@@ -4589,6 +8283,10 @@
                       <a:r>
                         <a:rPr kumimoji="1" lang="ko-KR" altLang="en-US" sz="1400" dirty="0"/>
                         <a:t>주차</a:t>
+                      </a:r>
+                      <a:r>
+                        <a:rPr kumimoji="1" lang="en-US" altLang="ko-KR" sz="1400" dirty="0"/>
+                        <a:t>(10/6 ~ 10/12)</a:t>
                       </a:r>
                       <a:endParaRPr kumimoji="1" lang="ja-JP" altLang="en-US" sz="1400" dirty="0"/>
                     </a:p>
@@ -4644,107 +8342,20 @@
                     <a:p>
                       <a:pPr algn="ctr"/>
                       <a:r>
+                        <a:rPr kumimoji="1" lang="en-US" altLang="ja-JP" sz="1400" dirty="0">
+                          <a:solidFill>
+                            <a:schemeClr val="tx1"/>
+                          </a:solidFill>
+                        </a:rPr>
+                        <a:t>2</a:t>
+                      </a:r>
+                      <a:r>
                         <a:rPr kumimoji="1" lang="ko-KR" altLang="en-US" sz="1400" dirty="0">
                           <a:solidFill>
                             <a:schemeClr val="tx1"/>
                           </a:solidFill>
                         </a:rPr>
-                        <a:t>맵 이동 구현</a:t>
-                      </a:r>
-                      <a:r>
-                        <a:rPr kumimoji="1" lang="en-US" altLang="ko-KR" sz="1400" dirty="0">
-                          <a:solidFill>
-                            <a:schemeClr val="tx1"/>
-                          </a:solidFill>
-                        </a:rPr>
-                        <a:t>(100%)</a:t>
-                      </a:r>
-                      <a:endParaRPr kumimoji="1" lang="ja-JP" altLang="en-US" sz="1400" dirty="0">
-                        <a:solidFill>
-                          <a:schemeClr val="tx1"/>
-                        </a:solidFill>
-                      </a:endParaRPr>
-                    </a:p>
-                  </a:txBody>
-                  <a:tcPr anchor="ctr">
-                    <a:lnL w="3175" cap="flat" cmpd="sng" algn="ctr">
-                      <a:solidFill>
-                        <a:schemeClr val="tx1">
-                          <a:lumMod val="60000"/>
-                          <a:lumOff val="40000"/>
-                        </a:schemeClr>
-                      </a:solidFill>
-                      <a:prstDash val="solid"/>
-                      <a:round/>
-                      <a:headEnd type="none" w="med" len="med"/>
-                      <a:tailEnd type="none" w="med" len="med"/>
-                    </a:lnL>
-                    <a:lnR w="3175" cap="flat" cmpd="sng" algn="ctr">
-                      <a:solidFill>
-                        <a:schemeClr val="tx1">
-                          <a:lumMod val="60000"/>
-                          <a:lumOff val="40000"/>
-                        </a:schemeClr>
-                      </a:solidFill>
-                      <a:prstDash val="solid"/>
-                      <a:round/>
-                      <a:headEnd type="none" w="med" len="med"/>
-                      <a:tailEnd type="none" w="med" len="med"/>
-                    </a:lnR>
-                    <a:lnT w="3175" cap="flat" cmpd="sng" algn="ctr">
-                      <a:solidFill>
-                        <a:schemeClr val="tx1">
-                          <a:lumMod val="60000"/>
-                          <a:lumOff val="40000"/>
-                        </a:schemeClr>
-                      </a:solidFill>
-                      <a:prstDash val="solid"/>
-                      <a:round/>
-                      <a:headEnd type="none" w="med" len="med"/>
-                      <a:tailEnd type="none" w="med" len="med"/>
-                    </a:lnT>
-                    <a:lnB w="3175" cap="flat" cmpd="sng" algn="ctr">
-                      <a:solidFill>
-                        <a:schemeClr val="tx1">
-                          <a:lumMod val="60000"/>
-                          <a:lumOff val="40000"/>
-                        </a:schemeClr>
-                      </a:solidFill>
-                      <a:prstDash val="solid"/>
-                      <a:round/>
-                      <a:headEnd type="none" w="med" len="med"/>
-                      <a:tailEnd type="none" w="med" len="med"/>
-                    </a:lnB>
-                    <a:solidFill>
-                      <a:schemeClr val="bg1">
-                        <a:lumMod val="95000"/>
-                      </a:schemeClr>
-                    </a:solidFill>
-                  </a:tcPr>
-                </a:tc>
-                <a:tc>
-                  <a:txBody>
-                    <a:bodyPr/>
-                    <a:lstStyle/>
-                    <a:p>
-                      <a:pPr marL="342900" indent="-342900" algn="l">
-                        <a:buAutoNum type="arabicPeriod"/>
-                      </a:pPr>
-                      <a:r>
-                        <a:rPr kumimoji="1" lang="ko-KR" altLang="en-US" sz="1400" dirty="0" err="1">
-                          <a:solidFill>
-                            <a:schemeClr val="tx1"/>
-                          </a:solidFill>
-                        </a:rPr>
-                        <a:t>맵의</a:t>
-                      </a:r>
-                      <a:r>
-                        <a:rPr kumimoji="1" lang="ko-KR" altLang="en-US" sz="1400" dirty="0">
-                          <a:solidFill>
-                            <a:schemeClr val="tx1"/>
-                          </a:solidFill>
-                        </a:rPr>
-                        <a:t> 움직임을 구현한다</a:t>
+                        <a:t>회</a:t>
                       </a:r>
                       <a:endParaRPr kumimoji="1" lang="ja-JP" altLang="en-US" sz="1400" dirty="0">
                         <a:solidFill>
@@ -4815,7 +8426,7 @@
                   </a:ext>
                 </a:extLst>
               </a:tr>
-              <a:tr h="558210">
+              <a:tr h="438402">
                 <a:tc>
                   <a:txBody>
                     <a:bodyPr/>
@@ -4823,12 +8434,362 @@
                     <a:p>
                       <a:pPr algn="ctr"/>
                       <a:r>
-                        <a:rPr kumimoji="1" lang="en-US" altLang="ko-KR" sz="1400" dirty="0"/>
+                        <a:rPr kumimoji="1" lang="en-US" altLang="ja-JP" sz="1400" dirty="0"/>
                         <a:t>3</a:t>
                       </a:r>
                       <a:r>
                         <a:rPr kumimoji="1" lang="ko-KR" altLang="en-US" sz="1400" dirty="0"/>
                         <a:t>주차</a:t>
+                      </a:r>
+                      <a:r>
+                        <a:rPr kumimoji="1" lang="en-US" altLang="ko-KR" sz="1400" dirty="0"/>
+                        <a:t>(10/13 ~ 10/19)</a:t>
+                      </a:r>
+                      <a:endParaRPr kumimoji="1" lang="ja-JP" altLang="en-US" sz="1400" dirty="0"/>
+                    </a:p>
+                  </a:txBody>
+                  <a:tcPr anchor="ctr">
+                    <a:lnR w="3175" cap="flat" cmpd="sng" algn="ctr">
+                      <a:solidFill>
+                        <a:schemeClr val="tx1">
+                          <a:lumMod val="60000"/>
+                          <a:lumOff val="40000"/>
+                        </a:schemeClr>
+                      </a:solidFill>
+                      <a:prstDash val="solid"/>
+                      <a:round/>
+                      <a:headEnd type="none" w="med" len="med"/>
+                      <a:tailEnd type="none" w="med" len="med"/>
+                    </a:lnR>
+                    <a:lnT w="3175" cap="flat" cmpd="sng" algn="ctr">
+                      <a:solidFill>
+                        <a:schemeClr val="tx1">
+                          <a:lumMod val="60000"/>
+                          <a:lumOff val="40000"/>
+                        </a:schemeClr>
+                      </a:solidFill>
+                      <a:prstDash val="solid"/>
+                      <a:round/>
+                      <a:headEnd type="none" w="med" len="med"/>
+                      <a:tailEnd type="none" w="med" len="med"/>
+                    </a:lnT>
+                    <a:lnB w="3175" cap="flat" cmpd="sng" algn="ctr">
+                      <a:solidFill>
+                        <a:schemeClr val="tx1">
+                          <a:lumMod val="60000"/>
+                          <a:lumOff val="40000"/>
+                        </a:schemeClr>
+                      </a:solidFill>
+                      <a:prstDash val="solid"/>
+                      <a:round/>
+                      <a:headEnd type="none" w="med" len="med"/>
+                      <a:tailEnd type="none" w="med" len="med"/>
+                    </a:lnB>
+                    <a:solidFill>
+                      <a:schemeClr val="bg1">
+                        <a:lumMod val="95000"/>
+                      </a:schemeClr>
+                    </a:solidFill>
+                  </a:tcPr>
+                </a:tc>
+                <a:tc>
+                  <a:txBody>
+                    <a:bodyPr/>
+                    <a:lstStyle/>
+                    <a:p>
+                      <a:pPr marL="0" marR="0" lvl="0" indent="0" algn="ctr" defTabSz="914400" rtl="0" eaLnBrk="1" fontAlgn="auto" latinLnBrk="1" hangingPunct="1">
+                        <a:lnSpc>
+                          <a:spcPct val="100000"/>
+                        </a:lnSpc>
+                        <a:spcBef>
+                          <a:spcPts val="0"/>
+                        </a:spcBef>
+                        <a:spcAft>
+                          <a:spcPts val="0"/>
+                        </a:spcAft>
+                        <a:buClrTx/>
+                        <a:buSzTx/>
+                        <a:buFontTx/>
+                        <a:buNone/>
+                        <a:tabLst/>
+                        <a:defRPr/>
+                      </a:pPr>
+                      <a:r>
+                        <a:rPr kumimoji="1" lang="en-US" altLang="ja-JP" sz="1400" dirty="0">
+                          <a:solidFill>
+                            <a:schemeClr val="tx1"/>
+                          </a:solidFill>
+                        </a:rPr>
+                        <a:t>2</a:t>
+                      </a:r>
+                      <a:r>
+                        <a:rPr kumimoji="1" lang="ko-KR" altLang="en-US" sz="1400" dirty="0">
+                          <a:solidFill>
+                            <a:schemeClr val="tx1"/>
+                          </a:solidFill>
+                        </a:rPr>
+                        <a:t>회</a:t>
+                      </a:r>
+                      <a:endParaRPr kumimoji="1" lang="ja-JP" altLang="en-US" sz="1400" dirty="0">
+                        <a:solidFill>
+                          <a:schemeClr val="tx1"/>
+                        </a:solidFill>
+                      </a:endParaRPr>
+                    </a:p>
+                  </a:txBody>
+                  <a:tcPr anchor="ctr">
+                    <a:lnL w="3175" cap="flat" cmpd="sng" algn="ctr">
+                      <a:solidFill>
+                        <a:schemeClr val="tx1">
+                          <a:lumMod val="60000"/>
+                          <a:lumOff val="40000"/>
+                        </a:schemeClr>
+                      </a:solidFill>
+                      <a:prstDash val="solid"/>
+                      <a:round/>
+                      <a:headEnd type="none" w="med" len="med"/>
+                      <a:tailEnd type="none" w="med" len="med"/>
+                    </a:lnL>
+                    <a:lnR w="3175" cap="flat" cmpd="sng" algn="ctr">
+                      <a:solidFill>
+                        <a:schemeClr val="tx1">
+                          <a:lumMod val="60000"/>
+                          <a:lumOff val="40000"/>
+                        </a:schemeClr>
+                      </a:solidFill>
+                      <a:prstDash val="solid"/>
+                      <a:round/>
+                      <a:headEnd type="none" w="med" len="med"/>
+                      <a:tailEnd type="none" w="med" len="med"/>
+                    </a:lnR>
+                    <a:lnT w="3175" cap="flat" cmpd="sng" algn="ctr">
+                      <a:solidFill>
+                        <a:schemeClr val="tx1">
+                          <a:lumMod val="60000"/>
+                          <a:lumOff val="40000"/>
+                        </a:schemeClr>
+                      </a:solidFill>
+                      <a:prstDash val="solid"/>
+                      <a:round/>
+                      <a:headEnd type="none" w="med" len="med"/>
+                      <a:tailEnd type="none" w="med" len="med"/>
+                    </a:lnT>
+                    <a:lnB w="3175" cap="flat" cmpd="sng" algn="ctr">
+                      <a:solidFill>
+                        <a:schemeClr val="tx1">
+                          <a:lumMod val="60000"/>
+                          <a:lumOff val="40000"/>
+                        </a:schemeClr>
+                      </a:solidFill>
+                      <a:prstDash val="solid"/>
+                      <a:round/>
+                      <a:headEnd type="none" w="med" len="med"/>
+                      <a:tailEnd type="none" w="med" len="med"/>
+                    </a:lnB>
+                    <a:solidFill>
+                      <a:schemeClr val="bg1">
+                        <a:lumMod val="95000"/>
+                      </a:schemeClr>
+                    </a:solidFill>
+                  </a:tcPr>
+                </a:tc>
+                <a:extLst>
+                  <a:ext uri="{0D108BD9-81ED-4DB2-BD59-A6C34878D82A}">
+                    <a16:rowId xmlns:a16="http://schemas.microsoft.com/office/drawing/2014/main" val="10002"/>
+                  </a:ext>
+                </a:extLst>
+              </a:tr>
+              <a:tr h="447052">
+                <a:tc>
+                  <a:txBody>
+                    <a:bodyPr/>
+                    <a:lstStyle/>
+                    <a:p>
+                      <a:pPr algn="ctr"/>
+                      <a:r>
+                        <a:rPr kumimoji="1" lang="en-US" altLang="ja-JP" sz="1400" dirty="0"/>
+                        <a:t>4</a:t>
+                      </a:r>
+                      <a:r>
+                        <a:rPr kumimoji="1" lang="ko-KR" altLang="en-US" sz="1400" dirty="0"/>
+                        <a:t>주차</a:t>
+                      </a:r>
+                      <a:r>
+                        <a:rPr kumimoji="1" lang="en-US" altLang="ko-KR" sz="1400" dirty="0"/>
+                        <a:t>(10/20 ~ 10/26)</a:t>
+                      </a:r>
+                      <a:endParaRPr kumimoji="1" lang="ja-JP" altLang="en-US" sz="1400" dirty="0"/>
+                    </a:p>
+                  </a:txBody>
+                  <a:tcPr anchor="ctr">
+                    <a:lnR w="3175" cap="flat" cmpd="sng" algn="ctr">
+                      <a:solidFill>
+                        <a:schemeClr val="tx1">
+                          <a:lumMod val="60000"/>
+                          <a:lumOff val="40000"/>
+                        </a:schemeClr>
+                      </a:solidFill>
+                      <a:prstDash val="solid"/>
+                      <a:round/>
+                      <a:headEnd type="none" w="med" len="med"/>
+                      <a:tailEnd type="none" w="med" len="med"/>
+                    </a:lnR>
+                    <a:lnT w="3175" cap="flat" cmpd="sng" algn="ctr">
+                      <a:solidFill>
+                        <a:schemeClr val="tx1">
+                          <a:lumMod val="60000"/>
+                          <a:lumOff val="40000"/>
+                        </a:schemeClr>
+                      </a:solidFill>
+                      <a:prstDash val="solid"/>
+                      <a:round/>
+                      <a:headEnd type="none" w="med" len="med"/>
+                      <a:tailEnd type="none" w="med" len="med"/>
+                    </a:lnT>
+                    <a:lnB w="3175" cap="flat" cmpd="sng" algn="ctr">
+                      <a:solidFill>
+                        <a:schemeClr val="tx1">
+                          <a:lumMod val="60000"/>
+                          <a:lumOff val="40000"/>
+                        </a:schemeClr>
+                      </a:solidFill>
+                      <a:prstDash val="solid"/>
+                      <a:round/>
+                      <a:headEnd type="none" w="med" len="med"/>
+                      <a:tailEnd type="none" w="med" len="med"/>
+                    </a:lnB>
+                    <a:solidFill>
+                      <a:schemeClr val="bg1">
+                        <a:lumMod val="95000"/>
+                      </a:schemeClr>
+                    </a:solidFill>
+                  </a:tcPr>
+                </a:tc>
+                <a:tc>
+                  <a:txBody>
+                    <a:bodyPr/>
+                    <a:lstStyle/>
+                    <a:p>
+                      <a:pPr marL="0" marR="0" lvl="0" indent="0" algn="ctr" defTabSz="914400" rtl="0" eaLnBrk="1" fontAlgn="auto" latinLnBrk="1" hangingPunct="1">
+                        <a:lnSpc>
+                          <a:spcPct val="100000"/>
+                        </a:lnSpc>
+                        <a:spcBef>
+                          <a:spcPts val="0"/>
+                        </a:spcBef>
+                        <a:spcAft>
+                          <a:spcPts val="0"/>
+                        </a:spcAft>
+                        <a:buClrTx/>
+                        <a:buSzTx/>
+                        <a:buFontTx/>
+                        <a:buNone/>
+                        <a:tabLst/>
+                        <a:defRPr/>
+                      </a:pPr>
+                      <a:r>
+                        <a:rPr kumimoji="1" lang="en-US" altLang="ja-JP" sz="1400" dirty="0">
+                          <a:solidFill>
+                            <a:schemeClr val="tx1"/>
+                          </a:solidFill>
+                        </a:rPr>
+                        <a:t>0</a:t>
+                      </a:r>
+                      <a:r>
+                        <a:rPr kumimoji="1" lang="ko-KR" altLang="en-US" sz="1400" dirty="0">
+                          <a:solidFill>
+                            <a:schemeClr val="tx1"/>
+                          </a:solidFill>
+                        </a:rPr>
+                        <a:t>회</a:t>
+                      </a:r>
+                      <a:endParaRPr kumimoji="1" lang="ja-JP" altLang="en-US" sz="1400" dirty="0">
+                        <a:solidFill>
+                          <a:schemeClr val="tx1"/>
+                        </a:solidFill>
+                      </a:endParaRPr>
+                    </a:p>
+                  </a:txBody>
+                  <a:tcPr anchor="ctr">
+                    <a:lnL w="3175" cap="flat" cmpd="sng" algn="ctr">
+                      <a:solidFill>
+                        <a:schemeClr val="tx1">
+                          <a:lumMod val="60000"/>
+                          <a:lumOff val="40000"/>
+                        </a:schemeClr>
+                      </a:solidFill>
+                      <a:prstDash val="solid"/>
+                      <a:round/>
+                      <a:headEnd type="none" w="med" len="med"/>
+                      <a:tailEnd type="none" w="med" len="med"/>
+                    </a:lnL>
+                    <a:lnR w="3175" cap="flat" cmpd="sng" algn="ctr">
+                      <a:solidFill>
+                        <a:schemeClr val="tx1">
+                          <a:lumMod val="60000"/>
+                          <a:lumOff val="40000"/>
+                        </a:schemeClr>
+                      </a:solidFill>
+                      <a:prstDash val="solid"/>
+                      <a:round/>
+                      <a:headEnd type="none" w="med" len="med"/>
+                      <a:tailEnd type="none" w="med" len="med"/>
+                    </a:lnR>
+                    <a:lnT w="3175" cap="flat" cmpd="sng" algn="ctr">
+                      <a:solidFill>
+                        <a:schemeClr val="tx1">
+                          <a:lumMod val="60000"/>
+                          <a:lumOff val="40000"/>
+                        </a:schemeClr>
+                      </a:solidFill>
+                      <a:prstDash val="solid"/>
+                      <a:round/>
+                      <a:headEnd type="none" w="med" len="med"/>
+                      <a:tailEnd type="none" w="med" len="med"/>
+                    </a:lnT>
+                    <a:lnB w="3175" cap="flat" cmpd="sng" algn="ctr">
+                      <a:solidFill>
+                        <a:schemeClr val="tx1">
+                          <a:lumMod val="60000"/>
+                          <a:lumOff val="40000"/>
+                        </a:schemeClr>
+                      </a:solidFill>
+                      <a:prstDash val="solid"/>
+                      <a:round/>
+                      <a:headEnd type="none" w="med" len="med"/>
+                      <a:tailEnd type="none" w="med" len="med"/>
+                    </a:lnB>
+                    <a:solidFill>
+                      <a:schemeClr val="bg1">
+                        <a:lumMod val="95000"/>
+                      </a:schemeClr>
+                    </a:solidFill>
+                  </a:tcPr>
+                </a:tc>
+                <a:extLst>
+                  <a:ext uri="{0D108BD9-81ED-4DB2-BD59-A6C34878D82A}">
+                    <a16:rowId xmlns:a16="http://schemas.microsoft.com/office/drawing/2014/main" val="706923270"/>
+                  </a:ext>
+                </a:extLst>
+              </a:tr>
+              <a:tr h="412119">
+                <a:tc>
+                  <a:txBody>
+                    <a:bodyPr/>
+                    <a:lstStyle/>
+                    <a:p>
+                      <a:pPr algn="ctr"/>
+                      <a:r>
+                        <a:rPr kumimoji="1" lang="en-US" altLang="ja-JP" sz="1400" dirty="0"/>
+                        <a:t>5</a:t>
+                      </a:r>
+                      <a:r>
+                        <a:rPr kumimoji="1" lang="ko-KR" altLang="en-US" sz="1400" dirty="0"/>
+                        <a:t>주차</a:t>
+                      </a:r>
+                      <a:r>
+                        <a:rPr kumimoji="1" lang="en-US" altLang="ko-KR" sz="1400" dirty="0"/>
+                        <a:t>(10/27 ~ 11/2)</a:t>
                       </a:r>
                       <a:endParaRPr kumimoji="1" lang="ja-JP" altLang="en-US" sz="1400" dirty="0"/>
                     </a:p>
@@ -4884,12 +8845,12 @@
                     <a:p>
                       <a:pPr algn="ctr"/>
                       <a:r>
-                        <a:rPr kumimoji="1" lang="ko-KR" altLang="en-US" sz="1400" dirty="0" err="1">
+                        <a:rPr kumimoji="1" lang="en-US" altLang="ko-KR" sz="1400" dirty="0">
                           <a:solidFill>
                             <a:schemeClr val="tx1"/>
                           </a:solidFill>
                         </a:rPr>
-                        <a:t>맵툴</a:t>
+                        <a:t>9</a:t>
                       </a:r>
                       <a:r>
                         <a:rPr kumimoji="1" lang="ko-KR" altLang="en-US" sz="1400" dirty="0">
@@ -4897,116 +8858,7 @@
                             <a:schemeClr val="tx1"/>
                           </a:solidFill>
                         </a:rPr>
-                        <a:t> 제작</a:t>
-                      </a:r>
-                      <a:r>
-                        <a:rPr kumimoji="1" lang="en-US" altLang="ko-KR" sz="1400" dirty="0">
-                          <a:solidFill>
-                            <a:schemeClr val="tx1"/>
-                          </a:solidFill>
-                        </a:rPr>
-                        <a:t>(100%)</a:t>
-                      </a:r>
-                      <a:endParaRPr kumimoji="1" lang="ja-JP" altLang="en-US" sz="1400" dirty="0">
-                        <a:solidFill>
-                          <a:schemeClr val="tx1"/>
-                        </a:solidFill>
-                      </a:endParaRPr>
-                    </a:p>
-                  </a:txBody>
-                  <a:tcPr anchor="ctr">
-                    <a:lnL w="3175" cap="flat" cmpd="sng" algn="ctr">
-                      <a:solidFill>
-                        <a:schemeClr val="tx1">
-                          <a:lumMod val="60000"/>
-                          <a:lumOff val="40000"/>
-                        </a:schemeClr>
-                      </a:solidFill>
-                      <a:prstDash val="solid"/>
-                      <a:round/>
-                      <a:headEnd type="none" w="med" len="med"/>
-                      <a:tailEnd type="none" w="med" len="med"/>
-                    </a:lnL>
-                    <a:lnR w="3175" cap="flat" cmpd="sng" algn="ctr">
-                      <a:solidFill>
-                        <a:schemeClr val="tx1">
-                          <a:lumMod val="60000"/>
-                          <a:lumOff val="40000"/>
-                        </a:schemeClr>
-                      </a:solidFill>
-                      <a:prstDash val="solid"/>
-                      <a:round/>
-                      <a:headEnd type="none" w="med" len="med"/>
-                      <a:tailEnd type="none" w="med" len="med"/>
-                    </a:lnR>
-                    <a:lnT w="3175" cap="flat" cmpd="sng" algn="ctr">
-                      <a:solidFill>
-                        <a:schemeClr val="tx1">
-                          <a:lumMod val="60000"/>
-                          <a:lumOff val="40000"/>
-                        </a:schemeClr>
-                      </a:solidFill>
-                      <a:prstDash val="solid"/>
-                      <a:round/>
-                      <a:headEnd type="none" w="med" len="med"/>
-                      <a:tailEnd type="none" w="med" len="med"/>
-                    </a:lnT>
-                    <a:lnB w="3175" cap="flat" cmpd="sng" algn="ctr">
-                      <a:solidFill>
-                        <a:schemeClr val="tx1">
-                          <a:lumMod val="60000"/>
-                          <a:lumOff val="40000"/>
-                        </a:schemeClr>
-                      </a:solidFill>
-                      <a:prstDash val="solid"/>
-                      <a:round/>
-                      <a:headEnd type="none" w="med" len="med"/>
-                      <a:tailEnd type="none" w="med" len="med"/>
-                    </a:lnB>
-                    <a:solidFill>
-                      <a:schemeClr val="bg1">
-                        <a:lumMod val="95000"/>
-                      </a:schemeClr>
-                    </a:solidFill>
-                  </a:tcPr>
-                </a:tc>
-                <a:tc>
-                  <a:txBody>
-                    <a:bodyPr/>
-                    <a:lstStyle/>
-                    <a:p>
-                      <a:pPr algn="l"/>
-                      <a:r>
-                        <a:rPr kumimoji="1" lang="en-US" altLang="ko-KR" sz="1400" dirty="0">
-                          <a:solidFill>
-                            <a:schemeClr val="tx1"/>
-                          </a:solidFill>
-                        </a:rPr>
-                        <a:t>1. </a:t>
-                      </a:r>
-                      <a:r>
-                        <a:rPr kumimoji="1" lang="ko-KR" altLang="en-US" sz="1400" dirty="0">
-                          <a:solidFill>
-                            <a:schemeClr val="tx1"/>
-                          </a:solidFill>
-                        </a:rPr>
-                        <a:t>맵 구현에 필요한 </a:t>
-                      </a:r>
-                      <a:r>
-                        <a:rPr kumimoji="1" lang="ko-KR" altLang="en-US" sz="1400" dirty="0" err="1">
-                          <a:solidFill>
-                            <a:schemeClr val="tx1"/>
-                          </a:solidFill>
-                        </a:rPr>
-                        <a:t>맵툴을</a:t>
-                      </a:r>
-                      <a:r>
-                        <a:rPr kumimoji="1" lang="ko-KR" altLang="en-US" sz="1400" dirty="0">
-                          <a:solidFill>
-                            <a:schemeClr val="tx1"/>
-                          </a:solidFill>
-                        </a:rPr>
-                        <a:t> 제작한다</a:t>
+                        <a:t>회</a:t>
                       </a:r>
                       <a:endParaRPr kumimoji="1" lang="en-US" altLang="ko-KR" sz="1400" dirty="0">
                         <a:solidFill>
@@ -5073,11 +8925,11 @@
                 </a:tc>
                 <a:extLst>
                   <a:ext uri="{0D108BD9-81ED-4DB2-BD59-A6C34878D82A}">
-                    <a16:rowId xmlns:a16="http://schemas.microsoft.com/office/drawing/2014/main" val="10002"/>
+                    <a16:rowId xmlns:a16="http://schemas.microsoft.com/office/drawing/2014/main" val="10003"/>
                   </a:ext>
                 </a:extLst>
               </a:tr>
-              <a:tr h="755255">
+              <a:tr h="486502">
                 <a:tc>
                   <a:txBody>
                     <a:bodyPr/>
@@ -5086,11 +8938,15 @@
                       <a:pPr algn="ctr"/>
                       <a:r>
                         <a:rPr kumimoji="1" lang="en-US" altLang="ja-JP" sz="1400" dirty="0"/>
-                        <a:t>4</a:t>
+                        <a:t>6</a:t>
                       </a:r>
                       <a:r>
                         <a:rPr kumimoji="1" lang="ko-KR" altLang="en-US" sz="1400" dirty="0"/>
                         <a:t>주차</a:t>
+                      </a:r>
+                      <a:r>
+                        <a:rPr kumimoji="1" lang="en-US" altLang="ko-KR" sz="1400" dirty="0"/>
+                        <a:t>(11/3 ~ 11/9)</a:t>
                       </a:r>
                       <a:endParaRPr kumimoji="1" lang="ja-JP" altLang="en-US" sz="1400" dirty="0"/>
                     </a:p>
@@ -5146,166 +9002,26 @@
                     <a:p>
                       <a:pPr algn="ctr"/>
                       <a:r>
+                        <a:rPr kumimoji="1" lang="en-US" altLang="ko-KR" sz="1400" dirty="0">
+                          <a:solidFill>
+                            <a:schemeClr val="tx1"/>
+                          </a:solidFill>
+                        </a:rPr>
+                        <a:t>35</a:t>
+                      </a:r>
+                      <a:r>
                         <a:rPr kumimoji="1" lang="ko-KR" altLang="en-US" sz="1400" dirty="0">
                           <a:solidFill>
                             <a:schemeClr val="tx1"/>
                           </a:solidFill>
                         </a:rPr>
-                        <a:t>캐릭터와 장애물의 충돌체크 및 타일 충돌체크</a:t>
+                        <a:t>회</a:t>
                       </a:r>
                       <a:endParaRPr kumimoji="1" lang="en-US" altLang="ko-KR" sz="1400" dirty="0">
                         <a:solidFill>
                           <a:schemeClr val="tx1"/>
                         </a:solidFill>
                       </a:endParaRPr>
-                    </a:p>
-                    <a:p>
-                      <a:pPr algn="ctr"/>
-                      <a:r>
-                        <a:rPr kumimoji="1" lang="ko-KR" altLang="en-US" sz="1400" dirty="0">
-                          <a:solidFill>
-                            <a:schemeClr val="tx1"/>
-                          </a:solidFill>
-                        </a:rPr>
-                        <a:t>캐릭터 움직임 구현</a:t>
-                      </a:r>
-                      <a:r>
-                        <a:rPr kumimoji="1" lang="en-US" altLang="ko-KR" sz="1400" dirty="0">
-                          <a:solidFill>
-                            <a:schemeClr val="tx1"/>
-                          </a:solidFill>
-                        </a:rPr>
-                        <a:t>(100%)</a:t>
-                      </a:r>
-                      <a:endParaRPr kumimoji="1" lang="ja-JP" altLang="en-US" sz="1400" dirty="0">
-                        <a:solidFill>
-                          <a:schemeClr val="tx1"/>
-                        </a:solidFill>
-                      </a:endParaRPr>
-                    </a:p>
-                  </a:txBody>
-                  <a:tcPr anchor="ctr">
-                    <a:lnL w="3175" cap="flat" cmpd="sng" algn="ctr">
-                      <a:solidFill>
-                        <a:schemeClr val="tx1">
-                          <a:lumMod val="60000"/>
-                          <a:lumOff val="40000"/>
-                        </a:schemeClr>
-                      </a:solidFill>
-                      <a:prstDash val="solid"/>
-                      <a:round/>
-                      <a:headEnd type="none" w="med" len="med"/>
-                      <a:tailEnd type="none" w="med" len="med"/>
-                    </a:lnL>
-                    <a:lnR w="3175" cap="flat" cmpd="sng" algn="ctr">
-                      <a:solidFill>
-                        <a:schemeClr val="tx1">
-                          <a:lumMod val="60000"/>
-                          <a:lumOff val="40000"/>
-                        </a:schemeClr>
-                      </a:solidFill>
-                      <a:prstDash val="solid"/>
-                      <a:round/>
-                      <a:headEnd type="none" w="med" len="med"/>
-                      <a:tailEnd type="none" w="med" len="med"/>
-                    </a:lnR>
-                    <a:lnT w="3175" cap="flat" cmpd="sng" algn="ctr">
-                      <a:solidFill>
-                        <a:schemeClr val="tx1">
-                          <a:lumMod val="60000"/>
-                          <a:lumOff val="40000"/>
-                        </a:schemeClr>
-                      </a:solidFill>
-                      <a:prstDash val="solid"/>
-                      <a:round/>
-                      <a:headEnd type="none" w="med" len="med"/>
-                      <a:tailEnd type="none" w="med" len="med"/>
-                    </a:lnT>
-                    <a:lnB w="3175" cap="flat" cmpd="sng" algn="ctr">
-                      <a:solidFill>
-                        <a:schemeClr val="tx1">
-                          <a:lumMod val="60000"/>
-                          <a:lumOff val="40000"/>
-                        </a:schemeClr>
-                      </a:solidFill>
-                      <a:prstDash val="solid"/>
-                      <a:round/>
-                      <a:headEnd type="none" w="med" len="med"/>
-                      <a:tailEnd type="none" w="med" len="med"/>
-                    </a:lnB>
-                    <a:solidFill>
-                      <a:schemeClr val="bg1">
-                        <a:lumMod val="95000"/>
-                      </a:schemeClr>
-                    </a:solidFill>
-                  </a:tcPr>
-                </a:tc>
-                <a:tc>
-                  <a:txBody>
-                    <a:bodyPr/>
-                    <a:lstStyle/>
-                    <a:p>
-                      <a:pPr marL="342900" indent="-342900" algn="l">
-                        <a:buAutoNum type="arabicPeriod"/>
-                      </a:pPr>
-                      <a:r>
-                        <a:rPr kumimoji="1" lang="ko-KR" altLang="en-US" sz="1400" dirty="0">
-                          <a:solidFill>
-                            <a:schemeClr val="tx1"/>
-                          </a:solidFill>
-                        </a:rPr>
-                        <a:t>장애물과의 충돌체크</a:t>
-                      </a:r>
-                      <a:r>
-                        <a:rPr kumimoji="1" lang="en-US" altLang="ko-KR" sz="1400" dirty="0">
-                          <a:solidFill>
-                            <a:schemeClr val="tx1"/>
-                          </a:solidFill>
-                        </a:rPr>
-                        <a:t>(100%)</a:t>
-                      </a:r>
-                    </a:p>
-                    <a:p>
-                      <a:pPr marL="342900" indent="-342900" algn="l">
-                        <a:buAutoNum type="arabicPeriod"/>
-                      </a:pPr>
-                      <a:r>
-                        <a:rPr kumimoji="1" lang="ko-KR" altLang="en-US" sz="1400" dirty="0">
-                          <a:solidFill>
-                            <a:schemeClr val="tx1"/>
-                          </a:solidFill>
-                        </a:rPr>
-                        <a:t>타일과의 충돌체크 및 캐릭터 떨어지기 구현</a:t>
-                      </a:r>
-                      <a:r>
-                        <a:rPr kumimoji="1" lang="en-US" altLang="ko-KR" sz="1400" dirty="0">
-                          <a:solidFill>
-                            <a:schemeClr val="tx1"/>
-                          </a:solidFill>
-                        </a:rPr>
-                        <a:t> (100%)</a:t>
-                      </a:r>
-                    </a:p>
-                    <a:p>
-                      <a:pPr marL="342900" indent="-342900" algn="l">
-                        <a:buAutoNum type="arabicPeriod"/>
-                      </a:pPr>
-                      <a:r>
-                        <a:rPr kumimoji="1" lang="ko-KR" altLang="en-US" sz="1400" dirty="0">
-                          <a:solidFill>
-                            <a:schemeClr val="tx1"/>
-                          </a:solidFill>
-                        </a:rPr>
-                        <a:t>캐릭터 점프구현</a:t>
-                      </a:r>
-                      <a:r>
-                        <a:rPr kumimoji="1" lang="en-US" altLang="ko-KR" sz="1400" dirty="0">
-                          <a:solidFill>
-                            <a:schemeClr val="tx1"/>
-                          </a:solidFill>
-                        </a:rPr>
-                        <a:t>(100%)</a:t>
-                      </a:r>
                     </a:p>
                   </a:txBody>
                   <a:tcPr anchor="ctr">
@@ -5366,11 +9082,11 @@
                 </a:tc>
                 <a:extLst>
                   <a:ext uri="{0D108BD9-81ED-4DB2-BD59-A6C34878D82A}">
-                    <a16:rowId xmlns:a16="http://schemas.microsoft.com/office/drawing/2014/main" val="706923270"/>
+                    <a16:rowId xmlns:a16="http://schemas.microsoft.com/office/drawing/2014/main" val="2612735377"/>
                   </a:ext>
                 </a:extLst>
               </a:tr>
-              <a:tr h="558210">
+              <a:tr h="457102">
                 <a:tc>
                   <a:txBody>
                     <a:bodyPr/>
@@ -5378,12 +9094,16 @@
                     <a:p>
                       <a:pPr algn="ctr"/>
                       <a:r>
-                        <a:rPr kumimoji="1" lang="en-US" altLang="ko-KR" sz="1400" dirty="0"/>
-                        <a:t>5</a:t>
+                        <a:rPr kumimoji="1" lang="en-US" altLang="ja-JP" sz="1400" dirty="0"/>
+                        <a:t>7</a:t>
                       </a:r>
                       <a:r>
                         <a:rPr kumimoji="1" lang="ko-KR" altLang="en-US" sz="1400" dirty="0"/>
                         <a:t>주차</a:t>
+                      </a:r>
+                      <a:r>
+                        <a:rPr kumimoji="1" lang="en-US" altLang="ko-KR" sz="1400" dirty="0"/>
+                        <a:t>(11/10 ~ 11/16)</a:t>
                       </a:r>
                       <a:endParaRPr kumimoji="1" lang="ja-JP" altLang="en-US" sz="1400" dirty="0"/>
                     </a:p>
@@ -5439,170 +9159,22 @@
                     <a:p>
                       <a:pPr algn="ctr"/>
                       <a:r>
-                        <a:rPr lang="ko-KR" altLang="en-US" sz="1400" dirty="0">
+                        <a:rPr kumimoji="1" lang="en-US" altLang="ko-KR" sz="1400" dirty="0">
                           <a:solidFill>
                             <a:schemeClr val="tx1"/>
                           </a:solidFill>
                         </a:rPr>
-                        <a:t>중간 점검 및 </a:t>
-                      </a:r>
-                      <a:r>
-                        <a:rPr lang="en-US" altLang="ko-KR" sz="1400" dirty="0">
+                        <a:t>15</a:t>
+                      </a:r>
+                      <a:r>
+                        <a:rPr kumimoji="1" lang="ko-KR" altLang="en-US" sz="1400" dirty="0">
                           <a:solidFill>
                             <a:schemeClr val="tx1"/>
                           </a:solidFill>
                         </a:rPr>
-                        <a:t>stage 1</a:t>
-                      </a:r>
-                      <a:r>
-                        <a:rPr lang="ko-KR" altLang="en-US" sz="1400" dirty="0">
-                          <a:solidFill>
-                            <a:schemeClr val="tx1"/>
-                          </a:solidFill>
-                        </a:rPr>
-                        <a:t>제작</a:t>
-                      </a:r>
-                      <a:r>
-                        <a:rPr lang="en-US" altLang="ko-KR" sz="1400" dirty="0">
-                          <a:solidFill>
-                            <a:schemeClr val="tx1"/>
-                          </a:solidFill>
-                        </a:rPr>
-                        <a:t>(100%)</a:t>
-                      </a:r>
-                      <a:endParaRPr lang="ko-KR" altLang="en-US" sz="1400" dirty="0">
-                        <a:solidFill>
-                          <a:schemeClr val="tx1"/>
-                        </a:solidFill>
-                      </a:endParaRPr>
-                    </a:p>
-                  </a:txBody>
-                  <a:tcPr anchor="ctr">
-                    <a:lnL w="3175" cap="flat" cmpd="sng" algn="ctr">
-                      <a:solidFill>
-                        <a:schemeClr val="tx1">
-                          <a:lumMod val="60000"/>
-                          <a:lumOff val="40000"/>
-                        </a:schemeClr>
-                      </a:solidFill>
-                      <a:prstDash val="solid"/>
-                      <a:round/>
-                      <a:headEnd type="none" w="med" len="med"/>
-                      <a:tailEnd type="none" w="med" len="med"/>
-                    </a:lnL>
-                    <a:lnR w="3175" cap="flat" cmpd="sng" algn="ctr">
-                      <a:solidFill>
-                        <a:schemeClr val="tx1">
-                          <a:lumMod val="60000"/>
-                          <a:lumOff val="40000"/>
-                        </a:schemeClr>
-                      </a:solidFill>
-                      <a:prstDash val="solid"/>
-                      <a:round/>
-                      <a:headEnd type="none" w="med" len="med"/>
-                      <a:tailEnd type="none" w="med" len="med"/>
-                    </a:lnR>
-                    <a:lnT w="3175" cap="flat" cmpd="sng" algn="ctr">
-                      <a:solidFill>
-                        <a:schemeClr val="tx1">
-                          <a:lumMod val="60000"/>
-                          <a:lumOff val="40000"/>
-                        </a:schemeClr>
-                      </a:solidFill>
-                      <a:prstDash val="solid"/>
-                      <a:round/>
-                      <a:headEnd type="none" w="med" len="med"/>
-                      <a:tailEnd type="none" w="med" len="med"/>
-                    </a:lnT>
-                    <a:lnB w="3175" cap="flat" cmpd="sng" algn="ctr">
-                      <a:solidFill>
-                        <a:schemeClr val="tx1">
-                          <a:lumMod val="60000"/>
-                          <a:lumOff val="40000"/>
-                        </a:schemeClr>
-                      </a:solidFill>
-                      <a:prstDash val="solid"/>
-                      <a:round/>
-                      <a:headEnd type="none" w="med" len="med"/>
-                      <a:tailEnd type="none" w="med" len="med"/>
-                    </a:lnB>
-                    <a:solidFill>
-                      <a:schemeClr val="bg1">
-                        <a:lumMod val="95000"/>
-                      </a:schemeClr>
-                    </a:solidFill>
-                  </a:tcPr>
-                </a:tc>
-                <a:tc>
-                  <a:txBody>
-                    <a:bodyPr/>
-                    <a:lstStyle/>
-                    <a:p>
-                      <a:pPr marL="342900" indent="-342900">
-                        <a:buAutoNum type="arabicPeriod"/>
-                      </a:pPr>
-                      <a:r>
-                        <a:rPr lang="ko-KR" altLang="en-US" sz="1400" dirty="0">
-                          <a:solidFill>
-                            <a:schemeClr val="tx1"/>
-                          </a:solidFill>
-                        </a:rPr>
-                        <a:t>미흡한 부분들을 수정한다</a:t>
-                      </a:r>
-                      <a:r>
-                        <a:rPr lang="en-US" altLang="ko-KR" sz="1400" dirty="0">
-                          <a:solidFill>
-                            <a:schemeClr val="tx1"/>
-                          </a:solidFill>
-                        </a:rPr>
-                        <a:t>.(100%)</a:t>
-                      </a:r>
-                    </a:p>
-                    <a:p>
-                      <a:pPr marL="342900" indent="-342900">
-                        <a:buAutoNum type="arabicPeriod"/>
-                      </a:pPr>
-                      <a:r>
-                        <a:rPr lang="en-US" altLang="ko-KR" sz="1400" dirty="0">
-                          <a:solidFill>
-                            <a:schemeClr val="tx1"/>
-                          </a:solidFill>
-                        </a:rPr>
-                        <a:t>Stage 1</a:t>
-                      </a:r>
-                      <a:r>
-                        <a:rPr lang="ko-KR" altLang="en-US" sz="1400" dirty="0">
-                          <a:solidFill>
-                            <a:schemeClr val="tx1"/>
-                          </a:solidFill>
-                        </a:rPr>
-                        <a:t> </a:t>
-                      </a:r>
-                      <a:r>
-                        <a:rPr lang="ko-KR" altLang="en-US" sz="1400" dirty="0" err="1">
-                          <a:solidFill>
-                            <a:schemeClr val="tx1"/>
-                          </a:solidFill>
-                        </a:rPr>
-                        <a:t>맵을</a:t>
-                      </a:r>
-                      <a:r>
-                        <a:rPr lang="ko-KR" altLang="en-US" sz="1400" dirty="0">
-                          <a:solidFill>
-                            <a:schemeClr val="tx1"/>
-                          </a:solidFill>
-                        </a:rPr>
-                        <a:t> 만든다</a:t>
-                      </a:r>
-                      <a:r>
-                        <a:rPr lang="en-US" altLang="ko-KR" sz="1400" dirty="0">
-                          <a:solidFill>
-                            <a:schemeClr val="tx1"/>
-                          </a:solidFill>
-                        </a:rPr>
-                        <a:t>(100%)</a:t>
-                      </a:r>
-                      <a:endParaRPr lang="ko-KR" altLang="en-US" sz="1400" dirty="0">
+                        <a:t>회</a:t>
+                      </a:r>
+                      <a:endParaRPr kumimoji="1" lang="en-US" altLang="ko-KR" sz="1400" dirty="0">
                         <a:solidFill>
                           <a:schemeClr val="tx1"/>
                         </a:solidFill>
@@ -5667,11 +9239,11 @@
                 </a:tc>
                 <a:extLst>
                   <a:ext uri="{0D108BD9-81ED-4DB2-BD59-A6C34878D82A}">
-                    <a16:rowId xmlns:a16="http://schemas.microsoft.com/office/drawing/2014/main" val="10003"/>
+                    <a16:rowId xmlns:a16="http://schemas.microsoft.com/office/drawing/2014/main" val="1950333457"/>
                   </a:ext>
                 </a:extLst>
               </a:tr>
-              <a:tr h="558210">
+              <a:tr h="457102">
                 <a:tc>
                   <a:txBody>
                     <a:bodyPr/>
@@ -5680,11 +9252,15 @@
                       <a:pPr algn="ctr"/>
                       <a:r>
                         <a:rPr kumimoji="1" lang="en-US" altLang="ja-JP" sz="1400" dirty="0"/>
-                        <a:t>6</a:t>
+                        <a:t>8</a:t>
                       </a:r>
                       <a:r>
                         <a:rPr kumimoji="1" lang="ko-KR" altLang="en-US" sz="1400" dirty="0"/>
                         <a:t>주차</a:t>
+                      </a:r>
+                      <a:r>
+                        <a:rPr kumimoji="1" lang="en-US" altLang="ko-KR" sz="1400" dirty="0"/>
+                        <a:t>(11/17 ~ 11/23)</a:t>
                       </a:r>
                       <a:endParaRPr kumimoji="1" lang="ja-JP" altLang="en-US" sz="1400" dirty="0"/>
                     </a:p>
@@ -5740,12 +9316,12 @@
                     <a:p>
                       <a:pPr algn="ctr"/>
                       <a:r>
-                        <a:rPr kumimoji="1" lang="en-US" altLang="ja-JP" sz="1400" dirty="0">
+                        <a:rPr kumimoji="1" lang="en-US" altLang="ko-KR" sz="1400" dirty="0">
                           <a:solidFill>
                             <a:schemeClr val="tx1"/>
                           </a:solidFill>
                         </a:rPr>
-                        <a:t>Stage2(100%)  </a:t>
+                        <a:t>8</a:t>
                       </a:r>
                       <a:r>
                         <a:rPr kumimoji="1" lang="ko-KR" altLang="en-US" sz="1400" dirty="0">
@@ -5753,160 +9329,13 @@
                             <a:schemeClr val="tx1"/>
                           </a:solidFill>
                         </a:rPr>
-                        <a:t>제작</a:t>
+                        <a:t>회</a:t>
                       </a:r>
                       <a:endParaRPr kumimoji="1" lang="en-US" altLang="ko-KR" sz="1400" dirty="0">
                         <a:solidFill>
                           <a:schemeClr val="tx1"/>
                         </a:solidFill>
                       </a:endParaRPr>
-                    </a:p>
-                  </a:txBody>
-                  <a:tcPr anchor="ctr">
-                    <a:lnL w="3175" cap="flat" cmpd="sng" algn="ctr">
-                      <a:solidFill>
-                        <a:schemeClr val="tx1">
-                          <a:lumMod val="60000"/>
-                          <a:lumOff val="40000"/>
-                        </a:schemeClr>
-                      </a:solidFill>
-                      <a:prstDash val="solid"/>
-                      <a:round/>
-                      <a:headEnd type="none" w="med" len="med"/>
-                      <a:tailEnd type="none" w="med" len="med"/>
-                    </a:lnL>
-                    <a:lnR w="3175" cap="flat" cmpd="sng" algn="ctr">
-                      <a:solidFill>
-                        <a:schemeClr val="tx1">
-                          <a:lumMod val="60000"/>
-                          <a:lumOff val="40000"/>
-                        </a:schemeClr>
-                      </a:solidFill>
-                      <a:prstDash val="solid"/>
-                      <a:round/>
-                      <a:headEnd type="none" w="med" len="med"/>
-                      <a:tailEnd type="none" w="med" len="med"/>
-                    </a:lnR>
-                    <a:lnT w="3175" cap="flat" cmpd="sng" algn="ctr">
-                      <a:solidFill>
-                        <a:schemeClr val="tx1">
-                          <a:lumMod val="60000"/>
-                          <a:lumOff val="40000"/>
-                        </a:schemeClr>
-                      </a:solidFill>
-                      <a:prstDash val="solid"/>
-                      <a:round/>
-                      <a:headEnd type="none" w="med" len="med"/>
-                      <a:tailEnd type="none" w="med" len="med"/>
-                    </a:lnT>
-                    <a:lnB w="3175" cap="flat" cmpd="sng" algn="ctr">
-                      <a:solidFill>
-                        <a:schemeClr val="tx1">
-                          <a:lumMod val="60000"/>
-                          <a:lumOff val="40000"/>
-                        </a:schemeClr>
-                      </a:solidFill>
-                      <a:prstDash val="solid"/>
-                      <a:round/>
-                      <a:headEnd type="none" w="med" len="med"/>
-                      <a:tailEnd type="none" w="med" len="med"/>
-                    </a:lnB>
-                    <a:solidFill>
-                      <a:schemeClr val="bg1">
-                        <a:lumMod val="95000"/>
-                      </a:schemeClr>
-                    </a:solidFill>
-                  </a:tcPr>
-                </a:tc>
-                <a:tc>
-                  <a:txBody>
-                    <a:bodyPr/>
-                    <a:lstStyle/>
-                    <a:p>
-                      <a:pPr algn="l"/>
-                      <a:r>
-                        <a:rPr kumimoji="1" lang="en-US" altLang="ko-KR" sz="1400" dirty="0">
-                          <a:solidFill>
-                            <a:schemeClr val="tx1"/>
-                          </a:solidFill>
-                        </a:rPr>
-                        <a:t>1.</a:t>
-                      </a:r>
-                      <a:r>
-                        <a:rPr kumimoji="1" lang="ko-KR" altLang="en-US" sz="1400" dirty="0">
-                          <a:solidFill>
-                            <a:schemeClr val="tx1"/>
-                          </a:solidFill>
-                        </a:rPr>
-                        <a:t>구현한 </a:t>
-                      </a:r>
-                      <a:r>
-                        <a:rPr kumimoji="1" lang="ko-KR" altLang="en-US" sz="1400" dirty="0" err="1">
-                          <a:solidFill>
-                            <a:schemeClr val="tx1"/>
-                          </a:solidFill>
-                        </a:rPr>
-                        <a:t>맵의</a:t>
-                      </a:r>
-                      <a:r>
-                        <a:rPr kumimoji="1" lang="ko-KR" altLang="en-US" sz="1400" dirty="0">
-                          <a:solidFill>
-                            <a:schemeClr val="tx1"/>
-                          </a:solidFill>
-                        </a:rPr>
-                        <a:t> 장애물</a:t>
-                      </a:r>
-                      <a:r>
-                        <a:rPr kumimoji="1" lang="en-US" altLang="ko-KR" sz="1400" dirty="0">
-                          <a:solidFill>
-                            <a:schemeClr val="tx1"/>
-                          </a:solidFill>
-                        </a:rPr>
-                        <a:t>, </a:t>
-                      </a:r>
-                      <a:r>
-                        <a:rPr kumimoji="1" lang="ko-KR" altLang="en-US" sz="1400" dirty="0">
-                          <a:solidFill>
-                            <a:schemeClr val="tx1"/>
-                          </a:solidFill>
-                        </a:rPr>
-                        <a:t>타일의 좌표를 처리한다</a:t>
-                      </a:r>
-                      <a:r>
-                        <a:rPr kumimoji="1" lang="en-US" altLang="ko-KR" sz="1400" dirty="0">
-                          <a:solidFill>
-                            <a:schemeClr val="tx1"/>
-                          </a:solidFill>
-                        </a:rPr>
-                        <a:t>.(100%)</a:t>
-                      </a:r>
-                    </a:p>
-                    <a:p>
-                      <a:pPr algn="l"/>
-                      <a:r>
-                        <a:rPr kumimoji="1" lang="en-US" altLang="ja-JP" sz="1400" dirty="0">
-                          <a:solidFill>
-                            <a:schemeClr val="tx1"/>
-                          </a:solidFill>
-                        </a:rPr>
-                        <a:t>2. </a:t>
-                      </a:r>
-                      <a:r>
-                        <a:rPr kumimoji="1" lang="ko-KR" altLang="en-US" sz="1400" dirty="0">
-                          <a:solidFill>
-                            <a:schemeClr val="tx1"/>
-                          </a:solidFill>
-                        </a:rPr>
-                        <a:t>캐릭터의 탈것 움직임을 구현한다</a:t>
-                      </a:r>
-                      <a:r>
-                        <a:rPr kumimoji="1" lang="en-US" altLang="ko-KR" sz="1400" dirty="0">
-                          <a:solidFill>
-                            <a:schemeClr val="tx1"/>
-                          </a:solidFill>
-                        </a:rPr>
-                        <a:t>(100%)</a:t>
-                      </a:r>
                     </a:p>
                   </a:txBody>
                   <a:tcPr anchor="ctr">
@@ -5967,11 +9396,11 @@
                 </a:tc>
                 <a:extLst>
                   <a:ext uri="{0D108BD9-81ED-4DB2-BD59-A6C34878D82A}">
-                    <a16:rowId xmlns:a16="http://schemas.microsoft.com/office/drawing/2014/main" val="2612735377"/>
+                    <a16:rowId xmlns:a16="http://schemas.microsoft.com/office/drawing/2014/main" val="2946838842"/>
                   </a:ext>
                 </a:extLst>
               </a:tr>
-              <a:tr h="558210">
+              <a:tr h="457102">
                 <a:tc>
                   <a:txBody>
                     <a:bodyPr/>
@@ -5980,11 +9409,15 @@
                       <a:pPr algn="ctr"/>
                       <a:r>
                         <a:rPr kumimoji="1" lang="en-US" altLang="ja-JP" sz="1400" dirty="0"/>
-                        <a:t>7</a:t>
+                        <a:t>9</a:t>
                       </a:r>
                       <a:r>
                         <a:rPr kumimoji="1" lang="ko-KR" altLang="en-US" sz="1400" dirty="0"/>
                         <a:t>주차</a:t>
+                      </a:r>
+                      <a:r>
+                        <a:rPr kumimoji="1" lang="en-US" altLang="ko-KR" sz="1400" dirty="0"/>
+                        <a:t>( 11/24 ~ 11/ 30)</a:t>
                       </a:r>
                       <a:endParaRPr kumimoji="1" lang="ja-JP" altLang="en-US" sz="1400" dirty="0"/>
                     </a:p>
@@ -6045,7 +9478,7 @@
                             <a:schemeClr val="tx1"/>
                           </a:solidFill>
                         </a:rPr>
-                        <a:t>Stage3(100%) </a:t>
+                        <a:t>6</a:t>
                       </a:r>
                       <a:r>
                         <a:rPr kumimoji="1" lang="ko-KR" altLang="en-US" sz="1400" dirty="0">
@@ -6053,111 +9486,13 @@
                             <a:schemeClr val="tx1"/>
                           </a:solidFill>
                         </a:rPr>
-                        <a:t>제작</a:t>
-                      </a:r>
-                      <a:endParaRPr kumimoji="1" lang="ja-JP" altLang="en-US" sz="1400" dirty="0">
+                        <a:t>회</a:t>
+                      </a:r>
+                      <a:endParaRPr kumimoji="1" lang="en-US" altLang="ko-KR" sz="1400" dirty="0">
                         <a:solidFill>
                           <a:schemeClr val="tx1"/>
                         </a:solidFill>
                       </a:endParaRPr>
-                    </a:p>
-                  </a:txBody>
-                  <a:tcPr anchor="ctr">
-                    <a:lnL w="3175" cap="flat" cmpd="sng" algn="ctr">
-                      <a:solidFill>
-                        <a:schemeClr val="tx1">
-                          <a:lumMod val="60000"/>
-                          <a:lumOff val="40000"/>
-                        </a:schemeClr>
-                      </a:solidFill>
-                      <a:prstDash val="solid"/>
-                      <a:round/>
-                      <a:headEnd type="none" w="med" len="med"/>
-                      <a:tailEnd type="none" w="med" len="med"/>
-                    </a:lnL>
-                    <a:lnR w="3175" cap="flat" cmpd="sng" algn="ctr">
-                      <a:solidFill>
-                        <a:schemeClr val="tx1">
-                          <a:lumMod val="60000"/>
-                          <a:lumOff val="40000"/>
-                        </a:schemeClr>
-                      </a:solidFill>
-                      <a:prstDash val="solid"/>
-                      <a:round/>
-                      <a:headEnd type="none" w="med" len="med"/>
-                      <a:tailEnd type="none" w="med" len="med"/>
-                    </a:lnR>
-                    <a:lnT w="3175" cap="flat" cmpd="sng" algn="ctr">
-                      <a:solidFill>
-                        <a:schemeClr val="tx1">
-                          <a:lumMod val="60000"/>
-                          <a:lumOff val="40000"/>
-                        </a:schemeClr>
-                      </a:solidFill>
-                      <a:prstDash val="solid"/>
-                      <a:round/>
-                      <a:headEnd type="none" w="med" len="med"/>
-                      <a:tailEnd type="none" w="med" len="med"/>
-                    </a:lnT>
-                    <a:lnB w="3175" cap="flat" cmpd="sng" algn="ctr">
-                      <a:solidFill>
-                        <a:schemeClr val="tx1">
-                          <a:lumMod val="60000"/>
-                          <a:lumOff val="40000"/>
-                        </a:schemeClr>
-                      </a:solidFill>
-                      <a:prstDash val="solid"/>
-                      <a:round/>
-                      <a:headEnd type="none" w="med" len="med"/>
-                      <a:tailEnd type="none" w="med" len="med"/>
-                    </a:lnB>
-                    <a:solidFill>
-                      <a:schemeClr val="bg1">
-                        <a:lumMod val="95000"/>
-                      </a:schemeClr>
-                    </a:solidFill>
-                  </a:tcPr>
-                </a:tc>
-                <a:tc>
-                  <a:txBody>
-                    <a:bodyPr/>
-                    <a:lstStyle/>
-                    <a:p>
-                      <a:pPr marL="0" indent="0" algn="l">
-                        <a:buNone/>
-                      </a:pPr>
-                      <a:r>
-                        <a:rPr kumimoji="1" lang="en-US" altLang="ko-KR" sz="1400" dirty="0">
-                          <a:solidFill>
-                            <a:schemeClr val="tx1"/>
-                          </a:solidFill>
-                        </a:rPr>
-                        <a:t>1. </a:t>
-                      </a:r>
-                      <a:r>
-                        <a:rPr kumimoji="1" lang="ko-KR" altLang="en-US" sz="1400" dirty="0" err="1">
-                          <a:solidFill>
-                            <a:schemeClr val="tx1"/>
-                          </a:solidFill>
-                        </a:rPr>
-                        <a:t>맵과</a:t>
-                      </a:r>
-                      <a:r>
-                        <a:rPr kumimoji="1" lang="ko-KR" altLang="en-US" sz="1400" dirty="0">
-                          <a:solidFill>
-                            <a:schemeClr val="tx1"/>
-                          </a:solidFill>
-                        </a:rPr>
-                        <a:t> 캐릭터의 모든 움직임을 상하반전으로 보이는 것 구현</a:t>
-                      </a:r>
-                      <a:r>
-                        <a:rPr kumimoji="1" lang="en-US" altLang="ko-KR" sz="1400" dirty="0">
-                          <a:solidFill>
-                            <a:schemeClr val="tx1"/>
-                          </a:solidFill>
-                        </a:rPr>
-                        <a:t>(100%)</a:t>
-                      </a:r>
                     </a:p>
                   </a:txBody>
                   <a:tcPr anchor="ctr">
@@ -6218,611 +9553,7 @@
                 </a:tc>
                 <a:extLst>
                   <a:ext uri="{0D108BD9-81ED-4DB2-BD59-A6C34878D82A}">
-                    <a16:rowId xmlns:a16="http://schemas.microsoft.com/office/drawing/2014/main" val="10004"/>
-                  </a:ext>
-                </a:extLst>
-              </a:tr>
-              <a:tr h="917498">
-                <a:tc>
-                  <a:txBody>
-                    <a:bodyPr/>
-                    <a:lstStyle/>
-                    <a:p>
-                      <a:pPr algn="ctr"/>
-                      <a:r>
-                        <a:rPr kumimoji="1" lang="en-US" altLang="ja-JP" sz="1400" dirty="0"/>
-                        <a:t>8</a:t>
-                      </a:r>
-                      <a:r>
-                        <a:rPr kumimoji="1" lang="ko-KR" altLang="en-US" sz="1400" dirty="0"/>
-                        <a:t>주차</a:t>
-                      </a:r>
-                      <a:endParaRPr kumimoji="1" lang="ja-JP" altLang="en-US" sz="1400" dirty="0"/>
-                    </a:p>
-                  </a:txBody>
-                  <a:tcPr anchor="ctr">
-                    <a:lnR w="3175" cap="flat" cmpd="sng" algn="ctr">
-                      <a:solidFill>
-                        <a:schemeClr val="tx1">
-                          <a:lumMod val="60000"/>
-                          <a:lumOff val="40000"/>
-                        </a:schemeClr>
-                      </a:solidFill>
-                      <a:prstDash val="solid"/>
-                      <a:round/>
-                      <a:headEnd type="none" w="med" len="med"/>
-                      <a:tailEnd type="none" w="med" len="med"/>
-                    </a:lnR>
-                    <a:lnT w="3175" cap="flat" cmpd="sng" algn="ctr">
-                      <a:solidFill>
-                        <a:schemeClr val="tx1">
-                          <a:lumMod val="60000"/>
-                          <a:lumOff val="40000"/>
-                        </a:schemeClr>
-                      </a:solidFill>
-                      <a:prstDash val="solid"/>
-                      <a:round/>
-                      <a:headEnd type="none" w="med" len="med"/>
-                      <a:tailEnd type="none" w="med" len="med"/>
-                    </a:lnT>
-                    <a:lnB w="3175" cap="flat" cmpd="sng" algn="ctr">
-                      <a:solidFill>
-                        <a:schemeClr val="tx1">
-                          <a:lumMod val="60000"/>
-                          <a:lumOff val="40000"/>
-                        </a:schemeClr>
-                      </a:solidFill>
-                      <a:prstDash val="solid"/>
-                      <a:round/>
-                      <a:headEnd type="none" w="med" len="med"/>
-                      <a:tailEnd type="none" w="med" len="med"/>
-                    </a:lnB>
-                    <a:solidFill>
-                      <a:schemeClr val="bg1">
-                        <a:lumMod val="95000"/>
-                      </a:schemeClr>
-                    </a:solidFill>
-                  </a:tcPr>
-                </a:tc>
-                <a:tc>
-                  <a:txBody>
-                    <a:bodyPr/>
-                    <a:lstStyle/>
-                    <a:p>
-                      <a:pPr algn="ctr"/>
-                      <a:r>
-                        <a:rPr kumimoji="1" lang="ko-KR" altLang="en-US" sz="1400" dirty="0">
-                          <a:solidFill>
-                            <a:schemeClr val="tx1"/>
-                          </a:solidFill>
-                        </a:rPr>
-                        <a:t>게임시작 및 종료 처리</a:t>
-                      </a:r>
-                      <a:endParaRPr kumimoji="1" lang="en-US" altLang="ko-KR" sz="1400" dirty="0">
-                        <a:solidFill>
-                          <a:schemeClr val="tx1"/>
-                        </a:solidFill>
-                      </a:endParaRPr>
-                    </a:p>
-                    <a:p>
-                      <a:pPr algn="ctr"/>
-                      <a:r>
-                        <a:rPr kumimoji="1" lang="ko-KR" altLang="en-US" sz="1400" dirty="0">
-                          <a:solidFill>
-                            <a:schemeClr val="tx1"/>
-                          </a:solidFill>
-                        </a:rPr>
-                        <a:t>및 </a:t>
-                      </a:r>
-                      <a:r>
-                        <a:rPr kumimoji="1" lang="ko-KR" altLang="en-US" sz="1400" dirty="0" err="1">
-                          <a:solidFill>
-                            <a:schemeClr val="tx1"/>
-                          </a:solidFill>
-                        </a:rPr>
-                        <a:t>케릭터</a:t>
-                      </a:r>
-                      <a:r>
-                        <a:rPr kumimoji="1" lang="ko-KR" altLang="en-US" sz="1400" dirty="0">
-                          <a:solidFill>
-                            <a:schemeClr val="tx1"/>
-                          </a:solidFill>
-                        </a:rPr>
-                        <a:t> 최종구현</a:t>
-                      </a:r>
-                      <a:r>
-                        <a:rPr kumimoji="1" lang="en-US" altLang="ko-KR" sz="1400" dirty="0">
-                          <a:solidFill>
-                            <a:schemeClr val="tx1"/>
-                          </a:solidFill>
-                        </a:rPr>
-                        <a:t>, </a:t>
-                      </a:r>
-                      <a:r>
-                        <a:rPr kumimoji="1" lang="ko-KR" altLang="en-US" sz="1400" dirty="0" err="1">
-                          <a:solidFill>
-                            <a:schemeClr val="tx1"/>
-                          </a:solidFill>
-                        </a:rPr>
-                        <a:t>음악삽입</a:t>
-                      </a:r>
-                      <a:r>
-                        <a:rPr kumimoji="1" lang="en-US" altLang="ko-KR" sz="1400" dirty="0">
-                          <a:solidFill>
-                            <a:schemeClr val="tx1"/>
-                          </a:solidFill>
-                        </a:rPr>
-                        <a:t>(55%)</a:t>
-                      </a:r>
-                      <a:endParaRPr kumimoji="1" lang="ja-JP" altLang="en-US" sz="1400" dirty="0">
-                        <a:solidFill>
-                          <a:schemeClr val="tx1"/>
-                        </a:solidFill>
-                      </a:endParaRPr>
-                    </a:p>
-                  </a:txBody>
-                  <a:tcPr anchor="ctr">
-                    <a:lnL w="3175" cap="flat" cmpd="sng" algn="ctr">
-                      <a:solidFill>
-                        <a:schemeClr val="tx1">
-                          <a:lumMod val="60000"/>
-                          <a:lumOff val="40000"/>
-                        </a:schemeClr>
-                      </a:solidFill>
-                      <a:prstDash val="solid"/>
-                      <a:round/>
-                      <a:headEnd type="none" w="med" len="med"/>
-                      <a:tailEnd type="none" w="med" len="med"/>
-                    </a:lnL>
-                    <a:lnR w="3175" cap="flat" cmpd="sng" algn="ctr">
-                      <a:solidFill>
-                        <a:schemeClr val="tx1">
-                          <a:lumMod val="60000"/>
-                          <a:lumOff val="40000"/>
-                        </a:schemeClr>
-                      </a:solidFill>
-                      <a:prstDash val="solid"/>
-                      <a:round/>
-                      <a:headEnd type="none" w="med" len="med"/>
-                      <a:tailEnd type="none" w="med" len="med"/>
-                    </a:lnR>
-                    <a:lnT w="3175" cap="flat" cmpd="sng" algn="ctr">
-                      <a:solidFill>
-                        <a:schemeClr val="tx1">
-                          <a:lumMod val="60000"/>
-                          <a:lumOff val="40000"/>
-                        </a:schemeClr>
-                      </a:solidFill>
-                      <a:prstDash val="solid"/>
-                      <a:round/>
-                      <a:headEnd type="none" w="med" len="med"/>
-                      <a:tailEnd type="none" w="med" len="med"/>
-                    </a:lnT>
-                    <a:lnB w="3175" cap="flat" cmpd="sng" algn="ctr">
-                      <a:solidFill>
-                        <a:schemeClr val="tx1">
-                          <a:lumMod val="60000"/>
-                          <a:lumOff val="40000"/>
-                        </a:schemeClr>
-                      </a:solidFill>
-                      <a:prstDash val="solid"/>
-                      <a:round/>
-                      <a:headEnd type="none" w="med" len="med"/>
-                      <a:tailEnd type="none" w="med" len="med"/>
-                    </a:lnB>
-                    <a:solidFill>
-                      <a:schemeClr val="bg1">
-                        <a:lumMod val="95000"/>
-                      </a:schemeClr>
-                    </a:solidFill>
-                  </a:tcPr>
-                </a:tc>
-                <a:tc>
-                  <a:txBody>
-                    <a:bodyPr/>
-                    <a:lstStyle/>
-                    <a:p>
-                      <a:pPr marL="342900" indent="-342900" algn="l">
-                        <a:buAutoNum type="arabicPeriod"/>
-                      </a:pPr>
-                      <a:r>
-                        <a:rPr kumimoji="1" lang="ko-KR" altLang="en-US" sz="1400" dirty="0">
-                          <a:solidFill>
-                            <a:schemeClr val="tx1"/>
-                          </a:solidFill>
-                        </a:rPr>
-                        <a:t>게임시작시 설명 키와 </a:t>
-                      </a:r>
-                      <a:r>
-                        <a:rPr kumimoji="1" lang="ko-KR" altLang="en-US" sz="1400" dirty="0" err="1">
-                          <a:solidFill>
-                            <a:schemeClr val="tx1"/>
-                          </a:solidFill>
-                        </a:rPr>
-                        <a:t>스타트키를</a:t>
-                      </a:r>
-                      <a:r>
-                        <a:rPr kumimoji="1" lang="ko-KR" altLang="en-US" sz="1400" dirty="0">
-                          <a:solidFill>
-                            <a:schemeClr val="tx1"/>
-                          </a:solidFill>
-                        </a:rPr>
-                        <a:t> 구현하고 시작 화면을 띄운다</a:t>
-                      </a:r>
-                      <a:r>
-                        <a:rPr kumimoji="1" lang="en-US" altLang="ko-KR" sz="1400" dirty="0">
-                          <a:solidFill>
-                            <a:schemeClr val="tx1"/>
-                          </a:solidFill>
-                        </a:rPr>
-                        <a:t>.(80%)</a:t>
-                      </a:r>
-                    </a:p>
-                    <a:p>
-                      <a:pPr marL="342900" indent="-342900" algn="l">
-                        <a:buAutoNum type="arabicPeriod"/>
-                      </a:pPr>
-                      <a:r>
-                        <a:rPr kumimoji="1" lang="ko-KR" altLang="en-US" sz="1400" dirty="0">
-                          <a:solidFill>
-                            <a:schemeClr val="tx1"/>
-                          </a:solidFill>
-                        </a:rPr>
-                        <a:t>게임종료시 도달한 </a:t>
-                      </a:r>
-                      <a:r>
-                        <a:rPr kumimoji="1" lang="en-US" altLang="ko-KR" sz="1400" dirty="0">
-                          <a:solidFill>
-                            <a:schemeClr val="tx1"/>
-                          </a:solidFill>
-                        </a:rPr>
-                        <a:t>%</a:t>
-                      </a:r>
-                      <a:r>
-                        <a:rPr kumimoji="1" lang="ko-KR" altLang="en-US" sz="1400" dirty="0">
-                          <a:solidFill>
-                            <a:schemeClr val="tx1"/>
-                          </a:solidFill>
-                        </a:rPr>
-                        <a:t>를 표시하고 종료키와 </a:t>
-                      </a:r>
-                      <a:r>
-                        <a:rPr kumimoji="1" lang="ko-KR" altLang="en-US" sz="1400" dirty="0" err="1">
-                          <a:solidFill>
-                            <a:schemeClr val="tx1"/>
-                          </a:solidFill>
-                        </a:rPr>
-                        <a:t>리스타트</a:t>
-                      </a:r>
-                      <a:r>
-                        <a:rPr kumimoji="1" lang="ko-KR" altLang="en-US" sz="1400" dirty="0">
-                          <a:solidFill>
-                            <a:schemeClr val="tx1"/>
-                          </a:solidFill>
-                        </a:rPr>
-                        <a:t> 키를 구현한다</a:t>
-                      </a:r>
-                      <a:r>
-                        <a:rPr kumimoji="1" lang="en-US" altLang="ko-KR" sz="1400" dirty="0">
-                          <a:solidFill>
-                            <a:schemeClr val="tx1"/>
-                          </a:solidFill>
-                        </a:rPr>
-                        <a:t>.(50%)</a:t>
-                      </a:r>
-                    </a:p>
-                    <a:p>
-                      <a:pPr marL="342900" indent="-342900" algn="l">
-                        <a:buAutoNum type="arabicPeriod"/>
-                      </a:pPr>
-                      <a:r>
-                        <a:rPr kumimoji="1" lang="ko-KR" altLang="en-US" sz="1400" dirty="0">
-                          <a:solidFill>
-                            <a:schemeClr val="tx1"/>
-                          </a:solidFill>
-                        </a:rPr>
-                        <a:t>캐릭터 소멸 효과 구현</a:t>
-                      </a:r>
-                      <a:r>
-                        <a:rPr kumimoji="1" lang="en-US" altLang="ko-KR" sz="1400" dirty="0">
-                          <a:solidFill>
-                            <a:schemeClr val="tx1"/>
-                          </a:solidFill>
-                        </a:rPr>
-                        <a:t>(0%)</a:t>
-                      </a:r>
-                    </a:p>
-                    <a:p>
-                      <a:pPr marL="342900" indent="-342900" algn="l">
-                        <a:buAutoNum type="arabicPeriod"/>
-                      </a:pPr>
-                      <a:r>
-                        <a:rPr kumimoji="1" lang="ko-KR" altLang="en-US" sz="1400" dirty="0" err="1">
-                          <a:solidFill>
-                            <a:schemeClr val="tx1"/>
-                          </a:solidFill>
-                        </a:rPr>
-                        <a:t>음악삽입</a:t>
-                      </a:r>
-                      <a:r>
-                        <a:rPr kumimoji="1" lang="en-US" altLang="ko-KR" sz="1400" dirty="0">
-                          <a:solidFill>
-                            <a:schemeClr val="tx1"/>
-                          </a:solidFill>
-                        </a:rPr>
-                        <a:t>(80%)</a:t>
-                      </a:r>
-                    </a:p>
-                  </a:txBody>
-                  <a:tcPr anchor="ctr">
-                    <a:lnL w="3175" cap="flat" cmpd="sng" algn="ctr">
-                      <a:solidFill>
-                        <a:schemeClr val="tx1">
-                          <a:lumMod val="60000"/>
-                          <a:lumOff val="40000"/>
-                        </a:schemeClr>
-                      </a:solidFill>
-                      <a:prstDash val="solid"/>
-                      <a:round/>
-                      <a:headEnd type="none" w="med" len="med"/>
-                      <a:tailEnd type="none" w="med" len="med"/>
-                    </a:lnL>
-                    <a:lnR w="3175" cap="flat" cmpd="sng" algn="ctr">
-                      <a:solidFill>
-                        <a:schemeClr val="tx1">
-                          <a:lumMod val="60000"/>
-                          <a:lumOff val="40000"/>
-                        </a:schemeClr>
-                      </a:solidFill>
-                      <a:prstDash val="solid"/>
-                      <a:round/>
-                      <a:headEnd type="none" w="med" len="med"/>
-                      <a:tailEnd type="none" w="med" len="med"/>
-                    </a:lnR>
-                    <a:lnT w="3175" cap="flat" cmpd="sng" algn="ctr">
-                      <a:solidFill>
-                        <a:schemeClr val="tx1">
-                          <a:lumMod val="60000"/>
-                          <a:lumOff val="40000"/>
-                        </a:schemeClr>
-                      </a:solidFill>
-                      <a:prstDash val="solid"/>
-                      <a:round/>
-                      <a:headEnd type="none" w="med" len="med"/>
-                      <a:tailEnd type="none" w="med" len="med"/>
-                    </a:lnT>
-                    <a:lnB w="3175" cap="flat" cmpd="sng" algn="ctr">
-                      <a:solidFill>
-                        <a:schemeClr val="tx1">
-                          <a:lumMod val="60000"/>
-                          <a:lumOff val="40000"/>
-                        </a:schemeClr>
-                      </a:solidFill>
-                      <a:prstDash val="solid"/>
-                      <a:round/>
-                      <a:headEnd type="none" w="med" len="med"/>
-                      <a:tailEnd type="none" w="med" len="med"/>
-                    </a:lnB>
-                    <a:solidFill>
-                      <a:schemeClr val="bg1">
-                        <a:lumMod val="95000"/>
-                      </a:schemeClr>
-                    </a:solidFill>
-                  </a:tcPr>
-                </a:tc>
-                <a:extLst>
-                  <a:ext uri="{0D108BD9-81ED-4DB2-BD59-A6C34878D82A}">
-                    <a16:rowId xmlns:a16="http://schemas.microsoft.com/office/drawing/2014/main" val="2455573323"/>
-                  </a:ext>
-                </a:extLst>
-              </a:tr>
-              <a:tr h="340301">
-                <a:tc>
-                  <a:txBody>
-                    <a:bodyPr/>
-                    <a:lstStyle/>
-                    <a:p>
-                      <a:pPr algn="ctr"/>
-                      <a:r>
-                        <a:rPr kumimoji="1" lang="en-US" altLang="ja-JP" sz="1400" dirty="0"/>
-                        <a:t>9</a:t>
-                      </a:r>
-                      <a:r>
-                        <a:rPr kumimoji="1" lang="ko-KR" altLang="en-US" sz="1400" dirty="0"/>
-                        <a:t>주차</a:t>
-                      </a:r>
-                      <a:endParaRPr kumimoji="1" lang="ja-JP" altLang="en-US" sz="1400" dirty="0"/>
-                    </a:p>
-                  </a:txBody>
-                  <a:tcPr anchor="ctr">
-                    <a:lnR w="3175" cap="flat" cmpd="sng" algn="ctr">
-                      <a:solidFill>
-                        <a:schemeClr val="tx1">
-                          <a:lumMod val="60000"/>
-                          <a:lumOff val="40000"/>
-                        </a:schemeClr>
-                      </a:solidFill>
-                      <a:prstDash val="solid"/>
-                      <a:round/>
-                      <a:headEnd type="none" w="med" len="med"/>
-                      <a:tailEnd type="none" w="med" len="med"/>
-                    </a:lnR>
-                    <a:lnT w="3175" cap="flat" cmpd="sng" algn="ctr">
-                      <a:solidFill>
-                        <a:schemeClr val="tx1">
-                          <a:lumMod val="60000"/>
-                          <a:lumOff val="40000"/>
-                        </a:schemeClr>
-                      </a:solidFill>
-                      <a:prstDash val="solid"/>
-                      <a:round/>
-                      <a:headEnd type="none" w="med" len="med"/>
-                      <a:tailEnd type="none" w="med" len="med"/>
-                    </a:lnT>
-                    <a:lnB w="3175" cap="flat" cmpd="sng" algn="ctr">
-                      <a:solidFill>
-                        <a:schemeClr val="tx1">
-                          <a:lumMod val="60000"/>
-                          <a:lumOff val="40000"/>
-                        </a:schemeClr>
-                      </a:solidFill>
-                      <a:prstDash val="solid"/>
-                      <a:round/>
-                      <a:headEnd type="none" w="med" len="med"/>
-                      <a:tailEnd type="none" w="med" len="med"/>
-                    </a:lnB>
-                    <a:solidFill>
-                      <a:schemeClr val="bg1">
-                        <a:lumMod val="95000"/>
-                      </a:schemeClr>
-                    </a:solidFill>
-                  </a:tcPr>
-                </a:tc>
-                <a:tc>
-                  <a:txBody>
-                    <a:bodyPr/>
-                    <a:lstStyle/>
-                    <a:p>
-                      <a:pPr algn="ctr"/>
-                      <a:r>
-                        <a:rPr kumimoji="1" lang="ko-KR" altLang="en-US" sz="1400" dirty="0"/>
-                        <a:t>마무리</a:t>
-                      </a:r>
-                      <a:endParaRPr kumimoji="1" lang="ja-JP" altLang="en-US" sz="1400" dirty="0"/>
-                    </a:p>
-                  </a:txBody>
-                  <a:tcPr anchor="ctr">
-                    <a:lnL w="3175" cap="flat" cmpd="sng" algn="ctr">
-                      <a:solidFill>
-                        <a:schemeClr val="tx1">
-                          <a:lumMod val="60000"/>
-                          <a:lumOff val="40000"/>
-                        </a:schemeClr>
-                      </a:solidFill>
-                      <a:prstDash val="solid"/>
-                      <a:round/>
-                      <a:headEnd type="none" w="med" len="med"/>
-                      <a:tailEnd type="none" w="med" len="med"/>
-                    </a:lnL>
-                    <a:lnR w="3175" cap="flat" cmpd="sng" algn="ctr">
-                      <a:solidFill>
-                        <a:schemeClr val="tx1">
-                          <a:lumMod val="60000"/>
-                          <a:lumOff val="40000"/>
-                        </a:schemeClr>
-                      </a:solidFill>
-                      <a:prstDash val="solid"/>
-                      <a:round/>
-                      <a:headEnd type="none" w="med" len="med"/>
-                      <a:tailEnd type="none" w="med" len="med"/>
-                    </a:lnR>
-                    <a:lnT w="3175" cap="flat" cmpd="sng" algn="ctr">
-                      <a:solidFill>
-                        <a:schemeClr val="tx1">
-                          <a:lumMod val="60000"/>
-                          <a:lumOff val="40000"/>
-                        </a:schemeClr>
-                      </a:solidFill>
-                      <a:prstDash val="solid"/>
-                      <a:round/>
-                      <a:headEnd type="none" w="med" len="med"/>
-                      <a:tailEnd type="none" w="med" len="med"/>
-                    </a:lnT>
-                    <a:lnB w="3175" cap="flat" cmpd="sng" algn="ctr">
-                      <a:solidFill>
-                        <a:schemeClr val="tx1">
-                          <a:lumMod val="60000"/>
-                          <a:lumOff val="40000"/>
-                        </a:schemeClr>
-                      </a:solidFill>
-                      <a:prstDash val="solid"/>
-                      <a:round/>
-                      <a:headEnd type="none" w="med" len="med"/>
-                      <a:tailEnd type="none" w="med" len="med"/>
-                    </a:lnB>
-                    <a:solidFill>
-                      <a:schemeClr val="bg1">
-                        <a:lumMod val="95000"/>
-                      </a:schemeClr>
-                    </a:solidFill>
-                  </a:tcPr>
-                </a:tc>
-                <a:tc>
-                  <a:txBody>
-                    <a:bodyPr/>
-                    <a:lstStyle/>
-                    <a:p>
-                      <a:pPr algn="l"/>
-                      <a:r>
-                        <a:rPr kumimoji="1" lang="ko-KR" altLang="en-US" sz="1400" dirty="0"/>
-                        <a:t>최종적으로 게임을 점검한다</a:t>
-                      </a:r>
-                      <a:r>
-                        <a:rPr kumimoji="1" lang="en-US" altLang="ko-KR" sz="1400" dirty="0"/>
-                        <a:t>.</a:t>
-                      </a:r>
-                      <a:endParaRPr kumimoji="1" lang="ja-JP" altLang="en-US" sz="1400" dirty="0"/>
-                    </a:p>
-                  </a:txBody>
-                  <a:tcPr anchor="ctr">
-                    <a:lnL w="3175" cap="flat" cmpd="sng" algn="ctr">
-                      <a:solidFill>
-                        <a:schemeClr val="tx1">
-                          <a:lumMod val="60000"/>
-                          <a:lumOff val="40000"/>
-                        </a:schemeClr>
-                      </a:solidFill>
-                      <a:prstDash val="solid"/>
-                      <a:round/>
-                      <a:headEnd type="none" w="med" len="med"/>
-                      <a:tailEnd type="none" w="med" len="med"/>
-                    </a:lnL>
-                    <a:lnR w="3175" cap="flat" cmpd="sng" algn="ctr">
-                      <a:solidFill>
-                        <a:schemeClr val="tx1">
-                          <a:lumMod val="60000"/>
-                          <a:lumOff val="40000"/>
-                        </a:schemeClr>
-                      </a:solidFill>
-                      <a:prstDash val="solid"/>
-                      <a:round/>
-                      <a:headEnd type="none" w="med" len="med"/>
-                      <a:tailEnd type="none" w="med" len="med"/>
-                    </a:lnR>
-                    <a:lnT w="3175" cap="flat" cmpd="sng" algn="ctr">
-                      <a:solidFill>
-                        <a:schemeClr val="tx1">
-                          <a:lumMod val="60000"/>
-                          <a:lumOff val="40000"/>
-                        </a:schemeClr>
-                      </a:solidFill>
-                      <a:prstDash val="solid"/>
-                      <a:round/>
-                      <a:headEnd type="none" w="med" len="med"/>
-                      <a:tailEnd type="none" w="med" len="med"/>
-                    </a:lnT>
-                    <a:lnB w="3175" cap="flat" cmpd="sng" algn="ctr">
-                      <a:solidFill>
-                        <a:schemeClr val="tx1">
-                          <a:lumMod val="60000"/>
-                          <a:lumOff val="40000"/>
-                        </a:schemeClr>
-                      </a:solidFill>
-                      <a:prstDash val="solid"/>
-                      <a:round/>
-                      <a:headEnd type="none" w="med" len="med"/>
-                      <a:tailEnd type="none" w="med" len="med"/>
-                    </a:lnB>
-                    <a:solidFill>
-                      <a:schemeClr val="bg1">
-                        <a:lumMod val="95000"/>
-                      </a:schemeClr>
-                    </a:solidFill>
-                  </a:tcPr>
-                </a:tc>
-                <a:extLst>
-                  <a:ext uri="{0D108BD9-81ED-4DB2-BD59-A6C34878D82A}">
-                    <a16:rowId xmlns:a16="http://schemas.microsoft.com/office/drawing/2014/main" val="621682867"/>
+                    <a16:rowId xmlns:a16="http://schemas.microsoft.com/office/drawing/2014/main" val="2687394062"/>
                   </a:ext>
                 </a:extLst>
               </a:tr>
@@ -6830,10 +9561,68 @@
           </a:graphicData>
         </a:graphic>
       </p:graphicFrame>
+      <p:graphicFrame>
+        <p:nvGraphicFramePr>
+          <p:cNvPr id="17" name="차트 16">
+            <a:extLst>
+              <a:ext uri="{FF2B5EF4-FFF2-40B4-BE49-F238E27FC236}">
+                <a16:creationId xmlns:a16="http://schemas.microsoft.com/office/drawing/2014/main" id="{42DD7235-9DCC-46B6-B3FA-831D6460C94B}"/>
+              </a:ext>
+            </a:extLst>
+          </p:cNvPr>
+          <p:cNvGraphicFramePr/>
+          <p:nvPr>
+            <p:extLst>
+              <p:ext uri="{D42A27DB-BD31-4B8C-83A1-F6EECF244321}">
+                <p14:modId xmlns:p14="http://schemas.microsoft.com/office/powerpoint/2010/main" val="2281857669"/>
+              </p:ext>
+            </p:extLst>
+          </p:nvPr>
+        </p:nvGraphicFramePr>
+        <p:xfrm>
+          <a:off x="151741" y="1825491"/>
+          <a:ext cx="5074683" cy="3920690"/>
+        </p:xfrm>
+        <a:graphic>
+          <a:graphicData uri="http://schemas.openxmlformats.org/drawingml/2006/chart">
+            <c:chart xmlns:c="http://schemas.openxmlformats.org/drawingml/2006/chart" xmlns:r="http://schemas.openxmlformats.org/officeDocument/2006/relationships" r:id="rId3"/>
+          </a:graphicData>
+        </a:graphic>
+      </p:graphicFrame>
+      <p:pic>
+        <p:nvPicPr>
+          <p:cNvPr id="18" name="그림 17">
+            <a:extLst>
+              <a:ext uri="{FF2B5EF4-FFF2-40B4-BE49-F238E27FC236}">
+                <a16:creationId xmlns:a16="http://schemas.microsoft.com/office/drawing/2014/main" id="{2448B2CC-EDF9-45A1-83AD-C996C7E1E1B9}"/>
+              </a:ext>
+            </a:extLst>
+          </p:cNvPr>
+          <p:cNvPicPr>
+            <a:picLocks noChangeAspect="1"/>
+          </p:cNvPicPr>
+          <p:nvPr/>
+        </p:nvPicPr>
+        <p:blipFill>
+          <a:blip r:embed="rId4"/>
+          <a:stretch>
+            <a:fillRect/>
+          </a:stretch>
+        </p:blipFill>
+        <p:spPr>
+          <a:xfrm>
+            <a:off x="5127812" y="2268072"/>
+            <a:ext cx="726140" cy="3281082"/>
+          </a:xfrm>
+          <a:prstGeom prst="rect">
+            <a:avLst/>
+          </a:prstGeom>
+        </p:spPr>
+      </p:pic>
     </p:spTree>
     <p:extLst>
       <p:ext uri="{BB962C8B-B14F-4D97-AF65-F5344CB8AC3E}">
-        <p14:creationId xmlns:p14="http://schemas.microsoft.com/office/powerpoint/2010/main" val="4094470459"/>
+        <p14:creationId xmlns:p14="http://schemas.microsoft.com/office/powerpoint/2010/main" val="1334719485"/>
       </p:ext>
     </p:extLst>
   </p:cSld>

--- a/3차발표/2DGP 3차발표.pptx
+++ b/3차발표/2DGP 3차발표.pptx
@@ -7868,7 +7868,7 @@
         <p:spPr>
           <a:xfrm>
             <a:off x="2533220" y="79337"/>
-            <a:ext cx="3198311" cy="923330"/>
+            <a:ext cx="5519460" cy="923330"/>
           </a:xfrm>
           <a:prstGeom prst="rect">
             <a:avLst/>
@@ -7881,6 +7881,22 @@
           </a:bodyPr>
           <a:lstStyle/>
           <a:p>
+            <a:r>
+              <a:rPr kumimoji="1" lang="ko-KR" altLang="en-US" sz="5400" b="1" dirty="0" err="1">
+                <a:solidFill>
+                  <a:schemeClr val="bg1"/>
+                </a:solidFill>
+              </a:rPr>
+              <a:t>깃허브</a:t>
+            </a:r>
+            <a:r>
+              <a:rPr kumimoji="1" lang="ko-KR" altLang="en-US" sz="5400" b="1" dirty="0">
+                <a:solidFill>
+                  <a:schemeClr val="bg1"/>
+                </a:solidFill>
+              </a:rPr>
+              <a:t> </a:t>
+            </a:r>
             <a:r>
               <a:rPr kumimoji="1" lang="ko-KR" altLang="en-US" sz="5400" b="1" dirty="0" err="1">
                 <a:solidFill>
